--- a/presentations/ippm-ioam-direct-exporting-ietf-106.pptx
+++ b/presentations/ippm-ioam-direct-exporting-ietf-106.pptx
@@ -5,7 +5,7 @@
     <p:sldMasterId id="2147483648" r:id="rId1"/>
   </p:sldMasterIdLst>
   <p:notesMasterIdLst>
-    <p:notesMasterId r:id="rId12"/>
+    <p:notesMasterId r:id="rId8"/>
   </p:notesMasterIdLst>
   <p:sldIdLst>
     <p:sldId id="256" r:id="rId2"/>
@@ -13,11 +13,7 @@
     <p:sldId id="258" r:id="rId4"/>
     <p:sldId id="259" r:id="rId5"/>
     <p:sldId id="260" r:id="rId6"/>
-    <p:sldId id="261" r:id="rId7"/>
-    <p:sldId id="262" r:id="rId8"/>
-    <p:sldId id="265" r:id="rId9"/>
-    <p:sldId id="264" r:id="rId10"/>
-    <p:sldId id="263" r:id="rId11"/>
+    <p:sldId id="265" r:id="rId7"/>
   </p:sldIdLst>
   <p:sldSz cx="12192000" cy="6858000"/>
   <p:notesSz cx="6858000" cy="9144000"/>
@@ -116,6 +112,11 @@
       </a:defRPr>
     </a:lvl9pPr>
   </p:defaultTextStyle>
+  <p:extLst>
+    <p:ext uri="{EFAFB233-063F-42B5-8137-9DF3F51BA10A}">
+      <p15:sldGuideLst xmlns:p15="http://schemas.microsoft.com/office/powerpoint/2012/main"/>
+    </p:ext>
+  </p:extLst>
 </p:presentation>
 </file>
 
@@ -201,7 +202,7 @@
           <a:p>
             <a:fld id="{DA61E454-4459-4E76-83EF-D0281D0657F0}" type="datetimeFigureOut">
               <a:rPr lang="en-US" smtClean="0"/>
-              <a:t>10/22/2019</a:t>
+              <a:t>10/23/2019</a:t>
             </a:fld>
             <a:endParaRPr lang="en-US"/>
           </a:p>
@@ -265,38 +266,37 @@
           <a:p>
             <a:pPr lvl="0"/>
             <a:r>
-              <a:rPr lang="en-US" smtClean="0"/>
+              <a:rPr lang="en-US"/>
               <a:t>Edit Master text styles</a:t>
             </a:r>
           </a:p>
           <a:p>
             <a:pPr lvl="1"/>
             <a:r>
-              <a:rPr lang="en-US" smtClean="0"/>
+              <a:rPr lang="en-US"/>
               <a:t>Second level</a:t>
             </a:r>
           </a:p>
           <a:p>
             <a:pPr lvl="2"/>
             <a:r>
-              <a:rPr lang="en-US" smtClean="0"/>
+              <a:rPr lang="en-US"/>
               <a:t>Third level</a:t>
             </a:r>
           </a:p>
           <a:p>
             <a:pPr lvl="3"/>
             <a:r>
-              <a:rPr lang="en-US" smtClean="0"/>
+              <a:rPr lang="en-US"/>
               <a:t>Fourth level</a:t>
             </a:r>
           </a:p>
           <a:p>
             <a:pPr lvl="4"/>
             <a:r>
-              <a:rPr lang="en-US" smtClean="0"/>
+              <a:rPr lang="en-US"/>
               <a:t>Fifth level</a:t>
             </a:r>
-            <a:endParaRPr lang="en-US"/>
           </a:p>
         </p:txBody>
       </p:sp>
@@ -511,10 +511,9 @@
           </a:lstStyle>
           <a:p>
             <a:r>
-              <a:rPr lang="en-US" smtClean="0"/>
+              <a:rPr lang="en-US"/>
               <a:t>Click to edit Master title style</a:t>
             </a:r>
-            <a:endParaRPr lang="en-US"/>
           </a:p>
         </p:txBody>
       </p:sp>
@@ -576,10 +575,9 @@
           </a:lstStyle>
           <a:p>
             <a:r>
-              <a:rPr lang="en-US" smtClean="0"/>
+              <a:rPr lang="en-US"/>
               <a:t>Click to edit Master subtitle style</a:t>
             </a:r>
-            <a:endParaRPr lang="en-US"/>
           </a:p>
         </p:txBody>
       </p:sp>
@@ -600,7 +598,7 @@
           <a:p>
             <a:fld id="{8A8963D3-5943-4DCA-811D-32E3858FDEB1}" type="datetime1">
               <a:rPr lang="en-US" smtClean="0"/>
-              <a:t>10/22/2019</a:t>
+              <a:t>10/23/2019</a:t>
             </a:fld>
             <a:endParaRPr lang="en-US"/>
           </a:p>
@@ -694,10 +692,9 @@
           <a:lstStyle/>
           <a:p>
             <a:r>
-              <a:rPr lang="en-US" smtClean="0"/>
+              <a:rPr lang="en-US"/>
               <a:t>Click to edit Master title style</a:t>
             </a:r>
-            <a:endParaRPr lang="en-US"/>
           </a:p>
         </p:txBody>
       </p:sp>
@@ -718,38 +715,37 @@
           <a:p>
             <a:pPr lvl="0"/>
             <a:r>
-              <a:rPr lang="en-US" smtClean="0"/>
+              <a:rPr lang="en-US"/>
               <a:t>Edit Master text styles</a:t>
             </a:r>
           </a:p>
           <a:p>
             <a:pPr lvl="1"/>
             <a:r>
-              <a:rPr lang="en-US" smtClean="0"/>
+              <a:rPr lang="en-US"/>
               <a:t>Second level</a:t>
             </a:r>
           </a:p>
           <a:p>
             <a:pPr lvl="2"/>
             <a:r>
-              <a:rPr lang="en-US" smtClean="0"/>
+              <a:rPr lang="en-US"/>
               <a:t>Third level</a:t>
             </a:r>
           </a:p>
           <a:p>
             <a:pPr lvl="3"/>
             <a:r>
-              <a:rPr lang="en-US" smtClean="0"/>
+              <a:rPr lang="en-US"/>
               <a:t>Fourth level</a:t>
             </a:r>
           </a:p>
           <a:p>
             <a:pPr lvl="4"/>
             <a:r>
-              <a:rPr lang="en-US" smtClean="0"/>
+              <a:rPr lang="en-US"/>
               <a:t>Fifth level</a:t>
             </a:r>
-            <a:endParaRPr lang="en-US"/>
           </a:p>
         </p:txBody>
       </p:sp>
@@ -770,7 +766,7 @@
           <a:p>
             <a:fld id="{DC1921A9-0AD7-48DD-A079-6AC13E5F9399}" type="datetime1">
               <a:rPr lang="en-US" smtClean="0"/>
-              <a:t>10/22/2019</a:t>
+              <a:t>10/23/2019</a:t>
             </a:fld>
             <a:endParaRPr lang="en-US"/>
           </a:p>
@@ -869,10 +865,9 @@
           <a:lstStyle/>
           <a:p>
             <a:r>
-              <a:rPr lang="en-US" smtClean="0"/>
+              <a:rPr lang="en-US"/>
               <a:t>Click to edit Master title style</a:t>
             </a:r>
-            <a:endParaRPr lang="en-US"/>
           </a:p>
         </p:txBody>
       </p:sp>
@@ -898,38 +893,37 @@
           <a:p>
             <a:pPr lvl="0"/>
             <a:r>
-              <a:rPr lang="en-US" smtClean="0"/>
+              <a:rPr lang="en-US"/>
               <a:t>Edit Master text styles</a:t>
             </a:r>
           </a:p>
           <a:p>
             <a:pPr lvl="1"/>
             <a:r>
-              <a:rPr lang="en-US" smtClean="0"/>
+              <a:rPr lang="en-US"/>
               <a:t>Second level</a:t>
             </a:r>
           </a:p>
           <a:p>
             <a:pPr lvl="2"/>
             <a:r>
-              <a:rPr lang="en-US" smtClean="0"/>
+              <a:rPr lang="en-US"/>
               <a:t>Third level</a:t>
             </a:r>
           </a:p>
           <a:p>
             <a:pPr lvl="3"/>
             <a:r>
-              <a:rPr lang="en-US" smtClean="0"/>
+              <a:rPr lang="en-US"/>
               <a:t>Fourth level</a:t>
             </a:r>
           </a:p>
           <a:p>
             <a:pPr lvl="4"/>
             <a:r>
-              <a:rPr lang="en-US" smtClean="0"/>
+              <a:rPr lang="en-US"/>
               <a:t>Fifth level</a:t>
             </a:r>
-            <a:endParaRPr lang="en-US"/>
           </a:p>
         </p:txBody>
       </p:sp>
@@ -950,7 +944,7 @@
           <a:p>
             <a:fld id="{8614E834-ABC4-45B8-8C86-CA6E8E6CD0CE}" type="datetime1">
               <a:rPr lang="en-US" smtClean="0"/>
-              <a:t>10/22/2019</a:t>
+              <a:t>10/23/2019</a:t>
             </a:fld>
             <a:endParaRPr lang="en-US"/>
           </a:p>
@@ -1044,10 +1038,9 @@
           <a:lstStyle/>
           <a:p>
             <a:r>
-              <a:rPr lang="en-US" smtClean="0"/>
+              <a:rPr lang="en-US"/>
               <a:t>Click to edit Master title style</a:t>
             </a:r>
-            <a:endParaRPr lang="en-US"/>
           </a:p>
         </p:txBody>
       </p:sp>
@@ -1068,38 +1061,37 @@
           <a:p>
             <a:pPr lvl="0"/>
             <a:r>
-              <a:rPr lang="en-US" smtClean="0"/>
+              <a:rPr lang="en-US"/>
               <a:t>Edit Master text styles</a:t>
             </a:r>
           </a:p>
           <a:p>
             <a:pPr lvl="1"/>
             <a:r>
-              <a:rPr lang="en-US" smtClean="0"/>
+              <a:rPr lang="en-US"/>
               <a:t>Second level</a:t>
             </a:r>
           </a:p>
           <a:p>
             <a:pPr lvl="2"/>
             <a:r>
-              <a:rPr lang="en-US" smtClean="0"/>
+              <a:rPr lang="en-US"/>
               <a:t>Third level</a:t>
             </a:r>
           </a:p>
           <a:p>
             <a:pPr lvl="3"/>
             <a:r>
-              <a:rPr lang="en-US" smtClean="0"/>
+              <a:rPr lang="en-US"/>
               <a:t>Fourth level</a:t>
             </a:r>
           </a:p>
           <a:p>
             <a:pPr lvl="4"/>
             <a:r>
-              <a:rPr lang="en-US" smtClean="0"/>
+              <a:rPr lang="en-US"/>
               <a:t>Fifth level</a:t>
             </a:r>
-            <a:endParaRPr lang="en-US"/>
           </a:p>
         </p:txBody>
       </p:sp>
@@ -1120,7 +1112,7 @@
           <a:p>
             <a:fld id="{44082BEB-F9A6-4DA4-9508-53612AD13837}" type="datetime1">
               <a:rPr lang="en-US" smtClean="0"/>
-              <a:t>10/22/2019</a:t>
+              <a:t>10/23/2019</a:t>
             </a:fld>
             <a:endParaRPr lang="en-US"/>
           </a:p>
@@ -1223,10 +1215,9 @@
           </a:lstStyle>
           <a:p>
             <a:r>
-              <a:rPr lang="en-US" smtClean="0"/>
+              <a:rPr lang="en-US"/>
               <a:t>Click to edit Master title style</a:t>
             </a:r>
-            <a:endParaRPr lang="en-US"/>
           </a:p>
         </p:txBody>
       </p:sp>
@@ -1343,7 +1334,7 @@
           <a:p>
             <a:pPr lvl="0"/>
             <a:r>
-              <a:rPr lang="en-US" smtClean="0"/>
+              <a:rPr lang="en-US"/>
               <a:t>Edit Master text styles</a:t>
             </a:r>
           </a:p>
@@ -1366,7 +1357,7 @@
           <a:p>
             <a:fld id="{A86BD59C-A0C1-4266-83EE-C322A7424133}" type="datetime1">
               <a:rPr lang="en-US" smtClean="0"/>
-              <a:t>10/22/2019</a:t>
+              <a:t>10/23/2019</a:t>
             </a:fld>
             <a:endParaRPr lang="en-US"/>
           </a:p>
@@ -1460,10 +1451,9 @@
           <a:lstStyle/>
           <a:p>
             <a:r>
-              <a:rPr lang="en-US" smtClean="0"/>
+              <a:rPr lang="en-US"/>
               <a:t>Click to edit Master title style</a:t>
             </a:r>
-            <a:endParaRPr lang="en-US"/>
           </a:p>
         </p:txBody>
       </p:sp>
@@ -1489,38 +1479,37 @@
           <a:p>
             <a:pPr lvl="0"/>
             <a:r>
-              <a:rPr lang="en-US" smtClean="0"/>
+              <a:rPr lang="en-US"/>
               <a:t>Edit Master text styles</a:t>
             </a:r>
           </a:p>
           <a:p>
             <a:pPr lvl="1"/>
             <a:r>
-              <a:rPr lang="en-US" smtClean="0"/>
+              <a:rPr lang="en-US"/>
               <a:t>Second level</a:t>
             </a:r>
           </a:p>
           <a:p>
             <a:pPr lvl="2"/>
             <a:r>
-              <a:rPr lang="en-US" smtClean="0"/>
+              <a:rPr lang="en-US"/>
               <a:t>Third level</a:t>
             </a:r>
           </a:p>
           <a:p>
             <a:pPr lvl="3"/>
             <a:r>
-              <a:rPr lang="en-US" smtClean="0"/>
+              <a:rPr lang="en-US"/>
               <a:t>Fourth level</a:t>
             </a:r>
           </a:p>
           <a:p>
             <a:pPr lvl="4"/>
             <a:r>
-              <a:rPr lang="en-US" smtClean="0"/>
+              <a:rPr lang="en-US"/>
               <a:t>Fifth level</a:t>
             </a:r>
-            <a:endParaRPr lang="en-US"/>
           </a:p>
         </p:txBody>
       </p:sp>
@@ -1546,38 +1535,37 @@
           <a:p>
             <a:pPr lvl="0"/>
             <a:r>
-              <a:rPr lang="en-US" smtClean="0"/>
+              <a:rPr lang="en-US"/>
               <a:t>Edit Master text styles</a:t>
             </a:r>
           </a:p>
           <a:p>
             <a:pPr lvl="1"/>
             <a:r>
-              <a:rPr lang="en-US" smtClean="0"/>
+              <a:rPr lang="en-US"/>
               <a:t>Second level</a:t>
             </a:r>
           </a:p>
           <a:p>
             <a:pPr lvl="2"/>
             <a:r>
-              <a:rPr lang="en-US" smtClean="0"/>
+              <a:rPr lang="en-US"/>
               <a:t>Third level</a:t>
             </a:r>
           </a:p>
           <a:p>
             <a:pPr lvl="3"/>
             <a:r>
-              <a:rPr lang="en-US" smtClean="0"/>
+              <a:rPr lang="en-US"/>
               <a:t>Fourth level</a:t>
             </a:r>
           </a:p>
           <a:p>
             <a:pPr lvl="4"/>
             <a:r>
-              <a:rPr lang="en-US" smtClean="0"/>
+              <a:rPr lang="en-US"/>
               <a:t>Fifth level</a:t>
             </a:r>
-            <a:endParaRPr lang="en-US"/>
           </a:p>
         </p:txBody>
       </p:sp>
@@ -1598,7 +1586,7 @@
           <a:p>
             <a:fld id="{7CEB75FD-9233-46C6-B49F-9C167404F0CF}" type="datetime1">
               <a:rPr lang="en-US" smtClean="0"/>
-              <a:t>10/22/2019</a:t>
+              <a:t>10/23/2019</a:t>
             </a:fld>
             <a:endParaRPr lang="en-US"/>
           </a:p>
@@ -1697,10 +1685,9 @@
           <a:lstStyle/>
           <a:p>
             <a:r>
-              <a:rPr lang="en-US" smtClean="0"/>
+              <a:rPr lang="en-US"/>
               <a:t>Click to edit Master title style</a:t>
             </a:r>
-            <a:endParaRPr lang="en-US"/>
           </a:p>
         </p:txBody>
       </p:sp>
@@ -1763,7 +1750,7 @@
           <a:p>
             <a:pPr lvl="0"/>
             <a:r>
-              <a:rPr lang="en-US" smtClean="0"/>
+              <a:rPr lang="en-US"/>
               <a:t>Edit Master text styles</a:t>
             </a:r>
           </a:p>
@@ -1791,38 +1778,37 @@
           <a:p>
             <a:pPr lvl="0"/>
             <a:r>
-              <a:rPr lang="en-US" smtClean="0"/>
+              <a:rPr lang="en-US"/>
               <a:t>Edit Master text styles</a:t>
             </a:r>
           </a:p>
           <a:p>
             <a:pPr lvl="1"/>
             <a:r>
-              <a:rPr lang="en-US" smtClean="0"/>
+              <a:rPr lang="en-US"/>
               <a:t>Second level</a:t>
             </a:r>
           </a:p>
           <a:p>
             <a:pPr lvl="2"/>
             <a:r>
-              <a:rPr lang="en-US" smtClean="0"/>
+              <a:rPr lang="en-US"/>
               <a:t>Third level</a:t>
             </a:r>
           </a:p>
           <a:p>
             <a:pPr lvl="3"/>
             <a:r>
-              <a:rPr lang="en-US" smtClean="0"/>
+              <a:rPr lang="en-US"/>
               <a:t>Fourth level</a:t>
             </a:r>
           </a:p>
           <a:p>
             <a:pPr lvl="4"/>
             <a:r>
-              <a:rPr lang="en-US" smtClean="0"/>
+              <a:rPr lang="en-US"/>
               <a:t>Fifth level</a:t>
             </a:r>
-            <a:endParaRPr lang="en-US"/>
           </a:p>
         </p:txBody>
       </p:sp>
@@ -1885,7 +1871,7 @@
           <a:p>
             <a:pPr lvl="0"/>
             <a:r>
-              <a:rPr lang="en-US" smtClean="0"/>
+              <a:rPr lang="en-US"/>
               <a:t>Edit Master text styles</a:t>
             </a:r>
           </a:p>
@@ -1913,38 +1899,37 @@
           <a:p>
             <a:pPr lvl="0"/>
             <a:r>
-              <a:rPr lang="en-US" smtClean="0"/>
+              <a:rPr lang="en-US"/>
               <a:t>Edit Master text styles</a:t>
             </a:r>
           </a:p>
           <a:p>
             <a:pPr lvl="1"/>
             <a:r>
-              <a:rPr lang="en-US" smtClean="0"/>
+              <a:rPr lang="en-US"/>
               <a:t>Second level</a:t>
             </a:r>
           </a:p>
           <a:p>
             <a:pPr lvl="2"/>
             <a:r>
-              <a:rPr lang="en-US" smtClean="0"/>
+              <a:rPr lang="en-US"/>
               <a:t>Third level</a:t>
             </a:r>
           </a:p>
           <a:p>
             <a:pPr lvl="3"/>
             <a:r>
-              <a:rPr lang="en-US" smtClean="0"/>
+              <a:rPr lang="en-US"/>
               <a:t>Fourth level</a:t>
             </a:r>
           </a:p>
           <a:p>
             <a:pPr lvl="4"/>
             <a:r>
-              <a:rPr lang="en-US" smtClean="0"/>
+              <a:rPr lang="en-US"/>
               <a:t>Fifth level</a:t>
             </a:r>
-            <a:endParaRPr lang="en-US"/>
           </a:p>
         </p:txBody>
       </p:sp>
@@ -1965,7 +1950,7 @@
           <a:p>
             <a:fld id="{408A7789-D3D4-49F6-8D08-1BF95690CB9A}" type="datetime1">
               <a:rPr lang="en-US" smtClean="0"/>
-              <a:t>10/22/2019</a:t>
+              <a:t>10/23/2019</a:t>
             </a:fld>
             <a:endParaRPr lang="en-US"/>
           </a:p>
@@ -2059,10 +2044,9 @@
           <a:lstStyle/>
           <a:p>
             <a:r>
-              <a:rPr lang="en-US" smtClean="0"/>
+              <a:rPr lang="en-US"/>
               <a:t>Click to edit Master title style</a:t>
             </a:r>
-            <a:endParaRPr lang="en-US"/>
           </a:p>
         </p:txBody>
       </p:sp>
@@ -2083,7 +2067,7 @@
           <a:p>
             <a:fld id="{BBA8B7E7-02AB-4C99-81B2-30536AF277FF}" type="datetime1">
               <a:rPr lang="en-US" smtClean="0"/>
-              <a:t>10/22/2019</a:t>
+              <a:t>10/23/2019</a:t>
             </a:fld>
             <a:endParaRPr lang="en-US"/>
           </a:p>
@@ -2178,7 +2162,7 @@
           <a:p>
             <a:fld id="{6A21E02D-5020-4F3C-AF40-3CD1F65E3224}" type="datetime1">
               <a:rPr lang="en-US" smtClean="0"/>
-              <a:t>10/22/2019</a:t>
+              <a:t>10/23/2019</a:t>
             </a:fld>
             <a:endParaRPr lang="en-US"/>
           </a:p>
@@ -2281,10 +2265,9 @@
           </a:lstStyle>
           <a:p>
             <a:r>
-              <a:rPr lang="en-US" smtClean="0"/>
+              <a:rPr lang="en-US"/>
               <a:t>Click to edit Master title style</a:t>
             </a:r>
-            <a:endParaRPr lang="en-US"/>
           </a:p>
         </p:txBody>
       </p:sp>
@@ -2338,38 +2321,37 @@
           <a:p>
             <a:pPr lvl="0"/>
             <a:r>
-              <a:rPr lang="en-US" smtClean="0"/>
+              <a:rPr lang="en-US"/>
               <a:t>Edit Master text styles</a:t>
             </a:r>
           </a:p>
           <a:p>
             <a:pPr lvl="1"/>
             <a:r>
-              <a:rPr lang="en-US" smtClean="0"/>
+              <a:rPr lang="en-US"/>
               <a:t>Second level</a:t>
             </a:r>
           </a:p>
           <a:p>
             <a:pPr lvl="2"/>
             <a:r>
-              <a:rPr lang="en-US" smtClean="0"/>
+              <a:rPr lang="en-US"/>
               <a:t>Third level</a:t>
             </a:r>
           </a:p>
           <a:p>
             <a:pPr lvl="3"/>
             <a:r>
-              <a:rPr lang="en-US" smtClean="0"/>
+              <a:rPr lang="en-US"/>
               <a:t>Fourth level</a:t>
             </a:r>
           </a:p>
           <a:p>
             <a:pPr lvl="4"/>
             <a:r>
-              <a:rPr lang="en-US" smtClean="0"/>
+              <a:rPr lang="en-US"/>
               <a:t>Fifth level</a:t>
             </a:r>
-            <a:endParaRPr lang="en-US"/>
           </a:p>
         </p:txBody>
       </p:sp>
@@ -2432,7 +2414,7 @@
           <a:p>
             <a:pPr lvl="0"/>
             <a:r>
-              <a:rPr lang="en-US" smtClean="0"/>
+              <a:rPr lang="en-US"/>
               <a:t>Edit Master text styles</a:t>
             </a:r>
           </a:p>
@@ -2455,7 +2437,7 @@
           <a:p>
             <a:fld id="{6E1C4B30-B59A-4042-996E-51FC308A90F1}" type="datetime1">
               <a:rPr lang="en-US" smtClean="0"/>
-              <a:t>10/22/2019</a:t>
+              <a:t>10/23/2019</a:t>
             </a:fld>
             <a:endParaRPr lang="en-US"/>
           </a:p>
@@ -2558,10 +2540,9 @@
           </a:lstStyle>
           <a:p>
             <a:r>
-              <a:rPr lang="en-US" smtClean="0"/>
+              <a:rPr lang="en-US"/>
               <a:t>Click to edit Master title style</a:t>
             </a:r>
-            <a:endParaRPr lang="en-US"/>
           </a:p>
         </p:txBody>
       </p:sp>
@@ -2685,7 +2666,7 @@
           <a:p>
             <a:pPr lvl="0"/>
             <a:r>
-              <a:rPr lang="en-US" smtClean="0"/>
+              <a:rPr lang="en-US"/>
               <a:t>Edit Master text styles</a:t>
             </a:r>
           </a:p>
@@ -2708,7 +2689,7 @@
           <a:p>
             <a:fld id="{BB0621CC-1F88-49B0-92FB-D459BBDE58D0}" type="datetime1">
               <a:rPr lang="en-US" smtClean="0"/>
-              <a:t>10/22/2019</a:t>
+              <a:t>10/23/2019</a:t>
             </a:fld>
             <a:endParaRPr lang="en-US"/>
           </a:p>
@@ -2817,10 +2798,9 @@
           <a:lstStyle/>
           <a:p>
             <a:r>
-              <a:rPr lang="en-US" smtClean="0"/>
+              <a:rPr lang="en-US"/>
               <a:t>Click to edit Master title style</a:t>
             </a:r>
-            <a:endParaRPr lang="en-US"/>
           </a:p>
         </p:txBody>
       </p:sp>
@@ -2851,38 +2831,37 @@
           <a:p>
             <a:pPr lvl="0"/>
             <a:r>
-              <a:rPr lang="en-US" smtClean="0"/>
+              <a:rPr lang="en-US"/>
               <a:t>Edit Master text styles</a:t>
             </a:r>
           </a:p>
           <a:p>
             <a:pPr lvl="1"/>
             <a:r>
-              <a:rPr lang="en-US" smtClean="0"/>
+              <a:rPr lang="en-US"/>
               <a:t>Second level</a:t>
             </a:r>
           </a:p>
           <a:p>
             <a:pPr lvl="2"/>
             <a:r>
-              <a:rPr lang="en-US" smtClean="0"/>
+              <a:rPr lang="en-US"/>
               <a:t>Third level</a:t>
             </a:r>
           </a:p>
           <a:p>
             <a:pPr lvl="3"/>
             <a:r>
-              <a:rPr lang="en-US" smtClean="0"/>
+              <a:rPr lang="en-US"/>
               <a:t>Fourth level</a:t>
             </a:r>
           </a:p>
           <a:p>
             <a:pPr lvl="4"/>
             <a:r>
-              <a:rPr lang="en-US" smtClean="0"/>
+              <a:rPr lang="en-US"/>
               <a:t>Fifth level</a:t>
             </a:r>
-            <a:endParaRPr lang="en-US"/>
           </a:p>
         </p:txBody>
       </p:sp>
@@ -2921,7 +2900,7 @@
           <a:p>
             <a:fld id="{B8ED6371-AB5E-4637-978D-27859975EFA4}" type="datetime1">
               <a:rPr lang="en-US" smtClean="0"/>
-              <a:t>10/22/2019</a:t>
+              <a:t>10/23/2019</a:t>
             </a:fld>
             <a:endParaRPr lang="en-US"/>
           </a:p>
@@ -3343,10 +3322,9 @@
           <a:lstStyle/>
           <a:p>
             <a:r>
-              <a:rPr lang="en-US" dirty="0" smtClean="0"/>
+              <a:rPr lang="en-US" dirty="0"/>
               <a:t>In-situ OAM Direct Exporting</a:t>
             </a:r>
-            <a:endParaRPr lang="en-US" dirty="0"/>
           </a:p>
         </p:txBody>
       </p:sp>
@@ -3368,80 +3346,79 @@
           <a:lstStyle/>
           <a:p>
             <a:r>
-              <a:rPr lang="en-US" dirty="0" smtClean="0">
+              <a:rPr lang="en-US" dirty="0">
                 <a:hlinkClick r:id="rId2"/>
               </a:rPr>
               <a:t>draft-ioamteam-ippm-ioam-direct-export-00</a:t>
             </a:r>
-            <a:endParaRPr lang="en-US" dirty="0" smtClean="0"/>
-          </a:p>
-          <a:p>
-            <a:endParaRPr lang="en-US" dirty="0" smtClean="0"/>
-          </a:p>
-          <a:p>
-            <a:r>
-              <a:rPr lang="en-US" dirty="0" err="1" smtClean="0"/>
+            <a:endParaRPr lang="en-US" dirty="0"/>
+          </a:p>
+          <a:p>
+            <a:endParaRPr lang="en-US" dirty="0"/>
+          </a:p>
+          <a:p>
+            <a:r>
+              <a:rPr lang="en-US" dirty="0" err="1"/>
               <a:t>Haoyu</a:t>
             </a:r>
             <a:r>
-              <a:rPr lang="en-US" dirty="0" smtClean="0"/>
+              <a:rPr lang="en-US" dirty="0"/>
               <a:t> Song, Barak </a:t>
             </a:r>
             <a:r>
-              <a:rPr lang="en-US" dirty="0" err="1" smtClean="0"/>
+              <a:rPr lang="en-US" dirty="0" err="1"/>
               <a:t>Gafni</a:t>
             </a:r>
             <a:r>
-              <a:rPr lang="en-US" dirty="0" smtClean="0"/>
+              <a:rPr lang="en-US" dirty="0"/>
               <a:t>, </a:t>
             </a:r>
             <a:r>
-              <a:rPr lang="en-US" dirty="0" err="1" smtClean="0"/>
+              <a:rPr lang="en-US" dirty="0" err="1"/>
               <a:t>Tianran</a:t>
             </a:r>
             <a:r>
-              <a:rPr lang="en-US" dirty="0" smtClean="0"/>
+              <a:rPr lang="en-US" dirty="0"/>
               <a:t> Zhou, </a:t>
             </a:r>
             <a:r>
-              <a:rPr lang="en-US" dirty="0" err="1" smtClean="0"/>
+              <a:rPr lang="en-US" dirty="0" err="1"/>
               <a:t>Zhenbin</a:t>
             </a:r>
             <a:r>
-              <a:rPr lang="en-US" dirty="0" smtClean="0"/>
+              <a:rPr lang="en-US" dirty="0"/>
               <a:t> Li,</a:t>
             </a:r>
           </a:p>
           <a:p>
             <a:r>
-              <a:rPr lang="en-US" dirty="0" smtClean="0"/>
+              <a:rPr lang="en-US" dirty="0"/>
               <a:t>Frank </a:t>
             </a:r>
             <a:r>
-              <a:rPr lang="en-US" dirty="0" err="1" smtClean="0"/>
+              <a:rPr lang="en-US" dirty="0" err="1"/>
               <a:t>Brockners</a:t>
             </a:r>
             <a:r>
-              <a:rPr lang="en-US" dirty="0" smtClean="0"/>
+              <a:rPr lang="en-US" dirty="0"/>
               <a:t>, </a:t>
             </a:r>
             <a:r>
-              <a:rPr lang="en-US" dirty="0" err="1" smtClean="0"/>
+              <a:rPr lang="en-US" dirty="0" err="1"/>
               <a:t>Shwetha</a:t>
             </a:r>
             <a:r>
-              <a:rPr lang="en-US" dirty="0" smtClean="0"/>
+              <a:rPr lang="en-US" dirty="0"/>
               <a:t> Bhandari, Ramesh </a:t>
             </a:r>
             <a:r>
-              <a:rPr lang="en-US" dirty="0" err="1" smtClean="0"/>
+              <a:rPr lang="en-US" dirty="0" err="1"/>
               <a:t>Sivakolundu</a:t>
             </a:r>
             <a:r>
-              <a:rPr lang="en-US" dirty="0" smtClean="0"/>
+              <a:rPr lang="en-US" dirty="0"/>
               <a:t>, Tal Mizrahi</a:t>
             </a:r>
-            <a:endParaRPr lang="en-US" dirty="0"/>
           </a:p>
         </p:txBody>
       </p:sp>
@@ -3469,17 +3446,16 @@
           <a:p>
             <a:pPr algn="ctr"/>
             <a:r>
-              <a:rPr lang="en-US" dirty="0" smtClean="0"/>
+              <a:rPr lang="en-US" dirty="0"/>
               <a:t>IETF 106, Singapore</a:t>
             </a:r>
           </a:p>
           <a:p>
             <a:pPr algn="ctr"/>
             <a:r>
-              <a:rPr lang="en-US" dirty="0" smtClean="0"/>
+              <a:rPr lang="en-US" dirty="0"/>
               <a:t>November 2019</a:t>
             </a:r>
-            <a:endParaRPr lang="en-US" dirty="0"/>
           </a:p>
         </p:txBody>
       </p:sp>
@@ -3493,2212 +3469,6 @@
   <p:clrMapOvr>
     <a:masterClrMapping/>
   </p:clrMapOvr>
-  <p:timing>
-    <p:tnLst>
-      <p:par>
-        <p:cTn id="1" dur="indefinite" restart="never" nodeType="tmRoot"/>
-      </p:par>
-    </p:tnLst>
-  </p:timing>
-</p:sld>
-</file>
-
-<file path=ppt/slides/slide10.xml><?xml version="1.0" encoding="utf-8"?>
-<p:sld xmlns:a="http://schemas.openxmlformats.org/drawingml/2006/main" xmlns:r="http://schemas.openxmlformats.org/officeDocument/2006/relationships" xmlns:p="http://schemas.openxmlformats.org/presentationml/2006/main">
-  <p:cSld>
-    <p:spTree>
-      <p:nvGrpSpPr>
-        <p:cNvPr id="1" name=""/>
-        <p:cNvGrpSpPr/>
-        <p:nvPr/>
-      </p:nvGrpSpPr>
-      <p:grpSpPr>
-        <a:xfrm>
-          <a:off x="0" y="0"/>
-          <a:ext cx="0" cy="0"/>
-          <a:chOff x="0" y="0"/>
-          <a:chExt cx="0" cy="0"/>
-        </a:xfrm>
-      </p:grpSpPr>
-      <p:sp>
-        <p:nvSpPr>
-          <p:cNvPr id="2" name="Title 1"/>
-          <p:cNvSpPr>
-            <a:spLocks noGrp="1"/>
-          </p:cNvSpPr>
-          <p:nvPr>
-            <p:ph type="title"/>
-          </p:nvPr>
-        </p:nvSpPr>
-        <p:spPr/>
-        <p:txBody>
-          <a:bodyPr>
-            <a:normAutofit/>
-          </a:bodyPr>
-          <a:lstStyle/>
-          <a:p>
-            <a:r>
-              <a:rPr lang="en-US" sz="3600" dirty="0" smtClean="0"/>
-              <a:t>Open Issue: Hop Limit / Hop Count</a:t>
-            </a:r>
-            <a:endParaRPr lang="en-US" sz="3600" dirty="0"/>
-          </a:p>
-        </p:txBody>
-      </p:sp>
-      <p:sp>
-        <p:nvSpPr>
-          <p:cNvPr id="6" name="TextBox 5"/>
-          <p:cNvSpPr txBox="1"/>
-          <p:nvPr/>
-        </p:nvSpPr>
-        <p:spPr>
-          <a:xfrm>
-            <a:off x="4033381" y="6488668"/>
-            <a:ext cx="4133589" cy="369332"/>
-          </a:xfrm>
-          <a:prstGeom prst="rect">
-            <a:avLst/>
-          </a:prstGeom>
-          <a:noFill/>
-        </p:spPr>
-        <p:txBody>
-          <a:bodyPr wrap="square" rtlCol="0">
-            <a:spAutoFit/>
-          </a:bodyPr>
-          <a:lstStyle/>
-          <a:p>
-            <a:pPr algn="ctr"/>
-            <a:r>
-              <a:rPr lang="en-US" dirty="0" smtClean="0">
-                <a:solidFill>
-                  <a:schemeClr val="bg1">
-                    <a:lumMod val="50000"/>
-                  </a:schemeClr>
-                </a:solidFill>
-              </a:rPr>
-              <a:t>IETF 106, Nov 2019</a:t>
-            </a:r>
-            <a:endParaRPr lang="en-US" dirty="0">
-              <a:solidFill>
-                <a:schemeClr val="bg1">
-                  <a:lumMod val="50000"/>
-                </a:schemeClr>
-              </a:solidFill>
-            </a:endParaRPr>
-          </a:p>
-        </p:txBody>
-      </p:sp>
-      <p:sp>
-        <p:nvSpPr>
-          <p:cNvPr id="8" name="Content Placeholder 2"/>
-          <p:cNvSpPr txBox="1">
-            <a:spLocks/>
-          </p:cNvSpPr>
-          <p:nvPr/>
-        </p:nvSpPr>
-        <p:spPr>
-          <a:xfrm>
-            <a:off x="997131" y="1475587"/>
-            <a:ext cx="10946675" cy="523030"/>
-          </a:xfrm>
-          <a:prstGeom prst="rect">
-            <a:avLst/>
-          </a:prstGeom>
-        </p:spPr>
-        <p:txBody>
-          <a:bodyPr vert="horz" lIns="91440" tIns="45720" rIns="91440" bIns="45720" rtlCol="0">
-            <a:normAutofit/>
-          </a:bodyPr>
-          <a:lstStyle>
-            <a:lvl1pPr marL="228600" indent="-228600" algn="l" defTabSz="914400" rtl="0" eaLnBrk="1" latinLnBrk="0" hangingPunct="1">
-              <a:lnSpc>
-                <a:spcPct val="90000"/>
-              </a:lnSpc>
-              <a:spcBef>
-                <a:spcPts val="1000"/>
-              </a:spcBef>
-              <a:buFont typeface="Arial" panose="020B0604020202020204" pitchFamily="34" charset="0"/>
-              <a:buChar char="•"/>
-              <a:defRPr sz="2800" kern="1200">
-                <a:solidFill>
-                  <a:schemeClr val="tx1"/>
-                </a:solidFill>
-                <a:latin typeface="+mn-lt"/>
-                <a:ea typeface="+mn-ea"/>
-                <a:cs typeface="+mn-cs"/>
-              </a:defRPr>
-            </a:lvl1pPr>
-            <a:lvl2pPr marL="685800" indent="-228600" algn="l" defTabSz="914400" rtl="0" eaLnBrk="1" latinLnBrk="0" hangingPunct="1">
-              <a:lnSpc>
-                <a:spcPct val="90000"/>
-              </a:lnSpc>
-              <a:spcBef>
-                <a:spcPts val="500"/>
-              </a:spcBef>
-              <a:buFont typeface="Arial" panose="020B0604020202020204" pitchFamily="34" charset="0"/>
-              <a:buChar char="•"/>
-              <a:defRPr sz="2400" kern="1200">
-                <a:solidFill>
-                  <a:schemeClr val="tx1"/>
-                </a:solidFill>
-                <a:latin typeface="+mn-lt"/>
-                <a:ea typeface="+mn-ea"/>
-                <a:cs typeface="+mn-cs"/>
-              </a:defRPr>
-            </a:lvl2pPr>
-            <a:lvl3pPr marL="1143000" indent="-228600" algn="l" defTabSz="914400" rtl="0" eaLnBrk="1" latinLnBrk="0" hangingPunct="1">
-              <a:lnSpc>
-                <a:spcPct val="90000"/>
-              </a:lnSpc>
-              <a:spcBef>
-                <a:spcPts val="500"/>
-              </a:spcBef>
-              <a:buFont typeface="Arial" panose="020B0604020202020204" pitchFamily="34" charset="0"/>
-              <a:buChar char="•"/>
-              <a:defRPr sz="2000" kern="1200">
-                <a:solidFill>
-                  <a:schemeClr val="tx1"/>
-                </a:solidFill>
-                <a:latin typeface="+mn-lt"/>
-                <a:ea typeface="+mn-ea"/>
-                <a:cs typeface="+mn-cs"/>
-              </a:defRPr>
-            </a:lvl3pPr>
-            <a:lvl4pPr marL="1600200" indent="-228600" algn="l" defTabSz="914400" rtl="0" eaLnBrk="1" latinLnBrk="0" hangingPunct="1">
-              <a:lnSpc>
-                <a:spcPct val="90000"/>
-              </a:lnSpc>
-              <a:spcBef>
-                <a:spcPts val="500"/>
-              </a:spcBef>
-              <a:buFont typeface="Arial" panose="020B0604020202020204" pitchFamily="34" charset="0"/>
-              <a:buChar char="•"/>
-              <a:defRPr sz="1800" kern="1200">
-                <a:solidFill>
-                  <a:schemeClr val="tx1"/>
-                </a:solidFill>
-                <a:latin typeface="+mn-lt"/>
-                <a:ea typeface="+mn-ea"/>
-                <a:cs typeface="+mn-cs"/>
-              </a:defRPr>
-            </a:lvl4pPr>
-            <a:lvl5pPr marL="2057400" indent="-228600" algn="l" defTabSz="914400" rtl="0" eaLnBrk="1" latinLnBrk="0" hangingPunct="1">
-              <a:lnSpc>
-                <a:spcPct val="90000"/>
-              </a:lnSpc>
-              <a:spcBef>
-                <a:spcPts val="500"/>
-              </a:spcBef>
-              <a:buFont typeface="Arial" panose="020B0604020202020204" pitchFamily="34" charset="0"/>
-              <a:buChar char="•"/>
-              <a:defRPr sz="1800" kern="1200">
-                <a:solidFill>
-                  <a:schemeClr val="tx1"/>
-                </a:solidFill>
-                <a:latin typeface="+mn-lt"/>
-                <a:ea typeface="+mn-ea"/>
-                <a:cs typeface="+mn-cs"/>
-              </a:defRPr>
-            </a:lvl5pPr>
-            <a:lvl6pPr marL="2514600" indent="-228600" algn="l" defTabSz="914400" rtl="0" eaLnBrk="1" latinLnBrk="0" hangingPunct="1">
-              <a:lnSpc>
-                <a:spcPct val="90000"/>
-              </a:lnSpc>
-              <a:spcBef>
-                <a:spcPts val="500"/>
-              </a:spcBef>
-              <a:buFont typeface="Arial" panose="020B0604020202020204" pitchFamily="34" charset="0"/>
-              <a:buChar char="•"/>
-              <a:defRPr sz="1800" kern="1200">
-                <a:solidFill>
-                  <a:schemeClr val="tx1"/>
-                </a:solidFill>
-                <a:latin typeface="+mn-lt"/>
-                <a:ea typeface="+mn-ea"/>
-                <a:cs typeface="+mn-cs"/>
-              </a:defRPr>
-            </a:lvl6pPr>
-            <a:lvl7pPr marL="2971800" indent="-228600" algn="l" defTabSz="914400" rtl="0" eaLnBrk="1" latinLnBrk="0" hangingPunct="1">
-              <a:lnSpc>
-                <a:spcPct val="90000"/>
-              </a:lnSpc>
-              <a:spcBef>
-                <a:spcPts val="500"/>
-              </a:spcBef>
-              <a:buFont typeface="Arial" panose="020B0604020202020204" pitchFamily="34" charset="0"/>
-              <a:buChar char="•"/>
-              <a:defRPr sz="1800" kern="1200">
-                <a:solidFill>
-                  <a:schemeClr val="tx1"/>
-                </a:solidFill>
-                <a:latin typeface="+mn-lt"/>
-                <a:ea typeface="+mn-ea"/>
-                <a:cs typeface="+mn-cs"/>
-              </a:defRPr>
-            </a:lvl7pPr>
-            <a:lvl8pPr marL="3429000" indent="-228600" algn="l" defTabSz="914400" rtl="0" eaLnBrk="1" latinLnBrk="0" hangingPunct="1">
-              <a:lnSpc>
-                <a:spcPct val="90000"/>
-              </a:lnSpc>
-              <a:spcBef>
-                <a:spcPts val="500"/>
-              </a:spcBef>
-              <a:buFont typeface="Arial" panose="020B0604020202020204" pitchFamily="34" charset="0"/>
-              <a:buChar char="•"/>
-              <a:defRPr sz="1800" kern="1200">
-                <a:solidFill>
-                  <a:schemeClr val="tx1"/>
-                </a:solidFill>
-                <a:latin typeface="+mn-lt"/>
-                <a:ea typeface="+mn-ea"/>
-                <a:cs typeface="+mn-cs"/>
-              </a:defRPr>
-            </a:lvl8pPr>
-            <a:lvl9pPr marL="3886200" indent="-228600" algn="l" defTabSz="914400" rtl="0" eaLnBrk="1" latinLnBrk="0" hangingPunct="1">
-              <a:lnSpc>
-                <a:spcPct val="90000"/>
-              </a:lnSpc>
-              <a:spcBef>
-                <a:spcPts val="500"/>
-              </a:spcBef>
-              <a:buFont typeface="Arial" panose="020B0604020202020204" pitchFamily="34" charset="0"/>
-              <a:buChar char="•"/>
-              <a:defRPr sz="1800" kern="1200">
-                <a:solidFill>
-                  <a:schemeClr val="tx1"/>
-                </a:solidFill>
-                <a:latin typeface="+mn-lt"/>
-                <a:ea typeface="+mn-ea"/>
-                <a:cs typeface="+mn-cs"/>
-              </a:defRPr>
-            </a:lvl9pPr>
-          </a:lstStyle>
-          <a:p>
-            <a:pPr marL="457200" lvl="1" indent="0">
-              <a:buNone/>
-            </a:pPr>
-            <a:r>
-              <a:rPr lang="en-US" dirty="0" smtClean="0"/>
-              <a:t>Missing exported packets when there are IOAM-incapable transit nodes:</a:t>
-            </a:r>
-          </a:p>
-          <a:p>
-            <a:pPr marL="457200" lvl="1" indent="0">
-              <a:buNone/>
-            </a:pPr>
-            <a:endParaRPr lang="en-US" dirty="0" smtClean="0"/>
-          </a:p>
-        </p:txBody>
-      </p:sp>
-      <p:sp>
-        <p:nvSpPr>
-          <p:cNvPr id="7" name="Content Placeholder 2"/>
-          <p:cNvSpPr>
-            <a:spLocks noGrp="1"/>
-          </p:cNvSpPr>
-          <p:nvPr/>
-        </p:nvSpPr>
-        <p:spPr>
-          <a:xfrm>
-            <a:off x="2014944" y="2605088"/>
-            <a:ext cx="9252861" cy="4351338"/>
-          </a:xfrm>
-          <a:prstGeom prst="rect">
-            <a:avLst/>
-          </a:prstGeom>
-        </p:spPr>
-        <p:txBody>
-          <a:bodyPr vert="horz" lIns="91440" tIns="45720" rIns="91440" bIns="45720" rtlCol="0">
-            <a:noAutofit/>
-          </a:bodyPr>
-          <a:lstStyle>
-            <a:lvl1pPr marL="228600" indent="-228600" algn="l" defTabSz="914400" rtl="0" eaLnBrk="1" latinLnBrk="0" hangingPunct="1">
-              <a:lnSpc>
-                <a:spcPct val="90000"/>
-              </a:lnSpc>
-              <a:spcBef>
-                <a:spcPts val="1000"/>
-              </a:spcBef>
-              <a:buFont typeface="Arial" panose="020B0604020202020204" pitchFamily="34" charset="0"/>
-              <a:buChar char="•"/>
-              <a:defRPr sz="2800" kern="1200">
-                <a:solidFill>
-                  <a:schemeClr val="tx1"/>
-                </a:solidFill>
-                <a:latin typeface="+mn-lt"/>
-                <a:ea typeface="+mn-ea"/>
-                <a:cs typeface="+mn-cs"/>
-              </a:defRPr>
-            </a:lvl1pPr>
-            <a:lvl2pPr marL="685800" indent="-228600" algn="l" defTabSz="914400" rtl="0" eaLnBrk="1" latinLnBrk="0" hangingPunct="1">
-              <a:lnSpc>
-                <a:spcPct val="90000"/>
-              </a:lnSpc>
-              <a:spcBef>
-                <a:spcPts val="500"/>
-              </a:spcBef>
-              <a:buFont typeface="Arial" panose="020B0604020202020204" pitchFamily="34" charset="0"/>
-              <a:buChar char="•"/>
-              <a:defRPr sz="2400" kern="1200">
-                <a:solidFill>
-                  <a:schemeClr val="tx1"/>
-                </a:solidFill>
-                <a:latin typeface="+mn-lt"/>
-                <a:ea typeface="+mn-ea"/>
-                <a:cs typeface="+mn-cs"/>
-              </a:defRPr>
-            </a:lvl2pPr>
-            <a:lvl3pPr marL="1143000" indent="-228600" algn="l" defTabSz="914400" rtl="0" eaLnBrk="1" latinLnBrk="0" hangingPunct="1">
-              <a:lnSpc>
-                <a:spcPct val="90000"/>
-              </a:lnSpc>
-              <a:spcBef>
-                <a:spcPts val="500"/>
-              </a:spcBef>
-              <a:buFont typeface="Arial" panose="020B0604020202020204" pitchFamily="34" charset="0"/>
-              <a:buChar char="•"/>
-              <a:defRPr sz="2000" kern="1200">
-                <a:solidFill>
-                  <a:schemeClr val="tx1"/>
-                </a:solidFill>
-                <a:latin typeface="+mn-lt"/>
-                <a:ea typeface="+mn-ea"/>
-                <a:cs typeface="+mn-cs"/>
-              </a:defRPr>
-            </a:lvl3pPr>
-            <a:lvl4pPr marL="1600200" indent="-228600" algn="l" defTabSz="914400" rtl="0" eaLnBrk="1" latinLnBrk="0" hangingPunct="1">
-              <a:lnSpc>
-                <a:spcPct val="90000"/>
-              </a:lnSpc>
-              <a:spcBef>
-                <a:spcPts val="500"/>
-              </a:spcBef>
-              <a:buFont typeface="Arial" panose="020B0604020202020204" pitchFamily="34" charset="0"/>
-              <a:buChar char="•"/>
-              <a:defRPr sz="1800" kern="1200">
-                <a:solidFill>
-                  <a:schemeClr val="tx1"/>
-                </a:solidFill>
-                <a:latin typeface="+mn-lt"/>
-                <a:ea typeface="+mn-ea"/>
-                <a:cs typeface="+mn-cs"/>
-              </a:defRPr>
-            </a:lvl4pPr>
-            <a:lvl5pPr marL="2057400" indent="-228600" algn="l" defTabSz="914400" rtl="0" eaLnBrk="1" latinLnBrk="0" hangingPunct="1">
-              <a:lnSpc>
-                <a:spcPct val="90000"/>
-              </a:lnSpc>
-              <a:spcBef>
-                <a:spcPts val="500"/>
-              </a:spcBef>
-              <a:buFont typeface="Arial" panose="020B0604020202020204" pitchFamily="34" charset="0"/>
-              <a:buChar char="•"/>
-              <a:defRPr sz="1800" kern="1200">
-                <a:solidFill>
-                  <a:schemeClr val="tx1"/>
-                </a:solidFill>
-                <a:latin typeface="+mn-lt"/>
-                <a:ea typeface="+mn-ea"/>
-                <a:cs typeface="+mn-cs"/>
-              </a:defRPr>
-            </a:lvl5pPr>
-            <a:lvl6pPr marL="2514600" indent="-228600" algn="l" defTabSz="914400" rtl="0" eaLnBrk="1" latinLnBrk="0" hangingPunct="1">
-              <a:lnSpc>
-                <a:spcPct val="90000"/>
-              </a:lnSpc>
-              <a:spcBef>
-                <a:spcPts val="500"/>
-              </a:spcBef>
-              <a:buFont typeface="Arial" panose="020B0604020202020204" pitchFamily="34" charset="0"/>
-              <a:buChar char="•"/>
-              <a:defRPr sz="1800" kern="1200">
-                <a:solidFill>
-                  <a:schemeClr val="tx1"/>
-                </a:solidFill>
-                <a:latin typeface="+mn-lt"/>
-                <a:ea typeface="+mn-ea"/>
-                <a:cs typeface="+mn-cs"/>
-              </a:defRPr>
-            </a:lvl6pPr>
-            <a:lvl7pPr marL="2971800" indent="-228600" algn="l" defTabSz="914400" rtl="0" eaLnBrk="1" latinLnBrk="0" hangingPunct="1">
-              <a:lnSpc>
-                <a:spcPct val="90000"/>
-              </a:lnSpc>
-              <a:spcBef>
-                <a:spcPts val="500"/>
-              </a:spcBef>
-              <a:buFont typeface="Arial" panose="020B0604020202020204" pitchFamily="34" charset="0"/>
-              <a:buChar char="•"/>
-              <a:defRPr sz="1800" kern="1200">
-                <a:solidFill>
-                  <a:schemeClr val="tx1"/>
-                </a:solidFill>
-                <a:latin typeface="+mn-lt"/>
-                <a:ea typeface="+mn-ea"/>
-                <a:cs typeface="+mn-cs"/>
-              </a:defRPr>
-            </a:lvl7pPr>
-            <a:lvl8pPr marL="3429000" indent="-228600" algn="l" defTabSz="914400" rtl="0" eaLnBrk="1" latinLnBrk="0" hangingPunct="1">
-              <a:lnSpc>
-                <a:spcPct val="90000"/>
-              </a:lnSpc>
-              <a:spcBef>
-                <a:spcPts val="500"/>
-              </a:spcBef>
-              <a:buFont typeface="Arial" panose="020B0604020202020204" pitchFamily="34" charset="0"/>
-              <a:buChar char="•"/>
-              <a:defRPr sz="1800" kern="1200">
-                <a:solidFill>
-                  <a:schemeClr val="tx1"/>
-                </a:solidFill>
-                <a:latin typeface="+mn-lt"/>
-                <a:ea typeface="+mn-ea"/>
-                <a:cs typeface="+mn-cs"/>
-              </a:defRPr>
-            </a:lvl8pPr>
-            <a:lvl9pPr marL="3886200" indent="-228600" algn="l" defTabSz="914400" rtl="0" eaLnBrk="1" latinLnBrk="0" hangingPunct="1">
-              <a:lnSpc>
-                <a:spcPct val="90000"/>
-              </a:lnSpc>
-              <a:spcBef>
-                <a:spcPts val="500"/>
-              </a:spcBef>
-              <a:buFont typeface="Arial" panose="020B0604020202020204" pitchFamily="34" charset="0"/>
-              <a:buChar char="•"/>
-              <a:defRPr sz="1800" kern="1200">
-                <a:solidFill>
-                  <a:schemeClr val="tx1"/>
-                </a:solidFill>
-                <a:latin typeface="+mn-lt"/>
-                <a:ea typeface="+mn-ea"/>
-                <a:cs typeface="+mn-cs"/>
-              </a:defRPr>
-            </a:lvl9pPr>
-          </a:lstStyle>
-          <a:p>
-            <a:pPr marL="0" indent="0">
-              <a:lnSpc>
-                <a:spcPct val="70000"/>
-              </a:lnSpc>
-              <a:spcBef>
-                <a:spcPts val="0"/>
-              </a:spcBef>
-              <a:buNone/>
-            </a:pPr>
-            <a:endParaRPr lang="en-US" sz="1600" b="1" dirty="0" smtClean="0">
-              <a:latin typeface="Courier New" panose="02070309020205020404" pitchFamily="49" charset="0"/>
-              <a:cs typeface="Courier New" panose="02070309020205020404" pitchFamily="49" charset="0"/>
-            </a:endParaRPr>
-          </a:p>
-          <a:p>
-            <a:pPr marL="0" indent="0">
-              <a:lnSpc>
-                <a:spcPct val="70000"/>
-              </a:lnSpc>
-              <a:spcBef>
-                <a:spcPts val="0"/>
-              </a:spcBef>
-              <a:buNone/>
-            </a:pPr>
-            <a:r>
-              <a:rPr lang="en-US" sz="1600" b="1" dirty="0" smtClean="0">
-                <a:latin typeface="Courier New" panose="02070309020205020404" pitchFamily="49" charset="0"/>
-                <a:cs typeface="Courier New" panose="02070309020205020404" pitchFamily="49" charset="0"/>
-              </a:rPr>
-              <a:t>                                +-----------+</a:t>
-            </a:r>
-          </a:p>
-          <a:p>
-            <a:pPr marL="0" indent="0">
-              <a:lnSpc>
-                <a:spcPct val="70000"/>
-              </a:lnSpc>
-              <a:spcBef>
-                <a:spcPts val="0"/>
-              </a:spcBef>
-              <a:buNone/>
-            </a:pPr>
-            <a:r>
-              <a:rPr lang="en-US" sz="1600" b="1" dirty="0" smtClean="0">
-                <a:latin typeface="Courier New" panose="02070309020205020404" pitchFamily="49" charset="0"/>
-                <a:cs typeface="Courier New" panose="02070309020205020404" pitchFamily="49" charset="0"/>
-              </a:rPr>
-              <a:t>                                | Telemetry |</a:t>
-            </a:r>
-          </a:p>
-          <a:p>
-            <a:pPr marL="0" indent="0">
-              <a:lnSpc>
-                <a:spcPct val="70000"/>
-              </a:lnSpc>
-              <a:spcBef>
-                <a:spcPts val="0"/>
-              </a:spcBef>
-              <a:buNone/>
-            </a:pPr>
-            <a:r>
-              <a:rPr lang="en-US" sz="1600" b="1" dirty="0" smtClean="0">
-                <a:latin typeface="Courier New" panose="02070309020205020404" pitchFamily="49" charset="0"/>
-                <a:cs typeface="Courier New" panose="02070309020205020404" pitchFamily="49" charset="0"/>
-              </a:rPr>
-              <a:t>                                | Data      |</a:t>
-            </a:r>
-          </a:p>
-          <a:p>
-            <a:pPr marL="0" indent="0">
-              <a:lnSpc>
-                <a:spcPct val="70000"/>
-              </a:lnSpc>
-              <a:spcBef>
-                <a:spcPts val="0"/>
-              </a:spcBef>
-              <a:buNone/>
-            </a:pPr>
-            <a:r>
-              <a:rPr lang="en-US" sz="1600" b="1" dirty="0" smtClean="0">
-                <a:latin typeface="Courier New" panose="02070309020205020404" pitchFamily="49" charset="0"/>
-                <a:cs typeface="Courier New" panose="02070309020205020404" pitchFamily="49" charset="0"/>
-              </a:rPr>
-              <a:t>                                | Collector |</a:t>
-            </a:r>
-          </a:p>
-          <a:p>
-            <a:pPr marL="0" indent="0">
-              <a:lnSpc>
-                <a:spcPct val="70000"/>
-              </a:lnSpc>
-              <a:spcBef>
-                <a:spcPts val="0"/>
-              </a:spcBef>
-              <a:buNone/>
-            </a:pPr>
-            <a:r>
-              <a:rPr lang="en-US" sz="1600" b="1" dirty="0" smtClean="0">
-                <a:latin typeface="Courier New" panose="02070309020205020404" pitchFamily="49" charset="0"/>
-                <a:cs typeface="Courier New" panose="02070309020205020404" pitchFamily="49" charset="0"/>
-              </a:rPr>
-              <a:t>                                +-----------+</a:t>
-            </a:r>
-          </a:p>
-          <a:p>
-            <a:pPr marL="0" indent="0">
-              <a:lnSpc>
-                <a:spcPct val="70000"/>
-              </a:lnSpc>
-              <a:spcBef>
-                <a:spcPts val="0"/>
-              </a:spcBef>
-              <a:buNone/>
-            </a:pPr>
-            <a:r>
-              <a:rPr lang="en-US" sz="1600" b="1" dirty="0" smtClean="0">
-                <a:latin typeface="Courier New" panose="02070309020205020404" pitchFamily="49" charset="0"/>
-                <a:cs typeface="Courier New" panose="02070309020205020404" pitchFamily="49" charset="0"/>
-              </a:rPr>
-              <a:t>                                      ^</a:t>
-            </a:r>
-          </a:p>
-          <a:p>
-            <a:pPr marL="0" indent="0">
-              <a:lnSpc>
-                <a:spcPct val="70000"/>
-              </a:lnSpc>
-              <a:spcBef>
-                <a:spcPts val="0"/>
-              </a:spcBef>
-              <a:buNone/>
-            </a:pPr>
-            <a:r>
-              <a:rPr lang="en-US" sz="1600" b="1" dirty="0" smtClean="0">
-                <a:latin typeface="Courier New" panose="02070309020205020404" pitchFamily="49" charset="0"/>
-                <a:cs typeface="Courier New" panose="02070309020205020404" pitchFamily="49" charset="0"/>
-              </a:rPr>
-              <a:t>                                      |Exported IOAM data</a:t>
-            </a:r>
-          </a:p>
-          <a:p>
-            <a:pPr marL="0" indent="0">
-              <a:lnSpc>
-                <a:spcPct val="70000"/>
-              </a:lnSpc>
-              <a:spcBef>
-                <a:spcPts val="0"/>
-              </a:spcBef>
-              <a:buNone/>
-            </a:pPr>
-            <a:r>
-              <a:rPr lang="en-US" sz="1600" b="1" dirty="0" smtClean="0">
-                <a:latin typeface="Courier New" panose="02070309020205020404" pitchFamily="49" charset="0"/>
-                <a:cs typeface="Courier New" panose="02070309020205020404" pitchFamily="49" charset="0"/>
-              </a:rPr>
-              <a:t>                                      |</a:t>
-            </a:r>
-          </a:p>
-          <a:p>
-            <a:pPr marL="0" indent="0">
-              <a:lnSpc>
-                <a:spcPct val="70000"/>
-              </a:lnSpc>
-              <a:spcBef>
-                <a:spcPts val="0"/>
-              </a:spcBef>
-              <a:buNone/>
-            </a:pPr>
-            <a:r>
-              <a:rPr lang="en-US" sz="1600" b="1" dirty="0" smtClean="0">
-                <a:latin typeface="Courier New" panose="02070309020205020404" pitchFamily="49" charset="0"/>
-                <a:cs typeface="Courier New" panose="02070309020205020404" pitchFamily="49" charset="0"/>
-              </a:rPr>
-              <a:t>                                      |</a:t>
-            </a:r>
-          </a:p>
-          <a:p>
-            <a:pPr marL="0" indent="0">
-              <a:lnSpc>
-                <a:spcPct val="70000"/>
-              </a:lnSpc>
-              <a:spcBef>
-                <a:spcPts val="0"/>
-              </a:spcBef>
-              <a:buNone/>
-            </a:pPr>
-            <a:r>
-              <a:rPr lang="en-US" sz="1600" b="1" dirty="0" smtClean="0">
-                <a:latin typeface="Courier New" panose="02070309020205020404" pitchFamily="49" charset="0"/>
-                <a:cs typeface="Courier New" panose="02070309020205020404" pitchFamily="49" charset="0"/>
-              </a:rPr>
-              <a:t>                                      |</a:t>
-            </a:r>
-          </a:p>
-          <a:p>
-            <a:pPr marL="0" indent="0">
-              <a:lnSpc>
-                <a:spcPct val="70000"/>
-              </a:lnSpc>
-              <a:spcBef>
-                <a:spcPts val="0"/>
-              </a:spcBef>
-              <a:buNone/>
-            </a:pPr>
-            <a:r>
-              <a:rPr lang="en-US" sz="1600" b="1" dirty="0" smtClean="0">
-                <a:latin typeface="Courier New" panose="02070309020205020404" pitchFamily="49" charset="0"/>
-                <a:cs typeface="Courier New" panose="02070309020205020404" pitchFamily="49" charset="0"/>
-              </a:rPr>
-              <a:t>                +--------------+------+-------+--------------+</a:t>
-            </a:r>
-          </a:p>
-          <a:p>
-            <a:pPr marL="0" indent="0">
-              <a:lnSpc>
-                <a:spcPct val="70000"/>
-              </a:lnSpc>
-              <a:spcBef>
-                <a:spcPts val="0"/>
-              </a:spcBef>
-              <a:buNone/>
-            </a:pPr>
-            <a:r>
-              <a:rPr lang="en-US" sz="1600" b="1" dirty="0" smtClean="0">
-                <a:latin typeface="Courier New" panose="02070309020205020404" pitchFamily="49" charset="0"/>
-                <a:cs typeface="Courier New" panose="02070309020205020404" pitchFamily="49" charset="0"/>
-              </a:rPr>
-              <a:t>                |              |              |              |</a:t>
-            </a:r>
-          </a:p>
-          <a:p>
-            <a:pPr marL="0" indent="0">
-              <a:lnSpc>
-                <a:spcPct val="70000"/>
-              </a:lnSpc>
-              <a:spcBef>
-                <a:spcPts val="0"/>
-              </a:spcBef>
-              <a:buNone/>
-            </a:pPr>
-            <a:r>
-              <a:rPr lang="en-US" sz="1600" b="1" dirty="0" smtClean="0">
-                <a:latin typeface="Courier New" panose="02070309020205020404" pitchFamily="49" charset="0"/>
-                <a:cs typeface="Courier New" panose="02070309020205020404" pitchFamily="49" charset="0"/>
-              </a:rPr>
-              <a:t>                |              |              |              |</a:t>
-            </a:r>
-          </a:p>
-          <a:p>
-            <a:pPr marL="0" indent="0">
-              <a:lnSpc>
-                <a:spcPct val="70000"/>
-              </a:lnSpc>
-              <a:spcBef>
-                <a:spcPts val="0"/>
-              </a:spcBef>
-              <a:buNone/>
-            </a:pPr>
-            <a:r>
-              <a:rPr lang="en-US" sz="1600" b="1" dirty="0" smtClean="0">
-                <a:latin typeface="Courier New" panose="02070309020205020404" pitchFamily="49" charset="0"/>
-                <a:cs typeface="Courier New" panose="02070309020205020404" pitchFamily="49" charset="0"/>
-              </a:rPr>
-              <a:t>  User      +---+----+     +---+----+     +---+----+     +---+----+</a:t>
-            </a:r>
-          </a:p>
-          <a:p>
-            <a:pPr marL="0" indent="0">
-              <a:lnSpc>
-                <a:spcPct val="70000"/>
-              </a:lnSpc>
-              <a:spcBef>
-                <a:spcPts val="0"/>
-              </a:spcBef>
-              <a:buNone/>
-            </a:pPr>
-            <a:r>
-              <a:rPr lang="en-US" sz="1600" b="1" dirty="0" smtClean="0">
-                <a:latin typeface="Courier New" panose="02070309020205020404" pitchFamily="49" charset="0"/>
-                <a:cs typeface="Courier New" panose="02070309020205020404" pitchFamily="49" charset="0"/>
-              </a:rPr>
-              <a:t>  packets   |</a:t>
-            </a:r>
-            <a:r>
-              <a:rPr lang="en-US" sz="1600" b="1" dirty="0" err="1" smtClean="0">
-                <a:latin typeface="Courier New" panose="02070309020205020404" pitchFamily="49" charset="0"/>
-                <a:cs typeface="Courier New" panose="02070309020205020404" pitchFamily="49" charset="0"/>
-              </a:rPr>
-              <a:t>Encapsu</a:t>
-            </a:r>
-            <a:r>
-              <a:rPr lang="en-US" sz="1600" b="1" dirty="0" smtClean="0">
-                <a:latin typeface="Courier New" panose="02070309020205020404" pitchFamily="49" charset="0"/>
-                <a:cs typeface="Courier New" panose="02070309020205020404" pitchFamily="49" charset="0"/>
-              </a:rPr>
-              <a:t>-|     | Transit|     </a:t>
-            </a:r>
-            <a:r>
-              <a:rPr lang="en-US" sz="1600" b="1" dirty="0" smtClean="0">
-                <a:latin typeface="Courier New" panose="02070309020205020404" pitchFamily="49" charset="0"/>
-                <a:cs typeface="Courier New" panose="02070309020205020404" pitchFamily="49" charset="0"/>
-              </a:rPr>
-              <a:t>|</a:t>
-            </a:r>
-            <a:r>
-              <a:rPr lang="en-US" sz="1600" b="1" dirty="0" smtClean="0">
-                <a:solidFill>
-                  <a:srgbClr val="FF0000"/>
-                </a:solidFill>
-                <a:latin typeface="Courier New" panose="02070309020205020404" pitchFamily="49" charset="0"/>
-                <a:cs typeface="Courier New" panose="02070309020205020404" pitchFamily="49" charset="0"/>
-              </a:rPr>
-              <a:t>Non-IOAM</a:t>
-            </a:r>
-            <a:r>
-              <a:rPr lang="en-US" sz="1600" b="1" dirty="0" smtClean="0">
-                <a:latin typeface="Courier New" panose="02070309020205020404" pitchFamily="49" charset="0"/>
-                <a:cs typeface="Courier New" panose="02070309020205020404" pitchFamily="49" charset="0"/>
-              </a:rPr>
-              <a:t>|     </a:t>
-            </a:r>
-            <a:r>
-              <a:rPr lang="en-US" sz="1600" b="1" dirty="0" smtClean="0">
-                <a:latin typeface="Courier New" panose="02070309020205020404" pitchFamily="49" charset="0"/>
-                <a:cs typeface="Courier New" panose="02070309020205020404" pitchFamily="49" charset="0"/>
-              </a:rPr>
-              <a:t>|</a:t>
-            </a:r>
-            <a:r>
-              <a:rPr lang="en-US" sz="1600" b="1" dirty="0" err="1" smtClean="0">
-                <a:latin typeface="Courier New" panose="02070309020205020404" pitchFamily="49" charset="0"/>
-                <a:cs typeface="Courier New" panose="02070309020205020404" pitchFamily="49" charset="0"/>
-              </a:rPr>
-              <a:t>Decapsu</a:t>
-            </a:r>
-            <a:r>
-              <a:rPr lang="en-US" sz="1600" b="1" dirty="0" smtClean="0">
-                <a:latin typeface="Courier New" panose="02070309020205020404" pitchFamily="49" charset="0"/>
-                <a:cs typeface="Courier New" panose="02070309020205020404" pitchFamily="49" charset="0"/>
-              </a:rPr>
-              <a:t>-|</a:t>
-            </a:r>
-          </a:p>
-          <a:p>
-            <a:pPr marL="0" indent="0">
-              <a:lnSpc>
-                <a:spcPct val="70000"/>
-              </a:lnSpc>
-              <a:spcBef>
-                <a:spcPts val="0"/>
-              </a:spcBef>
-              <a:buNone/>
-            </a:pPr>
-            <a:r>
-              <a:rPr lang="en-US" sz="1600" b="1" dirty="0" smtClean="0">
-                <a:latin typeface="Courier New" panose="02070309020205020404" pitchFamily="49" charset="0"/>
-                <a:cs typeface="Courier New" panose="02070309020205020404" pitchFamily="49" charset="0"/>
-              </a:rPr>
-              <a:t>  ---------&gt;|</a:t>
-            </a:r>
-            <a:r>
-              <a:rPr lang="en-US" sz="1600" b="1" dirty="0" err="1" smtClean="0">
-                <a:latin typeface="Courier New" panose="02070309020205020404" pitchFamily="49" charset="0"/>
-                <a:cs typeface="Courier New" panose="02070309020205020404" pitchFamily="49" charset="0"/>
-              </a:rPr>
-              <a:t>lating</a:t>
-            </a:r>
-            <a:r>
-              <a:rPr lang="en-US" sz="1600" b="1" dirty="0" smtClean="0">
-                <a:latin typeface="Courier New" panose="02070309020205020404" pitchFamily="49" charset="0"/>
-                <a:cs typeface="Courier New" panose="02070309020205020404" pitchFamily="49" charset="0"/>
-              </a:rPr>
-              <a:t>  |====&gt;| Node   </a:t>
-            </a:r>
-            <a:r>
-              <a:rPr lang="en-US" sz="1600" b="1" dirty="0" smtClean="0">
-                <a:latin typeface="Courier New" panose="02070309020205020404" pitchFamily="49" charset="0"/>
-                <a:cs typeface="Courier New" panose="02070309020205020404" pitchFamily="49" charset="0"/>
-              </a:rPr>
-              <a:t>|====&gt;| </a:t>
-            </a:r>
-            <a:r>
-              <a:rPr lang="en-US" sz="1600" b="1" dirty="0" smtClean="0">
-                <a:solidFill>
-                  <a:srgbClr val="FF0000"/>
-                </a:solidFill>
-                <a:latin typeface="Courier New" panose="02070309020205020404" pitchFamily="49" charset="0"/>
-                <a:cs typeface="Courier New" panose="02070309020205020404" pitchFamily="49" charset="0"/>
-              </a:rPr>
-              <a:t>Router</a:t>
-            </a:r>
-            <a:r>
-              <a:rPr lang="en-US" sz="1600" b="1" dirty="0" smtClean="0">
-                <a:latin typeface="Courier New" panose="02070309020205020404" pitchFamily="49" charset="0"/>
-                <a:cs typeface="Courier New" panose="02070309020205020404" pitchFamily="49" charset="0"/>
-              </a:rPr>
-              <a:t> </a:t>
-            </a:r>
-            <a:r>
-              <a:rPr lang="en-US" sz="1600" b="1" dirty="0" smtClean="0">
-                <a:latin typeface="Courier New" panose="02070309020205020404" pitchFamily="49" charset="0"/>
-                <a:cs typeface="Courier New" panose="02070309020205020404" pitchFamily="49" charset="0"/>
-              </a:rPr>
-              <a:t>|====&gt;|</a:t>
-            </a:r>
-            <a:r>
-              <a:rPr lang="en-US" sz="1600" b="1" dirty="0" err="1" smtClean="0">
-                <a:latin typeface="Courier New" panose="02070309020205020404" pitchFamily="49" charset="0"/>
-                <a:cs typeface="Courier New" panose="02070309020205020404" pitchFamily="49" charset="0"/>
-              </a:rPr>
-              <a:t>lating</a:t>
-            </a:r>
-            <a:r>
-              <a:rPr lang="en-US" sz="1600" b="1" dirty="0" smtClean="0">
-                <a:latin typeface="Courier New" panose="02070309020205020404" pitchFamily="49" charset="0"/>
-                <a:cs typeface="Courier New" panose="02070309020205020404" pitchFamily="49" charset="0"/>
-              </a:rPr>
-              <a:t>  |----&gt;</a:t>
-            </a:r>
-          </a:p>
-          <a:p>
-            <a:pPr marL="0" indent="0">
-              <a:lnSpc>
-                <a:spcPct val="70000"/>
-              </a:lnSpc>
-              <a:spcBef>
-                <a:spcPts val="0"/>
-              </a:spcBef>
-              <a:buNone/>
-            </a:pPr>
-            <a:r>
-              <a:rPr lang="en-US" sz="1600" b="1" dirty="0" smtClean="0">
-                <a:latin typeface="Courier New" panose="02070309020205020404" pitchFamily="49" charset="0"/>
-                <a:cs typeface="Courier New" panose="02070309020205020404" pitchFamily="49" charset="0"/>
-              </a:rPr>
-              <a:t>            |Node    |     | A      |     | </a:t>
-            </a:r>
-            <a:r>
-              <a:rPr lang="en-US" sz="1600" b="1" dirty="0" smtClean="0">
-                <a:latin typeface="Courier New" panose="02070309020205020404" pitchFamily="49" charset="0"/>
-                <a:cs typeface="Courier New" panose="02070309020205020404" pitchFamily="49" charset="0"/>
-              </a:rPr>
-              <a:t>       </a:t>
-            </a:r>
-            <a:r>
-              <a:rPr lang="en-US" sz="1600" b="1" dirty="0" smtClean="0">
-                <a:latin typeface="Courier New" panose="02070309020205020404" pitchFamily="49" charset="0"/>
-                <a:cs typeface="Courier New" panose="02070309020205020404" pitchFamily="49" charset="0"/>
-              </a:rPr>
-              <a:t>|     |Node    |</a:t>
-            </a:r>
-          </a:p>
-          <a:p>
-            <a:pPr marL="0" indent="0">
-              <a:lnSpc>
-                <a:spcPct val="70000"/>
-              </a:lnSpc>
-              <a:spcBef>
-                <a:spcPts val="0"/>
-              </a:spcBef>
-              <a:buNone/>
-            </a:pPr>
-            <a:r>
-              <a:rPr lang="en-US" sz="1600" b="1" dirty="0" smtClean="0">
-                <a:latin typeface="Courier New" panose="02070309020205020404" pitchFamily="49" charset="0"/>
-                <a:cs typeface="Courier New" panose="02070309020205020404" pitchFamily="49" charset="0"/>
-              </a:rPr>
-              <a:t>            +--------+     +--------+     +--------+     +--------+</a:t>
-            </a:r>
-          </a:p>
-          <a:p>
-            <a:pPr marL="0" indent="0">
-              <a:lnSpc>
-                <a:spcPct val="70000"/>
-              </a:lnSpc>
-              <a:spcBef>
-                <a:spcPts val="0"/>
-              </a:spcBef>
-              <a:buNone/>
-            </a:pPr>
-            <a:endParaRPr lang="en-US" sz="1600" b="1" dirty="0" smtClean="0">
-              <a:latin typeface="Courier New" panose="02070309020205020404" pitchFamily="49" charset="0"/>
-              <a:cs typeface="Courier New" panose="02070309020205020404" pitchFamily="49" charset="0"/>
-            </a:endParaRPr>
-          </a:p>
-        </p:txBody>
-      </p:sp>
-      <p:sp>
-        <p:nvSpPr>
-          <p:cNvPr id="9" name="TextBox 7"/>
-          <p:cNvSpPr txBox="1"/>
-          <p:nvPr/>
-        </p:nvSpPr>
-        <p:spPr>
-          <a:xfrm>
-            <a:off x="1002574" y="4644014"/>
-            <a:ext cx="1617617" cy="365760"/>
-          </a:xfrm>
-          <a:prstGeom prst="rect">
-            <a:avLst/>
-          </a:prstGeom>
-          <a:noFill/>
-        </p:spPr>
-        <p:txBody>
-          <a:bodyPr wrap="square" rtlCol="0">
-            <a:spAutoFit/>
-          </a:bodyPr>
-          <a:lstStyle>
-            <a:defPPr>
-              <a:defRPr lang="en-US"/>
-            </a:defPPr>
-            <a:lvl1pPr marL="0" algn="l" defTabSz="914400" rtl="0" eaLnBrk="1" latinLnBrk="0" hangingPunct="1">
-              <a:defRPr sz="1800" kern="1200">
-                <a:solidFill>
-                  <a:schemeClr val="tx1"/>
-                </a:solidFill>
-                <a:latin typeface="+mn-lt"/>
-                <a:ea typeface="+mn-ea"/>
-                <a:cs typeface="+mn-cs"/>
-              </a:defRPr>
-            </a:lvl1pPr>
-            <a:lvl2pPr marL="457200" algn="l" defTabSz="914400" rtl="0" eaLnBrk="1" latinLnBrk="0" hangingPunct="1">
-              <a:defRPr sz="1800" kern="1200">
-                <a:solidFill>
-                  <a:schemeClr val="tx1"/>
-                </a:solidFill>
-                <a:latin typeface="+mn-lt"/>
-                <a:ea typeface="+mn-ea"/>
-                <a:cs typeface="+mn-cs"/>
-              </a:defRPr>
-            </a:lvl2pPr>
-            <a:lvl3pPr marL="914400" algn="l" defTabSz="914400" rtl="0" eaLnBrk="1" latinLnBrk="0" hangingPunct="1">
-              <a:defRPr sz="1800" kern="1200">
-                <a:solidFill>
-                  <a:schemeClr val="tx1"/>
-                </a:solidFill>
-                <a:latin typeface="+mn-lt"/>
-                <a:ea typeface="+mn-ea"/>
-                <a:cs typeface="+mn-cs"/>
-              </a:defRPr>
-            </a:lvl3pPr>
-            <a:lvl4pPr marL="1371600" algn="l" defTabSz="914400" rtl="0" eaLnBrk="1" latinLnBrk="0" hangingPunct="1">
-              <a:defRPr sz="1800" kern="1200">
-                <a:solidFill>
-                  <a:schemeClr val="tx1"/>
-                </a:solidFill>
-                <a:latin typeface="+mn-lt"/>
-                <a:ea typeface="+mn-ea"/>
-                <a:cs typeface="+mn-cs"/>
-              </a:defRPr>
-            </a:lvl4pPr>
-            <a:lvl5pPr marL="1828800" algn="l" defTabSz="914400" rtl="0" eaLnBrk="1" latinLnBrk="0" hangingPunct="1">
-              <a:defRPr sz="1800" kern="1200">
-                <a:solidFill>
-                  <a:schemeClr val="tx1"/>
-                </a:solidFill>
-                <a:latin typeface="+mn-lt"/>
-                <a:ea typeface="+mn-ea"/>
-                <a:cs typeface="+mn-cs"/>
-              </a:defRPr>
-            </a:lvl5pPr>
-            <a:lvl6pPr marL="2286000" algn="l" defTabSz="914400" rtl="0" eaLnBrk="1" latinLnBrk="0" hangingPunct="1">
-              <a:defRPr sz="1800" kern="1200">
-                <a:solidFill>
-                  <a:schemeClr val="tx1"/>
-                </a:solidFill>
-                <a:latin typeface="+mn-lt"/>
-                <a:ea typeface="+mn-ea"/>
-                <a:cs typeface="+mn-cs"/>
-              </a:defRPr>
-            </a:lvl6pPr>
-            <a:lvl7pPr marL="2743200" algn="l" defTabSz="914400" rtl="0" eaLnBrk="1" latinLnBrk="0" hangingPunct="1">
-              <a:defRPr sz="1800" kern="1200">
-                <a:solidFill>
-                  <a:schemeClr val="tx1"/>
-                </a:solidFill>
-                <a:latin typeface="+mn-lt"/>
-                <a:ea typeface="+mn-ea"/>
-                <a:cs typeface="+mn-cs"/>
-              </a:defRPr>
-            </a:lvl7pPr>
-            <a:lvl8pPr marL="3200400" algn="l" defTabSz="914400" rtl="0" eaLnBrk="1" latinLnBrk="0" hangingPunct="1">
-              <a:defRPr sz="1800" kern="1200">
-                <a:solidFill>
-                  <a:schemeClr val="tx1"/>
-                </a:solidFill>
-                <a:latin typeface="+mn-lt"/>
-                <a:ea typeface="+mn-ea"/>
-                <a:cs typeface="+mn-cs"/>
-              </a:defRPr>
-            </a:lvl8pPr>
-            <a:lvl9pPr marL="3657600" algn="l" defTabSz="914400" rtl="0" eaLnBrk="1" latinLnBrk="0" hangingPunct="1">
-              <a:defRPr sz="1800" kern="1200">
-                <a:solidFill>
-                  <a:schemeClr val="tx1"/>
-                </a:solidFill>
-                <a:latin typeface="+mn-lt"/>
-                <a:ea typeface="+mn-ea"/>
-                <a:cs typeface="+mn-cs"/>
-              </a:defRPr>
-            </a:lvl9pPr>
-          </a:lstStyle>
-          <a:p>
-            <a:r>
-              <a:rPr lang="en-US" b="1" dirty="0" smtClean="0">
-                <a:solidFill>
-                  <a:srgbClr val="FF0000"/>
-                </a:solidFill>
-              </a:rPr>
-              <a:t>IP Hop </a:t>
-            </a:r>
-            <a:r>
-              <a:rPr lang="en-US" b="1" dirty="0" smtClean="0">
-                <a:solidFill>
-                  <a:srgbClr val="FF0000"/>
-                </a:solidFill>
-              </a:rPr>
-              <a:t>Limit:</a:t>
-            </a:r>
-            <a:endParaRPr lang="en-US" b="1" dirty="0">
-              <a:solidFill>
-                <a:srgbClr val="FF0000"/>
-              </a:solidFill>
-            </a:endParaRPr>
-          </a:p>
-        </p:txBody>
-      </p:sp>
-      <p:sp>
-        <p:nvSpPr>
-          <p:cNvPr id="10" name="TextBox 9"/>
-          <p:cNvSpPr txBox="1"/>
-          <p:nvPr/>
-        </p:nvSpPr>
-        <p:spPr>
-          <a:xfrm>
-            <a:off x="3589021" y="4644798"/>
-            <a:ext cx="444137" cy="369332"/>
-          </a:xfrm>
-          <a:prstGeom prst="rect">
-            <a:avLst/>
-          </a:prstGeom>
-          <a:noFill/>
-        </p:spPr>
-        <p:txBody>
-          <a:bodyPr wrap="square" rtlCol="0">
-            <a:spAutoFit/>
-          </a:bodyPr>
-          <a:lstStyle>
-            <a:defPPr>
-              <a:defRPr lang="en-US"/>
-            </a:defPPr>
-            <a:lvl1pPr marL="0" algn="l" defTabSz="914400" rtl="0" eaLnBrk="1" latinLnBrk="0" hangingPunct="1">
-              <a:defRPr sz="1800" kern="1200">
-                <a:solidFill>
-                  <a:schemeClr val="tx1"/>
-                </a:solidFill>
-                <a:latin typeface="+mn-lt"/>
-                <a:ea typeface="+mn-ea"/>
-                <a:cs typeface="+mn-cs"/>
-              </a:defRPr>
-            </a:lvl1pPr>
-            <a:lvl2pPr marL="457200" algn="l" defTabSz="914400" rtl="0" eaLnBrk="1" latinLnBrk="0" hangingPunct="1">
-              <a:defRPr sz="1800" kern="1200">
-                <a:solidFill>
-                  <a:schemeClr val="tx1"/>
-                </a:solidFill>
-                <a:latin typeface="+mn-lt"/>
-                <a:ea typeface="+mn-ea"/>
-                <a:cs typeface="+mn-cs"/>
-              </a:defRPr>
-            </a:lvl2pPr>
-            <a:lvl3pPr marL="914400" algn="l" defTabSz="914400" rtl="0" eaLnBrk="1" latinLnBrk="0" hangingPunct="1">
-              <a:defRPr sz="1800" kern="1200">
-                <a:solidFill>
-                  <a:schemeClr val="tx1"/>
-                </a:solidFill>
-                <a:latin typeface="+mn-lt"/>
-                <a:ea typeface="+mn-ea"/>
-                <a:cs typeface="+mn-cs"/>
-              </a:defRPr>
-            </a:lvl3pPr>
-            <a:lvl4pPr marL="1371600" algn="l" defTabSz="914400" rtl="0" eaLnBrk="1" latinLnBrk="0" hangingPunct="1">
-              <a:defRPr sz="1800" kern="1200">
-                <a:solidFill>
-                  <a:schemeClr val="tx1"/>
-                </a:solidFill>
-                <a:latin typeface="+mn-lt"/>
-                <a:ea typeface="+mn-ea"/>
-                <a:cs typeface="+mn-cs"/>
-              </a:defRPr>
-            </a:lvl4pPr>
-            <a:lvl5pPr marL="1828800" algn="l" defTabSz="914400" rtl="0" eaLnBrk="1" latinLnBrk="0" hangingPunct="1">
-              <a:defRPr sz="1800" kern="1200">
-                <a:solidFill>
-                  <a:schemeClr val="tx1"/>
-                </a:solidFill>
-                <a:latin typeface="+mn-lt"/>
-                <a:ea typeface="+mn-ea"/>
-                <a:cs typeface="+mn-cs"/>
-              </a:defRPr>
-            </a:lvl5pPr>
-            <a:lvl6pPr marL="2286000" algn="l" defTabSz="914400" rtl="0" eaLnBrk="1" latinLnBrk="0" hangingPunct="1">
-              <a:defRPr sz="1800" kern="1200">
-                <a:solidFill>
-                  <a:schemeClr val="tx1"/>
-                </a:solidFill>
-                <a:latin typeface="+mn-lt"/>
-                <a:ea typeface="+mn-ea"/>
-                <a:cs typeface="+mn-cs"/>
-              </a:defRPr>
-            </a:lvl6pPr>
-            <a:lvl7pPr marL="2743200" algn="l" defTabSz="914400" rtl="0" eaLnBrk="1" latinLnBrk="0" hangingPunct="1">
-              <a:defRPr sz="1800" kern="1200">
-                <a:solidFill>
-                  <a:schemeClr val="tx1"/>
-                </a:solidFill>
-                <a:latin typeface="+mn-lt"/>
-                <a:ea typeface="+mn-ea"/>
-                <a:cs typeface="+mn-cs"/>
-              </a:defRPr>
-            </a:lvl7pPr>
-            <a:lvl8pPr marL="3200400" algn="l" defTabSz="914400" rtl="0" eaLnBrk="1" latinLnBrk="0" hangingPunct="1">
-              <a:defRPr sz="1800" kern="1200">
-                <a:solidFill>
-                  <a:schemeClr val="tx1"/>
-                </a:solidFill>
-                <a:latin typeface="+mn-lt"/>
-                <a:ea typeface="+mn-ea"/>
-                <a:cs typeface="+mn-cs"/>
-              </a:defRPr>
-            </a:lvl8pPr>
-            <a:lvl9pPr marL="3657600" algn="l" defTabSz="914400" rtl="0" eaLnBrk="1" latinLnBrk="0" hangingPunct="1">
-              <a:defRPr sz="1800" kern="1200">
-                <a:solidFill>
-                  <a:schemeClr val="tx1"/>
-                </a:solidFill>
-                <a:latin typeface="+mn-lt"/>
-                <a:ea typeface="+mn-ea"/>
-                <a:cs typeface="+mn-cs"/>
-              </a:defRPr>
-            </a:lvl9pPr>
-          </a:lstStyle>
-          <a:p>
-            <a:r>
-              <a:rPr lang="en-US" b="1" dirty="0" smtClean="0">
-                <a:solidFill>
-                  <a:srgbClr val="FF0000"/>
-                </a:solidFill>
-              </a:rPr>
-              <a:t>62</a:t>
-            </a:r>
-            <a:endParaRPr lang="en-US" b="1" dirty="0">
-              <a:solidFill>
-                <a:srgbClr val="FF0000"/>
-              </a:solidFill>
-            </a:endParaRPr>
-          </a:p>
-        </p:txBody>
-      </p:sp>
-      <p:sp>
-        <p:nvSpPr>
-          <p:cNvPr id="11" name="TextBox 10"/>
-          <p:cNvSpPr txBox="1"/>
-          <p:nvPr/>
-        </p:nvSpPr>
-        <p:spPr>
-          <a:xfrm>
-            <a:off x="5570221" y="4640442"/>
-            <a:ext cx="444137" cy="369332"/>
-          </a:xfrm>
-          <a:prstGeom prst="rect">
-            <a:avLst/>
-          </a:prstGeom>
-          <a:noFill/>
-        </p:spPr>
-        <p:txBody>
-          <a:bodyPr wrap="square" rtlCol="0">
-            <a:spAutoFit/>
-          </a:bodyPr>
-          <a:lstStyle>
-            <a:defPPr>
-              <a:defRPr lang="en-US"/>
-            </a:defPPr>
-            <a:lvl1pPr marL="0" algn="l" defTabSz="914400" rtl="0" eaLnBrk="1" latinLnBrk="0" hangingPunct="1">
-              <a:defRPr sz="1800" kern="1200">
-                <a:solidFill>
-                  <a:schemeClr val="tx1"/>
-                </a:solidFill>
-                <a:latin typeface="+mn-lt"/>
-                <a:ea typeface="+mn-ea"/>
-                <a:cs typeface="+mn-cs"/>
-              </a:defRPr>
-            </a:lvl1pPr>
-            <a:lvl2pPr marL="457200" algn="l" defTabSz="914400" rtl="0" eaLnBrk="1" latinLnBrk="0" hangingPunct="1">
-              <a:defRPr sz="1800" kern="1200">
-                <a:solidFill>
-                  <a:schemeClr val="tx1"/>
-                </a:solidFill>
-                <a:latin typeface="+mn-lt"/>
-                <a:ea typeface="+mn-ea"/>
-                <a:cs typeface="+mn-cs"/>
-              </a:defRPr>
-            </a:lvl2pPr>
-            <a:lvl3pPr marL="914400" algn="l" defTabSz="914400" rtl="0" eaLnBrk="1" latinLnBrk="0" hangingPunct="1">
-              <a:defRPr sz="1800" kern="1200">
-                <a:solidFill>
-                  <a:schemeClr val="tx1"/>
-                </a:solidFill>
-                <a:latin typeface="+mn-lt"/>
-                <a:ea typeface="+mn-ea"/>
-                <a:cs typeface="+mn-cs"/>
-              </a:defRPr>
-            </a:lvl3pPr>
-            <a:lvl4pPr marL="1371600" algn="l" defTabSz="914400" rtl="0" eaLnBrk="1" latinLnBrk="0" hangingPunct="1">
-              <a:defRPr sz="1800" kern="1200">
-                <a:solidFill>
-                  <a:schemeClr val="tx1"/>
-                </a:solidFill>
-                <a:latin typeface="+mn-lt"/>
-                <a:ea typeface="+mn-ea"/>
-                <a:cs typeface="+mn-cs"/>
-              </a:defRPr>
-            </a:lvl4pPr>
-            <a:lvl5pPr marL="1828800" algn="l" defTabSz="914400" rtl="0" eaLnBrk="1" latinLnBrk="0" hangingPunct="1">
-              <a:defRPr sz="1800" kern="1200">
-                <a:solidFill>
-                  <a:schemeClr val="tx1"/>
-                </a:solidFill>
-                <a:latin typeface="+mn-lt"/>
-                <a:ea typeface="+mn-ea"/>
-                <a:cs typeface="+mn-cs"/>
-              </a:defRPr>
-            </a:lvl5pPr>
-            <a:lvl6pPr marL="2286000" algn="l" defTabSz="914400" rtl="0" eaLnBrk="1" latinLnBrk="0" hangingPunct="1">
-              <a:defRPr sz="1800" kern="1200">
-                <a:solidFill>
-                  <a:schemeClr val="tx1"/>
-                </a:solidFill>
-                <a:latin typeface="+mn-lt"/>
-                <a:ea typeface="+mn-ea"/>
-                <a:cs typeface="+mn-cs"/>
-              </a:defRPr>
-            </a:lvl6pPr>
-            <a:lvl7pPr marL="2743200" algn="l" defTabSz="914400" rtl="0" eaLnBrk="1" latinLnBrk="0" hangingPunct="1">
-              <a:defRPr sz="1800" kern="1200">
-                <a:solidFill>
-                  <a:schemeClr val="tx1"/>
-                </a:solidFill>
-                <a:latin typeface="+mn-lt"/>
-                <a:ea typeface="+mn-ea"/>
-                <a:cs typeface="+mn-cs"/>
-              </a:defRPr>
-            </a:lvl7pPr>
-            <a:lvl8pPr marL="3200400" algn="l" defTabSz="914400" rtl="0" eaLnBrk="1" latinLnBrk="0" hangingPunct="1">
-              <a:defRPr sz="1800" kern="1200">
-                <a:solidFill>
-                  <a:schemeClr val="tx1"/>
-                </a:solidFill>
-                <a:latin typeface="+mn-lt"/>
-                <a:ea typeface="+mn-ea"/>
-                <a:cs typeface="+mn-cs"/>
-              </a:defRPr>
-            </a:lvl8pPr>
-            <a:lvl9pPr marL="3657600" algn="l" defTabSz="914400" rtl="0" eaLnBrk="1" latinLnBrk="0" hangingPunct="1">
-              <a:defRPr sz="1800" kern="1200">
-                <a:solidFill>
-                  <a:schemeClr val="tx1"/>
-                </a:solidFill>
-                <a:latin typeface="+mn-lt"/>
-                <a:ea typeface="+mn-ea"/>
-                <a:cs typeface="+mn-cs"/>
-              </a:defRPr>
-            </a:lvl9pPr>
-          </a:lstStyle>
-          <a:p>
-            <a:r>
-              <a:rPr lang="en-US" b="1" dirty="0" smtClean="0">
-                <a:solidFill>
-                  <a:srgbClr val="FF0000"/>
-                </a:solidFill>
-              </a:rPr>
-              <a:t>61</a:t>
-            </a:r>
-            <a:endParaRPr lang="en-US" b="1" dirty="0">
-              <a:solidFill>
-                <a:srgbClr val="FF0000"/>
-              </a:solidFill>
-            </a:endParaRPr>
-          </a:p>
-        </p:txBody>
-      </p:sp>
-      <p:sp>
-        <p:nvSpPr>
-          <p:cNvPr id="12" name="TextBox 11"/>
-          <p:cNvSpPr txBox="1"/>
-          <p:nvPr/>
-        </p:nvSpPr>
-        <p:spPr>
-          <a:xfrm>
-            <a:off x="7412094" y="4640442"/>
-            <a:ext cx="444137" cy="369332"/>
-          </a:xfrm>
-          <a:prstGeom prst="rect">
-            <a:avLst/>
-          </a:prstGeom>
-          <a:noFill/>
-        </p:spPr>
-        <p:txBody>
-          <a:bodyPr wrap="square" rtlCol="0">
-            <a:spAutoFit/>
-          </a:bodyPr>
-          <a:lstStyle>
-            <a:defPPr>
-              <a:defRPr lang="en-US"/>
-            </a:defPPr>
-            <a:lvl1pPr marL="0" algn="l" defTabSz="914400" rtl="0" eaLnBrk="1" latinLnBrk="0" hangingPunct="1">
-              <a:defRPr sz="1800" kern="1200">
-                <a:solidFill>
-                  <a:schemeClr val="tx1"/>
-                </a:solidFill>
-                <a:latin typeface="+mn-lt"/>
-                <a:ea typeface="+mn-ea"/>
-                <a:cs typeface="+mn-cs"/>
-              </a:defRPr>
-            </a:lvl1pPr>
-            <a:lvl2pPr marL="457200" algn="l" defTabSz="914400" rtl="0" eaLnBrk="1" latinLnBrk="0" hangingPunct="1">
-              <a:defRPr sz="1800" kern="1200">
-                <a:solidFill>
-                  <a:schemeClr val="tx1"/>
-                </a:solidFill>
-                <a:latin typeface="+mn-lt"/>
-                <a:ea typeface="+mn-ea"/>
-                <a:cs typeface="+mn-cs"/>
-              </a:defRPr>
-            </a:lvl2pPr>
-            <a:lvl3pPr marL="914400" algn="l" defTabSz="914400" rtl="0" eaLnBrk="1" latinLnBrk="0" hangingPunct="1">
-              <a:defRPr sz="1800" kern="1200">
-                <a:solidFill>
-                  <a:schemeClr val="tx1"/>
-                </a:solidFill>
-                <a:latin typeface="+mn-lt"/>
-                <a:ea typeface="+mn-ea"/>
-                <a:cs typeface="+mn-cs"/>
-              </a:defRPr>
-            </a:lvl3pPr>
-            <a:lvl4pPr marL="1371600" algn="l" defTabSz="914400" rtl="0" eaLnBrk="1" latinLnBrk="0" hangingPunct="1">
-              <a:defRPr sz="1800" kern="1200">
-                <a:solidFill>
-                  <a:schemeClr val="tx1"/>
-                </a:solidFill>
-                <a:latin typeface="+mn-lt"/>
-                <a:ea typeface="+mn-ea"/>
-                <a:cs typeface="+mn-cs"/>
-              </a:defRPr>
-            </a:lvl4pPr>
-            <a:lvl5pPr marL="1828800" algn="l" defTabSz="914400" rtl="0" eaLnBrk="1" latinLnBrk="0" hangingPunct="1">
-              <a:defRPr sz="1800" kern="1200">
-                <a:solidFill>
-                  <a:schemeClr val="tx1"/>
-                </a:solidFill>
-                <a:latin typeface="+mn-lt"/>
-                <a:ea typeface="+mn-ea"/>
-                <a:cs typeface="+mn-cs"/>
-              </a:defRPr>
-            </a:lvl5pPr>
-            <a:lvl6pPr marL="2286000" algn="l" defTabSz="914400" rtl="0" eaLnBrk="1" latinLnBrk="0" hangingPunct="1">
-              <a:defRPr sz="1800" kern="1200">
-                <a:solidFill>
-                  <a:schemeClr val="tx1"/>
-                </a:solidFill>
-                <a:latin typeface="+mn-lt"/>
-                <a:ea typeface="+mn-ea"/>
-                <a:cs typeface="+mn-cs"/>
-              </a:defRPr>
-            </a:lvl6pPr>
-            <a:lvl7pPr marL="2743200" algn="l" defTabSz="914400" rtl="0" eaLnBrk="1" latinLnBrk="0" hangingPunct="1">
-              <a:defRPr sz="1800" kern="1200">
-                <a:solidFill>
-                  <a:schemeClr val="tx1"/>
-                </a:solidFill>
-                <a:latin typeface="+mn-lt"/>
-                <a:ea typeface="+mn-ea"/>
-                <a:cs typeface="+mn-cs"/>
-              </a:defRPr>
-            </a:lvl7pPr>
-            <a:lvl8pPr marL="3200400" algn="l" defTabSz="914400" rtl="0" eaLnBrk="1" latinLnBrk="0" hangingPunct="1">
-              <a:defRPr sz="1800" kern="1200">
-                <a:solidFill>
-                  <a:schemeClr val="tx1"/>
-                </a:solidFill>
-                <a:latin typeface="+mn-lt"/>
-                <a:ea typeface="+mn-ea"/>
-                <a:cs typeface="+mn-cs"/>
-              </a:defRPr>
-            </a:lvl8pPr>
-            <a:lvl9pPr marL="3657600" algn="l" defTabSz="914400" rtl="0" eaLnBrk="1" latinLnBrk="0" hangingPunct="1">
-              <a:defRPr sz="1800" kern="1200">
-                <a:solidFill>
-                  <a:schemeClr val="tx1"/>
-                </a:solidFill>
-                <a:latin typeface="+mn-lt"/>
-                <a:ea typeface="+mn-ea"/>
-                <a:cs typeface="+mn-cs"/>
-              </a:defRPr>
-            </a:lvl9pPr>
-          </a:lstStyle>
-          <a:p>
-            <a:r>
-              <a:rPr lang="en-US" b="1" dirty="0" smtClean="0">
-                <a:solidFill>
-                  <a:srgbClr val="FF0000"/>
-                </a:solidFill>
-              </a:rPr>
-              <a:t>60</a:t>
-            </a:r>
-            <a:endParaRPr lang="en-US" b="1" dirty="0">
-              <a:solidFill>
-                <a:srgbClr val="FF0000"/>
-              </a:solidFill>
-            </a:endParaRPr>
-          </a:p>
-        </p:txBody>
-      </p:sp>
-      <p:sp>
-        <p:nvSpPr>
-          <p:cNvPr id="13" name="TextBox 12"/>
-          <p:cNvSpPr txBox="1"/>
-          <p:nvPr/>
-        </p:nvSpPr>
-        <p:spPr>
-          <a:xfrm>
-            <a:off x="9267026" y="4640442"/>
-            <a:ext cx="444137" cy="369332"/>
-          </a:xfrm>
-          <a:prstGeom prst="rect">
-            <a:avLst/>
-          </a:prstGeom>
-          <a:noFill/>
-        </p:spPr>
-        <p:txBody>
-          <a:bodyPr wrap="square" rtlCol="0">
-            <a:spAutoFit/>
-          </a:bodyPr>
-          <a:lstStyle>
-            <a:defPPr>
-              <a:defRPr lang="en-US"/>
-            </a:defPPr>
-            <a:lvl1pPr marL="0" algn="l" defTabSz="914400" rtl="0" eaLnBrk="1" latinLnBrk="0" hangingPunct="1">
-              <a:defRPr sz="1800" kern="1200">
-                <a:solidFill>
-                  <a:schemeClr val="tx1"/>
-                </a:solidFill>
-                <a:latin typeface="+mn-lt"/>
-                <a:ea typeface="+mn-ea"/>
-                <a:cs typeface="+mn-cs"/>
-              </a:defRPr>
-            </a:lvl1pPr>
-            <a:lvl2pPr marL="457200" algn="l" defTabSz="914400" rtl="0" eaLnBrk="1" latinLnBrk="0" hangingPunct="1">
-              <a:defRPr sz="1800" kern="1200">
-                <a:solidFill>
-                  <a:schemeClr val="tx1"/>
-                </a:solidFill>
-                <a:latin typeface="+mn-lt"/>
-                <a:ea typeface="+mn-ea"/>
-                <a:cs typeface="+mn-cs"/>
-              </a:defRPr>
-            </a:lvl2pPr>
-            <a:lvl3pPr marL="914400" algn="l" defTabSz="914400" rtl="0" eaLnBrk="1" latinLnBrk="0" hangingPunct="1">
-              <a:defRPr sz="1800" kern="1200">
-                <a:solidFill>
-                  <a:schemeClr val="tx1"/>
-                </a:solidFill>
-                <a:latin typeface="+mn-lt"/>
-                <a:ea typeface="+mn-ea"/>
-                <a:cs typeface="+mn-cs"/>
-              </a:defRPr>
-            </a:lvl3pPr>
-            <a:lvl4pPr marL="1371600" algn="l" defTabSz="914400" rtl="0" eaLnBrk="1" latinLnBrk="0" hangingPunct="1">
-              <a:defRPr sz="1800" kern="1200">
-                <a:solidFill>
-                  <a:schemeClr val="tx1"/>
-                </a:solidFill>
-                <a:latin typeface="+mn-lt"/>
-                <a:ea typeface="+mn-ea"/>
-                <a:cs typeface="+mn-cs"/>
-              </a:defRPr>
-            </a:lvl4pPr>
-            <a:lvl5pPr marL="1828800" algn="l" defTabSz="914400" rtl="0" eaLnBrk="1" latinLnBrk="0" hangingPunct="1">
-              <a:defRPr sz="1800" kern="1200">
-                <a:solidFill>
-                  <a:schemeClr val="tx1"/>
-                </a:solidFill>
-                <a:latin typeface="+mn-lt"/>
-                <a:ea typeface="+mn-ea"/>
-                <a:cs typeface="+mn-cs"/>
-              </a:defRPr>
-            </a:lvl5pPr>
-            <a:lvl6pPr marL="2286000" algn="l" defTabSz="914400" rtl="0" eaLnBrk="1" latinLnBrk="0" hangingPunct="1">
-              <a:defRPr sz="1800" kern="1200">
-                <a:solidFill>
-                  <a:schemeClr val="tx1"/>
-                </a:solidFill>
-                <a:latin typeface="+mn-lt"/>
-                <a:ea typeface="+mn-ea"/>
-                <a:cs typeface="+mn-cs"/>
-              </a:defRPr>
-            </a:lvl6pPr>
-            <a:lvl7pPr marL="2743200" algn="l" defTabSz="914400" rtl="0" eaLnBrk="1" latinLnBrk="0" hangingPunct="1">
-              <a:defRPr sz="1800" kern="1200">
-                <a:solidFill>
-                  <a:schemeClr val="tx1"/>
-                </a:solidFill>
-                <a:latin typeface="+mn-lt"/>
-                <a:ea typeface="+mn-ea"/>
-                <a:cs typeface="+mn-cs"/>
-              </a:defRPr>
-            </a:lvl7pPr>
-            <a:lvl8pPr marL="3200400" algn="l" defTabSz="914400" rtl="0" eaLnBrk="1" latinLnBrk="0" hangingPunct="1">
-              <a:defRPr sz="1800" kern="1200">
-                <a:solidFill>
-                  <a:schemeClr val="tx1"/>
-                </a:solidFill>
-                <a:latin typeface="+mn-lt"/>
-                <a:ea typeface="+mn-ea"/>
-                <a:cs typeface="+mn-cs"/>
-              </a:defRPr>
-            </a:lvl8pPr>
-            <a:lvl9pPr marL="3657600" algn="l" defTabSz="914400" rtl="0" eaLnBrk="1" latinLnBrk="0" hangingPunct="1">
-              <a:defRPr sz="1800" kern="1200">
-                <a:solidFill>
-                  <a:schemeClr val="tx1"/>
-                </a:solidFill>
-                <a:latin typeface="+mn-lt"/>
-                <a:ea typeface="+mn-ea"/>
-                <a:cs typeface="+mn-cs"/>
-              </a:defRPr>
-            </a:lvl9pPr>
-          </a:lstStyle>
-          <a:p>
-            <a:r>
-              <a:rPr lang="en-US" b="1" dirty="0" smtClean="0">
-                <a:solidFill>
-                  <a:srgbClr val="FF0000"/>
-                </a:solidFill>
-              </a:rPr>
-              <a:t>59</a:t>
-            </a:r>
-            <a:endParaRPr lang="en-US" b="1" dirty="0">
-              <a:solidFill>
-                <a:srgbClr val="FF0000"/>
-              </a:solidFill>
-            </a:endParaRPr>
-          </a:p>
-        </p:txBody>
-      </p:sp>
-      <p:sp>
-        <p:nvSpPr>
-          <p:cNvPr id="14" name="TextBox 7"/>
-          <p:cNvSpPr txBox="1"/>
-          <p:nvPr/>
-        </p:nvSpPr>
-        <p:spPr>
-          <a:xfrm>
-            <a:off x="1002574" y="4149633"/>
-            <a:ext cx="2393770" cy="369332"/>
-          </a:xfrm>
-          <a:prstGeom prst="rect">
-            <a:avLst/>
-          </a:prstGeom>
-          <a:noFill/>
-        </p:spPr>
-        <p:txBody>
-          <a:bodyPr wrap="square" rtlCol="0">
-            <a:spAutoFit/>
-          </a:bodyPr>
-          <a:lstStyle>
-            <a:defPPr>
-              <a:defRPr lang="en-US"/>
-            </a:defPPr>
-            <a:lvl1pPr marL="0" algn="l" defTabSz="914400" rtl="0" eaLnBrk="1" latinLnBrk="0" hangingPunct="1">
-              <a:defRPr sz="1800" kern="1200">
-                <a:solidFill>
-                  <a:schemeClr val="tx1"/>
-                </a:solidFill>
-                <a:latin typeface="+mn-lt"/>
-                <a:ea typeface="+mn-ea"/>
-                <a:cs typeface="+mn-cs"/>
-              </a:defRPr>
-            </a:lvl1pPr>
-            <a:lvl2pPr marL="457200" algn="l" defTabSz="914400" rtl="0" eaLnBrk="1" latinLnBrk="0" hangingPunct="1">
-              <a:defRPr sz="1800" kern="1200">
-                <a:solidFill>
-                  <a:schemeClr val="tx1"/>
-                </a:solidFill>
-                <a:latin typeface="+mn-lt"/>
-                <a:ea typeface="+mn-ea"/>
-                <a:cs typeface="+mn-cs"/>
-              </a:defRPr>
-            </a:lvl2pPr>
-            <a:lvl3pPr marL="914400" algn="l" defTabSz="914400" rtl="0" eaLnBrk="1" latinLnBrk="0" hangingPunct="1">
-              <a:defRPr sz="1800" kern="1200">
-                <a:solidFill>
-                  <a:schemeClr val="tx1"/>
-                </a:solidFill>
-                <a:latin typeface="+mn-lt"/>
-                <a:ea typeface="+mn-ea"/>
-                <a:cs typeface="+mn-cs"/>
-              </a:defRPr>
-            </a:lvl3pPr>
-            <a:lvl4pPr marL="1371600" algn="l" defTabSz="914400" rtl="0" eaLnBrk="1" latinLnBrk="0" hangingPunct="1">
-              <a:defRPr sz="1800" kern="1200">
-                <a:solidFill>
-                  <a:schemeClr val="tx1"/>
-                </a:solidFill>
-                <a:latin typeface="+mn-lt"/>
-                <a:ea typeface="+mn-ea"/>
-                <a:cs typeface="+mn-cs"/>
-              </a:defRPr>
-            </a:lvl4pPr>
-            <a:lvl5pPr marL="1828800" algn="l" defTabSz="914400" rtl="0" eaLnBrk="1" latinLnBrk="0" hangingPunct="1">
-              <a:defRPr sz="1800" kern="1200">
-                <a:solidFill>
-                  <a:schemeClr val="tx1"/>
-                </a:solidFill>
-                <a:latin typeface="+mn-lt"/>
-                <a:ea typeface="+mn-ea"/>
-                <a:cs typeface="+mn-cs"/>
-              </a:defRPr>
-            </a:lvl5pPr>
-            <a:lvl6pPr marL="2286000" algn="l" defTabSz="914400" rtl="0" eaLnBrk="1" latinLnBrk="0" hangingPunct="1">
-              <a:defRPr sz="1800" kern="1200">
-                <a:solidFill>
-                  <a:schemeClr val="tx1"/>
-                </a:solidFill>
-                <a:latin typeface="+mn-lt"/>
-                <a:ea typeface="+mn-ea"/>
-                <a:cs typeface="+mn-cs"/>
-              </a:defRPr>
-            </a:lvl6pPr>
-            <a:lvl7pPr marL="2743200" algn="l" defTabSz="914400" rtl="0" eaLnBrk="1" latinLnBrk="0" hangingPunct="1">
-              <a:defRPr sz="1800" kern="1200">
-                <a:solidFill>
-                  <a:schemeClr val="tx1"/>
-                </a:solidFill>
-                <a:latin typeface="+mn-lt"/>
-                <a:ea typeface="+mn-ea"/>
-                <a:cs typeface="+mn-cs"/>
-              </a:defRPr>
-            </a:lvl7pPr>
-            <a:lvl8pPr marL="3200400" algn="l" defTabSz="914400" rtl="0" eaLnBrk="1" latinLnBrk="0" hangingPunct="1">
-              <a:defRPr sz="1800" kern="1200">
-                <a:solidFill>
-                  <a:schemeClr val="tx1"/>
-                </a:solidFill>
-                <a:latin typeface="+mn-lt"/>
-                <a:ea typeface="+mn-ea"/>
-                <a:cs typeface="+mn-cs"/>
-              </a:defRPr>
-            </a:lvl8pPr>
-            <a:lvl9pPr marL="3657600" algn="l" defTabSz="914400" rtl="0" eaLnBrk="1" latinLnBrk="0" hangingPunct="1">
-              <a:defRPr sz="1800" kern="1200">
-                <a:solidFill>
-                  <a:schemeClr val="tx1"/>
-                </a:solidFill>
-                <a:latin typeface="+mn-lt"/>
-                <a:ea typeface="+mn-ea"/>
-                <a:cs typeface="+mn-cs"/>
-              </a:defRPr>
-            </a:lvl9pPr>
-          </a:lstStyle>
-          <a:p>
-            <a:r>
-              <a:rPr lang="en-US" b="1" dirty="0" smtClean="0">
-                <a:solidFill>
-                  <a:srgbClr val="FF0000"/>
-                </a:solidFill>
-              </a:rPr>
-              <a:t>Dedicated Hop Count:</a:t>
-            </a:r>
-            <a:endParaRPr lang="en-US" b="1" dirty="0">
-              <a:solidFill>
-                <a:srgbClr val="FF0000"/>
-              </a:solidFill>
-            </a:endParaRPr>
-          </a:p>
-        </p:txBody>
-      </p:sp>
-      <p:sp>
-        <p:nvSpPr>
-          <p:cNvPr id="15" name="TextBox 14"/>
-          <p:cNvSpPr txBox="1"/>
-          <p:nvPr/>
-        </p:nvSpPr>
-        <p:spPr>
-          <a:xfrm>
-            <a:off x="3589021" y="4150417"/>
-            <a:ext cx="444137" cy="369332"/>
-          </a:xfrm>
-          <a:prstGeom prst="rect">
-            <a:avLst/>
-          </a:prstGeom>
-          <a:noFill/>
-        </p:spPr>
-        <p:txBody>
-          <a:bodyPr wrap="square" rtlCol="0">
-            <a:spAutoFit/>
-          </a:bodyPr>
-          <a:lstStyle>
-            <a:defPPr>
-              <a:defRPr lang="en-US"/>
-            </a:defPPr>
-            <a:lvl1pPr marL="0" algn="l" defTabSz="914400" rtl="0" eaLnBrk="1" latinLnBrk="0" hangingPunct="1">
-              <a:defRPr sz="1800" kern="1200">
-                <a:solidFill>
-                  <a:schemeClr val="tx1"/>
-                </a:solidFill>
-                <a:latin typeface="+mn-lt"/>
-                <a:ea typeface="+mn-ea"/>
-                <a:cs typeface="+mn-cs"/>
-              </a:defRPr>
-            </a:lvl1pPr>
-            <a:lvl2pPr marL="457200" algn="l" defTabSz="914400" rtl="0" eaLnBrk="1" latinLnBrk="0" hangingPunct="1">
-              <a:defRPr sz="1800" kern="1200">
-                <a:solidFill>
-                  <a:schemeClr val="tx1"/>
-                </a:solidFill>
-                <a:latin typeface="+mn-lt"/>
-                <a:ea typeface="+mn-ea"/>
-                <a:cs typeface="+mn-cs"/>
-              </a:defRPr>
-            </a:lvl2pPr>
-            <a:lvl3pPr marL="914400" algn="l" defTabSz="914400" rtl="0" eaLnBrk="1" latinLnBrk="0" hangingPunct="1">
-              <a:defRPr sz="1800" kern="1200">
-                <a:solidFill>
-                  <a:schemeClr val="tx1"/>
-                </a:solidFill>
-                <a:latin typeface="+mn-lt"/>
-                <a:ea typeface="+mn-ea"/>
-                <a:cs typeface="+mn-cs"/>
-              </a:defRPr>
-            </a:lvl3pPr>
-            <a:lvl4pPr marL="1371600" algn="l" defTabSz="914400" rtl="0" eaLnBrk="1" latinLnBrk="0" hangingPunct="1">
-              <a:defRPr sz="1800" kern="1200">
-                <a:solidFill>
-                  <a:schemeClr val="tx1"/>
-                </a:solidFill>
-                <a:latin typeface="+mn-lt"/>
-                <a:ea typeface="+mn-ea"/>
-                <a:cs typeface="+mn-cs"/>
-              </a:defRPr>
-            </a:lvl4pPr>
-            <a:lvl5pPr marL="1828800" algn="l" defTabSz="914400" rtl="0" eaLnBrk="1" latinLnBrk="0" hangingPunct="1">
-              <a:defRPr sz="1800" kern="1200">
-                <a:solidFill>
-                  <a:schemeClr val="tx1"/>
-                </a:solidFill>
-                <a:latin typeface="+mn-lt"/>
-                <a:ea typeface="+mn-ea"/>
-                <a:cs typeface="+mn-cs"/>
-              </a:defRPr>
-            </a:lvl5pPr>
-            <a:lvl6pPr marL="2286000" algn="l" defTabSz="914400" rtl="0" eaLnBrk="1" latinLnBrk="0" hangingPunct="1">
-              <a:defRPr sz="1800" kern="1200">
-                <a:solidFill>
-                  <a:schemeClr val="tx1"/>
-                </a:solidFill>
-                <a:latin typeface="+mn-lt"/>
-                <a:ea typeface="+mn-ea"/>
-                <a:cs typeface="+mn-cs"/>
-              </a:defRPr>
-            </a:lvl6pPr>
-            <a:lvl7pPr marL="2743200" algn="l" defTabSz="914400" rtl="0" eaLnBrk="1" latinLnBrk="0" hangingPunct="1">
-              <a:defRPr sz="1800" kern="1200">
-                <a:solidFill>
-                  <a:schemeClr val="tx1"/>
-                </a:solidFill>
-                <a:latin typeface="+mn-lt"/>
-                <a:ea typeface="+mn-ea"/>
-                <a:cs typeface="+mn-cs"/>
-              </a:defRPr>
-            </a:lvl7pPr>
-            <a:lvl8pPr marL="3200400" algn="l" defTabSz="914400" rtl="0" eaLnBrk="1" latinLnBrk="0" hangingPunct="1">
-              <a:defRPr sz="1800" kern="1200">
-                <a:solidFill>
-                  <a:schemeClr val="tx1"/>
-                </a:solidFill>
-                <a:latin typeface="+mn-lt"/>
-                <a:ea typeface="+mn-ea"/>
-                <a:cs typeface="+mn-cs"/>
-              </a:defRPr>
-            </a:lvl8pPr>
-            <a:lvl9pPr marL="3657600" algn="l" defTabSz="914400" rtl="0" eaLnBrk="1" latinLnBrk="0" hangingPunct="1">
-              <a:defRPr sz="1800" kern="1200">
-                <a:solidFill>
-                  <a:schemeClr val="tx1"/>
-                </a:solidFill>
-                <a:latin typeface="+mn-lt"/>
-                <a:ea typeface="+mn-ea"/>
-                <a:cs typeface="+mn-cs"/>
-              </a:defRPr>
-            </a:lvl9pPr>
-          </a:lstStyle>
-          <a:p>
-            <a:r>
-              <a:rPr lang="en-US" b="1" dirty="0" smtClean="0">
-                <a:solidFill>
-                  <a:srgbClr val="FF0000"/>
-                </a:solidFill>
-              </a:rPr>
-              <a:t>1</a:t>
-            </a:r>
-            <a:endParaRPr lang="en-US" b="1" dirty="0">
-              <a:solidFill>
-                <a:srgbClr val="FF0000"/>
-              </a:solidFill>
-            </a:endParaRPr>
-          </a:p>
-        </p:txBody>
-      </p:sp>
-      <p:sp>
-        <p:nvSpPr>
-          <p:cNvPr id="16" name="TextBox 15"/>
-          <p:cNvSpPr txBox="1"/>
-          <p:nvPr/>
-        </p:nvSpPr>
-        <p:spPr>
-          <a:xfrm>
-            <a:off x="5570221" y="4146061"/>
-            <a:ext cx="444137" cy="369332"/>
-          </a:xfrm>
-          <a:prstGeom prst="rect">
-            <a:avLst/>
-          </a:prstGeom>
-          <a:noFill/>
-        </p:spPr>
-        <p:txBody>
-          <a:bodyPr wrap="square" rtlCol="0">
-            <a:spAutoFit/>
-          </a:bodyPr>
-          <a:lstStyle>
-            <a:defPPr>
-              <a:defRPr lang="en-US"/>
-            </a:defPPr>
-            <a:lvl1pPr marL="0" algn="l" defTabSz="914400" rtl="0" eaLnBrk="1" latinLnBrk="0" hangingPunct="1">
-              <a:defRPr sz="1800" kern="1200">
-                <a:solidFill>
-                  <a:schemeClr val="tx1"/>
-                </a:solidFill>
-                <a:latin typeface="+mn-lt"/>
-                <a:ea typeface="+mn-ea"/>
-                <a:cs typeface="+mn-cs"/>
-              </a:defRPr>
-            </a:lvl1pPr>
-            <a:lvl2pPr marL="457200" algn="l" defTabSz="914400" rtl="0" eaLnBrk="1" latinLnBrk="0" hangingPunct="1">
-              <a:defRPr sz="1800" kern="1200">
-                <a:solidFill>
-                  <a:schemeClr val="tx1"/>
-                </a:solidFill>
-                <a:latin typeface="+mn-lt"/>
-                <a:ea typeface="+mn-ea"/>
-                <a:cs typeface="+mn-cs"/>
-              </a:defRPr>
-            </a:lvl2pPr>
-            <a:lvl3pPr marL="914400" algn="l" defTabSz="914400" rtl="0" eaLnBrk="1" latinLnBrk="0" hangingPunct="1">
-              <a:defRPr sz="1800" kern="1200">
-                <a:solidFill>
-                  <a:schemeClr val="tx1"/>
-                </a:solidFill>
-                <a:latin typeface="+mn-lt"/>
-                <a:ea typeface="+mn-ea"/>
-                <a:cs typeface="+mn-cs"/>
-              </a:defRPr>
-            </a:lvl3pPr>
-            <a:lvl4pPr marL="1371600" algn="l" defTabSz="914400" rtl="0" eaLnBrk="1" latinLnBrk="0" hangingPunct="1">
-              <a:defRPr sz="1800" kern="1200">
-                <a:solidFill>
-                  <a:schemeClr val="tx1"/>
-                </a:solidFill>
-                <a:latin typeface="+mn-lt"/>
-                <a:ea typeface="+mn-ea"/>
-                <a:cs typeface="+mn-cs"/>
-              </a:defRPr>
-            </a:lvl4pPr>
-            <a:lvl5pPr marL="1828800" algn="l" defTabSz="914400" rtl="0" eaLnBrk="1" latinLnBrk="0" hangingPunct="1">
-              <a:defRPr sz="1800" kern="1200">
-                <a:solidFill>
-                  <a:schemeClr val="tx1"/>
-                </a:solidFill>
-                <a:latin typeface="+mn-lt"/>
-                <a:ea typeface="+mn-ea"/>
-                <a:cs typeface="+mn-cs"/>
-              </a:defRPr>
-            </a:lvl5pPr>
-            <a:lvl6pPr marL="2286000" algn="l" defTabSz="914400" rtl="0" eaLnBrk="1" latinLnBrk="0" hangingPunct="1">
-              <a:defRPr sz="1800" kern="1200">
-                <a:solidFill>
-                  <a:schemeClr val="tx1"/>
-                </a:solidFill>
-                <a:latin typeface="+mn-lt"/>
-                <a:ea typeface="+mn-ea"/>
-                <a:cs typeface="+mn-cs"/>
-              </a:defRPr>
-            </a:lvl6pPr>
-            <a:lvl7pPr marL="2743200" algn="l" defTabSz="914400" rtl="0" eaLnBrk="1" latinLnBrk="0" hangingPunct="1">
-              <a:defRPr sz="1800" kern="1200">
-                <a:solidFill>
-                  <a:schemeClr val="tx1"/>
-                </a:solidFill>
-                <a:latin typeface="+mn-lt"/>
-                <a:ea typeface="+mn-ea"/>
-                <a:cs typeface="+mn-cs"/>
-              </a:defRPr>
-            </a:lvl7pPr>
-            <a:lvl8pPr marL="3200400" algn="l" defTabSz="914400" rtl="0" eaLnBrk="1" latinLnBrk="0" hangingPunct="1">
-              <a:defRPr sz="1800" kern="1200">
-                <a:solidFill>
-                  <a:schemeClr val="tx1"/>
-                </a:solidFill>
-                <a:latin typeface="+mn-lt"/>
-                <a:ea typeface="+mn-ea"/>
-                <a:cs typeface="+mn-cs"/>
-              </a:defRPr>
-            </a:lvl8pPr>
-            <a:lvl9pPr marL="3657600" algn="l" defTabSz="914400" rtl="0" eaLnBrk="1" latinLnBrk="0" hangingPunct="1">
-              <a:defRPr sz="1800" kern="1200">
-                <a:solidFill>
-                  <a:schemeClr val="tx1"/>
-                </a:solidFill>
-                <a:latin typeface="+mn-lt"/>
-                <a:ea typeface="+mn-ea"/>
-                <a:cs typeface="+mn-cs"/>
-              </a:defRPr>
-            </a:lvl9pPr>
-          </a:lstStyle>
-          <a:p>
-            <a:r>
-              <a:rPr lang="en-US" b="1" dirty="0" smtClean="0">
-                <a:solidFill>
-                  <a:srgbClr val="FF0000"/>
-                </a:solidFill>
-              </a:rPr>
-              <a:t>2</a:t>
-            </a:r>
-            <a:endParaRPr lang="en-US" b="1" dirty="0">
-              <a:solidFill>
-                <a:srgbClr val="FF0000"/>
-              </a:solidFill>
-            </a:endParaRPr>
-          </a:p>
-        </p:txBody>
-      </p:sp>
-      <p:sp>
-        <p:nvSpPr>
-          <p:cNvPr id="18" name="TextBox 17"/>
-          <p:cNvSpPr txBox="1"/>
-          <p:nvPr/>
-        </p:nvSpPr>
-        <p:spPr>
-          <a:xfrm>
-            <a:off x="9267026" y="4146061"/>
-            <a:ext cx="444137" cy="369332"/>
-          </a:xfrm>
-          <a:prstGeom prst="rect">
-            <a:avLst/>
-          </a:prstGeom>
-          <a:noFill/>
-        </p:spPr>
-        <p:txBody>
-          <a:bodyPr wrap="square" rtlCol="0">
-            <a:spAutoFit/>
-          </a:bodyPr>
-          <a:lstStyle>
-            <a:defPPr>
-              <a:defRPr lang="en-US"/>
-            </a:defPPr>
-            <a:lvl1pPr marL="0" algn="l" defTabSz="914400" rtl="0" eaLnBrk="1" latinLnBrk="0" hangingPunct="1">
-              <a:defRPr sz="1800" kern="1200">
-                <a:solidFill>
-                  <a:schemeClr val="tx1"/>
-                </a:solidFill>
-                <a:latin typeface="+mn-lt"/>
-                <a:ea typeface="+mn-ea"/>
-                <a:cs typeface="+mn-cs"/>
-              </a:defRPr>
-            </a:lvl1pPr>
-            <a:lvl2pPr marL="457200" algn="l" defTabSz="914400" rtl="0" eaLnBrk="1" latinLnBrk="0" hangingPunct="1">
-              <a:defRPr sz="1800" kern="1200">
-                <a:solidFill>
-                  <a:schemeClr val="tx1"/>
-                </a:solidFill>
-                <a:latin typeface="+mn-lt"/>
-                <a:ea typeface="+mn-ea"/>
-                <a:cs typeface="+mn-cs"/>
-              </a:defRPr>
-            </a:lvl2pPr>
-            <a:lvl3pPr marL="914400" algn="l" defTabSz="914400" rtl="0" eaLnBrk="1" latinLnBrk="0" hangingPunct="1">
-              <a:defRPr sz="1800" kern="1200">
-                <a:solidFill>
-                  <a:schemeClr val="tx1"/>
-                </a:solidFill>
-                <a:latin typeface="+mn-lt"/>
-                <a:ea typeface="+mn-ea"/>
-                <a:cs typeface="+mn-cs"/>
-              </a:defRPr>
-            </a:lvl3pPr>
-            <a:lvl4pPr marL="1371600" algn="l" defTabSz="914400" rtl="0" eaLnBrk="1" latinLnBrk="0" hangingPunct="1">
-              <a:defRPr sz="1800" kern="1200">
-                <a:solidFill>
-                  <a:schemeClr val="tx1"/>
-                </a:solidFill>
-                <a:latin typeface="+mn-lt"/>
-                <a:ea typeface="+mn-ea"/>
-                <a:cs typeface="+mn-cs"/>
-              </a:defRPr>
-            </a:lvl4pPr>
-            <a:lvl5pPr marL="1828800" algn="l" defTabSz="914400" rtl="0" eaLnBrk="1" latinLnBrk="0" hangingPunct="1">
-              <a:defRPr sz="1800" kern="1200">
-                <a:solidFill>
-                  <a:schemeClr val="tx1"/>
-                </a:solidFill>
-                <a:latin typeface="+mn-lt"/>
-                <a:ea typeface="+mn-ea"/>
-                <a:cs typeface="+mn-cs"/>
-              </a:defRPr>
-            </a:lvl5pPr>
-            <a:lvl6pPr marL="2286000" algn="l" defTabSz="914400" rtl="0" eaLnBrk="1" latinLnBrk="0" hangingPunct="1">
-              <a:defRPr sz="1800" kern="1200">
-                <a:solidFill>
-                  <a:schemeClr val="tx1"/>
-                </a:solidFill>
-                <a:latin typeface="+mn-lt"/>
-                <a:ea typeface="+mn-ea"/>
-                <a:cs typeface="+mn-cs"/>
-              </a:defRPr>
-            </a:lvl6pPr>
-            <a:lvl7pPr marL="2743200" algn="l" defTabSz="914400" rtl="0" eaLnBrk="1" latinLnBrk="0" hangingPunct="1">
-              <a:defRPr sz="1800" kern="1200">
-                <a:solidFill>
-                  <a:schemeClr val="tx1"/>
-                </a:solidFill>
-                <a:latin typeface="+mn-lt"/>
-                <a:ea typeface="+mn-ea"/>
-                <a:cs typeface="+mn-cs"/>
-              </a:defRPr>
-            </a:lvl7pPr>
-            <a:lvl8pPr marL="3200400" algn="l" defTabSz="914400" rtl="0" eaLnBrk="1" latinLnBrk="0" hangingPunct="1">
-              <a:defRPr sz="1800" kern="1200">
-                <a:solidFill>
-                  <a:schemeClr val="tx1"/>
-                </a:solidFill>
-                <a:latin typeface="+mn-lt"/>
-                <a:ea typeface="+mn-ea"/>
-                <a:cs typeface="+mn-cs"/>
-              </a:defRPr>
-            </a:lvl8pPr>
-            <a:lvl9pPr marL="3657600" algn="l" defTabSz="914400" rtl="0" eaLnBrk="1" latinLnBrk="0" hangingPunct="1">
-              <a:defRPr sz="1800" kern="1200">
-                <a:solidFill>
-                  <a:schemeClr val="tx1"/>
-                </a:solidFill>
-                <a:latin typeface="+mn-lt"/>
-                <a:ea typeface="+mn-ea"/>
-                <a:cs typeface="+mn-cs"/>
-              </a:defRPr>
-            </a:lvl9pPr>
-          </a:lstStyle>
-          <a:p>
-            <a:r>
-              <a:rPr lang="en-US" b="1" dirty="0" smtClean="0">
-                <a:solidFill>
-                  <a:srgbClr val="FF0000"/>
-                </a:solidFill>
-              </a:rPr>
-              <a:t>3</a:t>
-            </a:r>
-            <a:endParaRPr lang="en-US" b="1" dirty="0">
-              <a:solidFill>
-                <a:srgbClr val="FF0000"/>
-              </a:solidFill>
-            </a:endParaRPr>
-          </a:p>
-        </p:txBody>
-      </p:sp>
-      <p:sp>
-        <p:nvSpPr>
-          <p:cNvPr id="3" name="Slide Number Placeholder 2"/>
-          <p:cNvSpPr>
-            <a:spLocks noGrp="1"/>
-          </p:cNvSpPr>
-          <p:nvPr>
-            <p:ph type="sldNum" sz="quarter" idx="12"/>
-          </p:nvPr>
-        </p:nvSpPr>
-        <p:spPr/>
-        <p:txBody>
-          <a:bodyPr/>
-          <a:lstStyle/>
-          <a:p>
-            <a:fld id="{5F24DECC-5776-45FE-A1F8-864179D59757}" type="slidenum">
-              <a:rPr lang="en-US" smtClean="0"/>
-              <a:t>10</a:t>
-            </a:fld>
-            <a:endParaRPr lang="en-US"/>
-          </a:p>
-        </p:txBody>
-      </p:sp>
-    </p:spTree>
-    <p:extLst>
-      <p:ext uri="{BB962C8B-B14F-4D97-AF65-F5344CB8AC3E}">
-        <p14:creationId xmlns:p14="http://schemas.microsoft.com/office/powerpoint/2010/main" val="1430559460"/>
-      </p:ext>
-    </p:extLst>
-  </p:cSld>
-  <p:clrMapOvr>
-    <a:masterClrMapping/>
-  </p:clrMapOvr>
-  <p:timing>
-    <p:tnLst>
-      <p:par>
-        <p:cTn id="1" dur="indefinite" restart="never" nodeType="tmRoot"/>
-      </p:par>
-    </p:tnLst>
-  </p:timing>
 </p:sld>
 </file>
 
@@ -5735,91 +3505,90 @@
           <a:lstStyle/>
           <a:p>
             <a:r>
-              <a:rPr lang="en-US" dirty="0" smtClean="0"/>
+              <a:rPr lang="en-US" dirty="0"/>
               <a:t>The History of This Draft</a:t>
             </a:r>
+          </a:p>
+        </p:txBody>
+      </p:sp>
+      <p:sp>
+        <p:nvSpPr>
+          <p:cNvPr id="3" name="Content Placeholder 2"/>
+          <p:cNvSpPr>
+            <a:spLocks noGrp="1"/>
+          </p:cNvSpPr>
+          <p:nvPr>
+            <p:ph idx="1"/>
+          </p:nvPr>
+        </p:nvSpPr>
+        <p:spPr/>
+        <p:txBody>
+          <a:bodyPr/>
+          <a:lstStyle/>
+          <a:p>
+            <a:r>
+              <a:rPr lang="en-US" dirty="0"/>
+              <a:t>This draft combines two somewhat similar approaches:</a:t>
+            </a:r>
+          </a:p>
+          <a:p>
+            <a:pPr lvl="1"/>
+            <a:r>
+              <a:rPr lang="en-US" dirty="0"/>
+              <a:t>The PBT-I concept from draft-song-</a:t>
+            </a:r>
+            <a:r>
+              <a:rPr lang="en-US" dirty="0" err="1"/>
+              <a:t>ippm</a:t>
+            </a:r>
+            <a:r>
+              <a:rPr lang="en-US" dirty="0"/>
+              <a:t>-postcard-based-telemetry</a:t>
+            </a:r>
+          </a:p>
+          <a:p>
+            <a:pPr lvl="1"/>
+            <a:r>
+              <a:rPr lang="en-US" dirty="0"/>
+              <a:t>The Immediate Export flag from draft-</a:t>
+            </a:r>
+            <a:r>
+              <a:rPr lang="en-US" dirty="0" err="1"/>
+              <a:t>mizrahi</a:t>
+            </a:r>
+            <a:r>
+              <a:rPr lang="en-US" dirty="0"/>
+              <a:t>-</a:t>
+            </a:r>
+            <a:r>
+              <a:rPr lang="en-US" dirty="0" err="1"/>
+              <a:t>ippm</a:t>
+            </a:r>
+            <a:r>
+              <a:rPr lang="en-US" dirty="0"/>
+              <a:t>-</a:t>
+            </a:r>
+            <a:r>
+              <a:rPr lang="en-US" dirty="0" err="1"/>
+              <a:t>ioam</a:t>
+            </a:r>
+            <a:r>
+              <a:rPr lang="en-US" dirty="0"/>
+              <a:t>-flags</a:t>
+            </a:r>
+          </a:p>
+          <a:p>
+            <a:r>
+              <a:rPr lang="en-US" dirty="0"/>
+              <a:t>The decision in IETF 105 was to combine them.</a:t>
+            </a:r>
+          </a:p>
+          <a:p>
             <a:endParaRPr lang="en-US" dirty="0"/>
           </a:p>
-        </p:txBody>
-      </p:sp>
-      <p:sp>
-        <p:nvSpPr>
-          <p:cNvPr id="3" name="Content Placeholder 2"/>
-          <p:cNvSpPr>
-            <a:spLocks noGrp="1"/>
-          </p:cNvSpPr>
-          <p:nvPr>
-            <p:ph idx="1"/>
-          </p:nvPr>
-        </p:nvSpPr>
-        <p:spPr/>
-        <p:txBody>
-          <a:bodyPr/>
-          <a:lstStyle/>
-          <a:p>
-            <a:r>
-              <a:rPr lang="en-US" dirty="0" smtClean="0"/>
-              <a:t>This draft combines two somewhat similar approaches:</a:t>
-            </a:r>
-          </a:p>
-          <a:p>
-            <a:pPr lvl="1"/>
-            <a:r>
-              <a:rPr lang="en-US" dirty="0" smtClean="0"/>
-              <a:t>The PBT-I concept from draft-song-</a:t>
-            </a:r>
-            <a:r>
-              <a:rPr lang="en-US" dirty="0" err="1" smtClean="0"/>
-              <a:t>ippm</a:t>
-            </a:r>
-            <a:r>
-              <a:rPr lang="en-US" dirty="0" smtClean="0"/>
-              <a:t>-postcard-based-telemetry</a:t>
-            </a:r>
-          </a:p>
-          <a:p>
-            <a:pPr lvl="1"/>
-            <a:r>
-              <a:rPr lang="en-US" dirty="0" smtClean="0"/>
-              <a:t>The Immediate Export flag from draft-</a:t>
-            </a:r>
-            <a:r>
-              <a:rPr lang="en-US" dirty="0" err="1" smtClean="0"/>
-              <a:t>mizrahi</a:t>
-            </a:r>
-            <a:r>
-              <a:rPr lang="en-US" dirty="0" smtClean="0"/>
-              <a:t>-</a:t>
-            </a:r>
-            <a:r>
-              <a:rPr lang="en-US" dirty="0" err="1" smtClean="0"/>
-              <a:t>ippm</a:t>
-            </a:r>
-            <a:r>
-              <a:rPr lang="en-US" dirty="0" smtClean="0"/>
-              <a:t>-</a:t>
-            </a:r>
-            <a:r>
-              <a:rPr lang="en-US" dirty="0" err="1" smtClean="0"/>
-              <a:t>ioam</a:t>
-            </a:r>
-            <a:r>
-              <a:rPr lang="en-US" dirty="0" smtClean="0"/>
-              <a:t>-flags</a:t>
-            </a:r>
-          </a:p>
-          <a:p>
-            <a:r>
-              <a:rPr lang="en-US" dirty="0" smtClean="0"/>
-              <a:t>The decision in IETF 105 was to combine them.</a:t>
-            </a:r>
-          </a:p>
-          <a:p>
-            <a:endParaRPr lang="en-US" dirty="0" smtClean="0"/>
-          </a:p>
-          <a:p>
-            <a:r>
-              <a:rPr lang="en-US" dirty="0" smtClean="0"/>
+          <a:p>
+            <a:r>
+              <a:rPr lang="en-US" dirty="0"/>
               <a:t>This draft is the product of a design team that worked on combining the two concepts. </a:t>
             </a:r>
           </a:p>
@@ -5828,7 +3597,7 @@
           </a:p>
           <a:p>
             <a:r>
-              <a:rPr lang="en-US" dirty="0" smtClean="0"/>
+              <a:rPr lang="en-US" dirty="0"/>
               <a:t>October 2019 - draft 00.</a:t>
             </a:r>
           </a:p>
@@ -5858,7 +3627,7 @@
           <a:p>
             <a:pPr algn="ctr"/>
             <a:r>
-              <a:rPr lang="en-US" dirty="0" smtClean="0">
+              <a:rPr lang="en-US" dirty="0">
                 <a:solidFill>
                   <a:schemeClr val="bg1">
                     <a:lumMod val="50000"/>
@@ -5867,13 +3636,6 @@
               </a:rPr>
               <a:t>IETF 106, Nov 2019</a:t>
             </a:r>
-            <a:endParaRPr lang="en-US" dirty="0">
-              <a:solidFill>
-                <a:schemeClr val="bg1">
-                  <a:lumMod val="50000"/>
-                </a:schemeClr>
-              </a:solidFill>
-            </a:endParaRPr>
           </a:p>
         </p:txBody>
       </p:sp>
@@ -5910,13 +3672,6 @@
   <p:clrMapOvr>
     <a:masterClrMapping/>
   </p:clrMapOvr>
-  <p:timing>
-    <p:tnLst>
-      <p:par>
-        <p:cTn id="1" dur="indefinite" restart="never" nodeType="tmRoot"/>
-      </p:par>
-    </p:tnLst>
-  </p:timing>
 </p:sld>
 </file>
 
@@ -5953,10 +3708,9 @@
           <a:lstStyle/>
           <a:p>
             <a:r>
-              <a:rPr lang="en-US" dirty="0" smtClean="0"/>
+              <a:rPr lang="en-US" dirty="0"/>
               <a:t>Direct Exporting (DEX) – Overview</a:t>
             </a:r>
-            <a:endParaRPr lang="en-US" dirty="0"/>
           </a:p>
         </p:txBody>
       </p:sp>
@@ -5991,7 +3745,7 @@
               </a:spcBef>
               <a:buNone/>
             </a:pPr>
-            <a:endParaRPr lang="en-US" sz="1600" b="1" dirty="0" smtClean="0">
+            <a:endParaRPr lang="en-US" sz="1600" b="1" dirty="0">
               <a:latin typeface="Courier New" panose="02070309020205020404" pitchFamily="49" charset="0"/>
               <a:cs typeface="Courier New" panose="02070309020205020404" pitchFamily="49" charset="0"/>
             </a:endParaRPr>
@@ -6006,13 +3760,10 @@
               </a:spcBef>
               <a:buNone/>
             </a:pPr>
-            <a:r>
-              <a:rPr lang="en-US" sz="1600" b="1" dirty="0" smtClean="0">
-                <a:latin typeface="Courier New" panose="02070309020205020404" pitchFamily="49" charset="0"/>
-                <a:cs typeface="Courier New" panose="02070309020205020404" pitchFamily="49" charset="0"/>
-              </a:rPr>
-              <a:t>                                +-----------+</a:t>
-            </a:r>
+            <a:endParaRPr lang="en-US" sz="1600" b="1" dirty="0">
+              <a:latin typeface="Courier New" panose="02070309020205020404" pitchFamily="49" charset="0"/>
+              <a:cs typeface="Courier New" panose="02070309020205020404" pitchFamily="49" charset="0"/>
+            </a:endParaRPr>
           </a:p>
           <a:p>
             <a:pPr marL="0" indent="0">
@@ -6024,13 +3775,10 @@
               </a:spcBef>
               <a:buNone/>
             </a:pPr>
-            <a:r>
-              <a:rPr lang="en-US" sz="1600" b="1" dirty="0" smtClean="0">
-                <a:latin typeface="Courier New" panose="02070309020205020404" pitchFamily="49" charset="0"/>
-                <a:cs typeface="Courier New" panose="02070309020205020404" pitchFamily="49" charset="0"/>
-              </a:rPr>
-              <a:t>                                | Telemetry |</a:t>
-            </a:r>
+            <a:endParaRPr lang="en-US" sz="1600" b="1" dirty="0">
+              <a:latin typeface="Courier New" panose="02070309020205020404" pitchFamily="49" charset="0"/>
+              <a:cs typeface="Courier New" panose="02070309020205020404" pitchFamily="49" charset="0"/>
+            </a:endParaRPr>
           </a:p>
           <a:p>
             <a:pPr marL="0" indent="0">
@@ -6042,13 +3790,10 @@
               </a:spcBef>
               <a:buNone/>
             </a:pPr>
-            <a:r>
-              <a:rPr lang="en-US" sz="1600" b="1" dirty="0" smtClean="0">
-                <a:latin typeface="Courier New" panose="02070309020205020404" pitchFamily="49" charset="0"/>
-                <a:cs typeface="Courier New" panose="02070309020205020404" pitchFamily="49" charset="0"/>
-              </a:rPr>
-              <a:t>                                | Data      |</a:t>
-            </a:r>
+            <a:endParaRPr lang="en-US" sz="1600" b="1" dirty="0">
+              <a:latin typeface="Courier New" panose="02070309020205020404" pitchFamily="49" charset="0"/>
+              <a:cs typeface="Courier New" panose="02070309020205020404" pitchFamily="49" charset="0"/>
+            </a:endParaRPr>
           </a:p>
           <a:p>
             <a:pPr marL="0" indent="0">
@@ -6061,43 +3806,7 @@
               <a:buNone/>
             </a:pPr>
             <a:r>
-              <a:rPr lang="en-US" sz="1600" b="1" dirty="0" smtClean="0">
-                <a:latin typeface="Courier New" panose="02070309020205020404" pitchFamily="49" charset="0"/>
-                <a:cs typeface="Courier New" panose="02070309020205020404" pitchFamily="49" charset="0"/>
-              </a:rPr>
-              <a:t>                                | Collector |</a:t>
-            </a:r>
-          </a:p>
-          <a:p>
-            <a:pPr marL="0" indent="0">
-              <a:lnSpc>
-                <a:spcPct val="70000"/>
-              </a:lnSpc>
-              <a:spcBef>
-                <a:spcPts val="0"/>
-              </a:spcBef>
-              <a:buNone/>
-            </a:pPr>
-            <a:r>
-              <a:rPr lang="en-US" sz="1600" b="1" dirty="0" smtClean="0">
-                <a:latin typeface="Courier New" panose="02070309020205020404" pitchFamily="49" charset="0"/>
-                <a:cs typeface="Courier New" panose="02070309020205020404" pitchFamily="49" charset="0"/>
-              </a:rPr>
-              <a:t>                                +-----------+</a:t>
-            </a:r>
-          </a:p>
-          <a:p>
-            <a:pPr marL="0" indent="0">
-              <a:lnSpc>
-                <a:spcPct val="70000"/>
-              </a:lnSpc>
-              <a:spcBef>
-                <a:spcPts val="0"/>
-              </a:spcBef>
-              <a:buNone/>
-            </a:pPr>
-            <a:r>
-              <a:rPr lang="en-US" sz="1600" b="1" dirty="0" smtClean="0">
+              <a:rPr lang="en-US" sz="1600" b="1" dirty="0">
                 <a:latin typeface="Courier New" panose="02070309020205020404" pitchFamily="49" charset="0"/>
                 <a:cs typeface="Courier New" panose="02070309020205020404" pitchFamily="49" charset="0"/>
               </a:rPr>
@@ -6115,7 +3824,7 @@
               <a:buNone/>
             </a:pPr>
             <a:r>
-              <a:rPr lang="en-US" sz="1600" b="1" dirty="0" smtClean="0">
+              <a:rPr lang="en-US" sz="1600" b="1" dirty="0">
                 <a:latin typeface="Courier New" panose="02070309020205020404" pitchFamily="49" charset="0"/>
                 <a:cs typeface="Courier New" panose="02070309020205020404" pitchFamily="49" charset="0"/>
               </a:rPr>
@@ -6133,7 +3842,7 @@
               <a:buNone/>
             </a:pPr>
             <a:r>
-              <a:rPr lang="en-US" sz="1600" b="1" dirty="0" smtClean="0">
+              <a:rPr lang="en-US" sz="1600" b="1" dirty="0">
                 <a:latin typeface="Courier New" panose="02070309020205020404" pitchFamily="49" charset="0"/>
                 <a:cs typeface="Courier New" panose="02070309020205020404" pitchFamily="49" charset="0"/>
               </a:rPr>
@@ -6151,7 +3860,7 @@
               <a:buNone/>
             </a:pPr>
             <a:r>
-              <a:rPr lang="en-US" sz="1600" b="1" dirty="0" smtClean="0">
+              <a:rPr lang="en-US" sz="1600" b="1" dirty="0">
                 <a:latin typeface="Courier New" panose="02070309020205020404" pitchFamily="49" charset="0"/>
                 <a:cs typeface="Courier New" panose="02070309020205020404" pitchFamily="49" charset="0"/>
               </a:rPr>
@@ -6169,7 +3878,7 @@
               <a:buNone/>
             </a:pPr>
             <a:r>
-              <a:rPr lang="en-US" sz="1600" b="1" dirty="0" smtClean="0">
+              <a:rPr lang="en-US" sz="1600" b="1" dirty="0">
                 <a:latin typeface="Courier New" panose="02070309020205020404" pitchFamily="49" charset="0"/>
                 <a:cs typeface="Courier New" panose="02070309020205020404" pitchFamily="49" charset="0"/>
               </a:rPr>
@@ -6187,7 +3896,7 @@
               <a:buNone/>
             </a:pPr>
             <a:r>
-              <a:rPr lang="en-US" sz="1600" b="1" dirty="0" smtClean="0">
+              <a:rPr lang="en-US" sz="1600" b="1" dirty="0">
                 <a:latin typeface="Courier New" panose="02070309020205020404" pitchFamily="49" charset="0"/>
                 <a:cs typeface="Courier New" panose="02070309020205020404" pitchFamily="49" charset="0"/>
               </a:rPr>
@@ -6205,7 +3914,7 @@
               <a:buNone/>
             </a:pPr>
             <a:r>
-              <a:rPr lang="en-US" sz="1600" b="1" dirty="0" smtClean="0">
+              <a:rPr lang="en-US" sz="1600" b="1" dirty="0">
                 <a:latin typeface="Courier New" panose="02070309020205020404" pitchFamily="49" charset="0"/>
                 <a:cs typeface="Courier New" panose="02070309020205020404" pitchFamily="49" charset="0"/>
               </a:rPr>
@@ -6223,7 +3932,7 @@
               <a:buNone/>
             </a:pPr>
             <a:r>
-              <a:rPr lang="en-US" sz="1600" b="1" dirty="0" smtClean="0">
+              <a:rPr lang="en-US" sz="1600" b="1" dirty="0">
                 <a:latin typeface="Courier New" panose="02070309020205020404" pitchFamily="49" charset="0"/>
                 <a:cs typeface="Courier New" panose="02070309020205020404" pitchFamily="49" charset="0"/>
               </a:rPr>
@@ -6241,7 +3950,7 @@
               <a:buNone/>
             </a:pPr>
             <a:r>
-              <a:rPr lang="en-US" sz="1600" b="1" dirty="0" smtClean="0">
+              <a:rPr lang="en-US" sz="1600" b="1" dirty="0">
                 <a:latin typeface="Courier New" panose="02070309020205020404" pitchFamily="49" charset="0"/>
                 <a:cs typeface="Courier New" panose="02070309020205020404" pitchFamily="49" charset="0"/>
               </a:rPr>
@@ -6259,35 +3968,35 @@
               <a:buNone/>
             </a:pPr>
             <a:r>
-              <a:rPr lang="en-US" sz="1600" b="1" dirty="0" smtClean="0">
+              <a:rPr lang="en-US" sz="1600" b="1" dirty="0">
                 <a:latin typeface="Courier New" panose="02070309020205020404" pitchFamily="49" charset="0"/>
                 <a:cs typeface="Courier New" panose="02070309020205020404" pitchFamily="49" charset="0"/>
               </a:rPr>
               <a:t>  packets   |</a:t>
             </a:r>
             <a:r>
-              <a:rPr lang="en-US" sz="1600" b="1" dirty="0" err="1" smtClean="0">
+              <a:rPr lang="en-US" sz="1600" b="1" dirty="0" err="1">
                 <a:latin typeface="Courier New" panose="02070309020205020404" pitchFamily="49" charset="0"/>
                 <a:cs typeface="Courier New" panose="02070309020205020404" pitchFamily="49" charset="0"/>
               </a:rPr>
               <a:t>Encapsu</a:t>
             </a:r>
             <a:r>
-              <a:rPr lang="en-US" sz="1600" b="1" dirty="0" smtClean="0">
+              <a:rPr lang="en-US" sz="1600" b="1" dirty="0">
                 <a:latin typeface="Courier New" panose="02070309020205020404" pitchFamily="49" charset="0"/>
                 <a:cs typeface="Courier New" panose="02070309020205020404" pitchFamily="49" charset="0"/>
               </a:rPr>
               <a:t>-|     | Transit|     | Transit|     |</a:t>
             </a:r>
             <a:r>
-              <a:rPr lang="en-US" sz="1600" b="1" dirty="0" err="1" smtClean="0">
+              <a:rPr lang="en-US" sz="1600" b="1" dirty="0" err="1">
                 <a:latin typeface="Courier New" panose="02070309020205020404" pitchFamily="49" charset="0"/>
                 <a:cs typeface="Courier New" panose="02070309020205020404" pitchFamily="49" charset="0"/>
               </a:rPr>
               <a:t>Decapsu</a:t>
             </a:r>
             <a:r>
-              <a:rPr lang="en-US" sz="1600" b="1" dirty="0" smtClean="0">
+              <a:rPr lang="en-US" sz="1600" b="1" dirty="0">
                 <a:latin typeface="Courier New" panose="02070309020205020404" pitchFamily="49" charset="0"/>
                 <a:cs typeface="Courier New" panose="02070309020205020404" pitchFamily="49" charset="0"/>
               </a:rPr>
@@ -6305,35 +4014,35 @@
               <a:buNone/>
             </a:pPr>
             <a:r>
-              <a:rPr lang="en-US" sz="1600" b="1" dirty="0" smtClean="0">
+              <a:rPr lang="en-US" sz="1600" b="1" dirty="0">
                 <a:latin typeface="Courier New" panose="02070309020205020404" pitchFamily="49" charset="0"/>
                 <a:cs typeface="Courier New" panose="02070309020205020404" pitchFamily="49" charset="0"/>
               </a:rPr>
               <a:t>  ---------&gt;|</a:t>
             </a:r>
             <a:r>
-              <a:rPr lang="en-US" sz="1600" b="1" dirty="0" err="1" smtClean="0">
+              <a:rPr lang="en-US" sz="1600" b="1" dirty="0" err="1">
                 <a:latin typeface="Courier New" panose="02070309020205020404" pitchFamily="49" charset="0"/>
                 <a:cs typeface="Courier New" panose="02070309020205020404" pitchFamily="49" charset="0"/>
               </a:rPr>
               <a:t>lating</a:t>
             </a:r>
             <a:r>
-              <a:rPr lang="en-US" sz="1600" b="1" dirty="0" smtClean="0">
+              <a:rPr lang="en-US" sz="1600" b="1" dirty="0">
                 <a:latin typeface="Courier New" panose="02070309020205020404" pitchFamily="49" charset="0"/>
                 <a:cs typeface="Courier New" panose="02070309020205020404" pitchFamily="49" charset="0"/>
               </a:rPr>
               <a:t>  |====&gt;| Node   |====&gt;| Node   |====&gt;|</a:t>
             </a:r>
             <a:r>
-              <a:rPr lang="en-US" sz="1600" b="1" dirty="0" err="1" smtClean="0">
+              <a:rPr lang="en-US" sz="1600" b="1" dirty="0" err="1">
                 <a:latin typeface="Courier New" panose="02070309020205020404" pitchFamily="49" charset="0"/>
                 <a:cs typeface="Courier New" panose="02070309020205020404" pitchFamily="49" charset="0"/>
               </a:rPr>
               <a:t>lating</a:t>
             </a:r>
             <a:r>
-              <a:rPr lang="en-US" sz="1600" b="1" dirty="0" smtClean="0">
+              <a:rPr lang="en-US" sz="1600" b="1" dirty="0">
                 <a:latin typeface="Courier New" panose="02070309020205020404" pitchFamily="49" charset="0"/>
                 <a:cs typeface="Courier New" panose="02070309020205020404" pitchFamily="49" charset="0"/>
               </a:rPr>
@@ -6351,7 +4060,7 @@
               <a:buNone/>
             </a:pPr>
             <a:r>
-              <a:rPr lang="en-US" sz="1600" b="1" dirty="0" smtClean="0">
+              <a:rPr lang="en-US" sz="1600" b="1" dirty="0">
                 <a:latin typeface="Courier New" panose="02070309020205020404" pitchFamily="49" charset="0"/>
                 <a:cs typeface="Courier New" panose="02070309020205020404" pitchFamily="49" charset="0"/>
               </a:rPr>
@@ -6369,7 +4078,7 @@
               <a:buNone/>
             </a:pPr>
             <a:r>
-              <a:rPr lang="en-US" sz="1600" b="1" dirty="0" smtClean="0">
+              <a:rPr lang="en-US" sz="1600" b="1" dirty="0">
                 <a:latin typeface="Courier New" panose="02070309020205020404" pitchFamily="49" charset="0"/>
                 <a:cs typeface="Courier New" panose="02070309020205020404" pitchFamily="49" charset="0"/>
               </a:rPr>
@@ -6387,21 +4096,21 @@
               <a:buNone/>
             </a:pPr>
             <a:r>
-              <a:rPr lang="en-US" sz="1600" b="1" dirty="0" smtClean="0">
+              <a:rPr lang="en-US" sz="1600" b="1" dirty="0">
                 <a:latin typeface="Courier New" panose="02070309020205020404" pitchFamily="49" charset="0"/>
                 <a:cs typeface="Courier New" panose="02070309020205020404" pitchFamily="49" charset="0"/>
               </a:rPr>
               <a:t>            Insert DEX       Export         </a:t>
             </a:r>
             <a:r>
-              <a:rPr lang="en-US" sz="1600" b="1" dirty="0" err="1" smtClean="0">
+              <a:rPr lang="en-US" sz="1600" b="1" dirty="0" err="1">
                 <a:latin typeface="Courier New" panose="02070309020205020404" pitchFamily="49" charset="0"/>
                 <a:cs typeface="Courier New" panose="02070309020205020404" pitchFamily="49" charset="0"/>
               </a:rPr>
               <a:t>Export</a:t>
             </a:r>
             <a:r>
-              <a:rPr lang="en-US" sz="1600" b="1" dirty="0" smtClean="0">
+              <a:rPr lang="en-US" sz="1600" b="1" dirty="0">
                 <a:latin typeface="Courier New" panose="02070309020205020404" pitchFamily="49" charset="0"/>
                 <a:cs typeface="Courier New" panose="02070309020205020404" pitchFamily="49" charset="0"/>
               </a:rPr>
@@ -6419,7 +4128,7 @@
               <a:buNone/>
             </a:pPr>
             <a:r>
-              <a:rPr lang="en-US" sz="1600" b="1" dirty="0" smtClean="0">
+              <a:rPr lang="en-US" sz="1600" b="1" dirty="0">
                 <a:latin typeface="Courier New" panose="02070309020205020404" pitchFamily="49" charset="0"/>
                 <a:cs typeface="Courier New" panose="02070309020205020404" pitchFamily="49" charset="0"/>
               </a:rPr>
@@ -6437,7 +4146,7 @@
               <a:buNone/>
             </a:pPr>
             <a:r>
-              <a:rPr lang="en-US" sz="1600" b="1" dirty="0" smtClean="0">
+              <a:rPr lang="en-US" sz="1600" b="1" dirty="0">
                 <a:latin typeface="Courier New" panose="02070309020205020404" pitchFamily="49" charset="0"/>
                 <a:cs typeface="Courier New" panose="02070309020205020404" pitchFamily="49" charset="0"/>
               </a:rPr>
@@ -6454,7 +4163,7 @@
               </a:spcBef>
               <a:buNone/>
             </a:pPr>
-            <a:endParaRPr lang="en-US" sz="1600" b="1" dirty="0" smtClean="0">
+            <a:endParaRPr lang="en-US" sz="1600" b="1" dirty="0">
               <a:latin typeface="Courier New" panose="02070309020205020404" pitchFamily="49" charset="0"/>
               <a:cs typeface="Courier New" panose="02070309020205020404" pitchFamily="49" charset="0"/>
             </a:endParaRPr>
@@ -6648,22 +4357,21 @@
           </a:lstStyle>
           <a:p>
             <a:r>
-              <a:rPr lang="en-US" dirty="0" smtClean="0"/>
-              <a:t>IOAM data is exported to a collector without modifying data packets.</a:t>
-            </a:r>
-          </a:p>
-          <a:p>
-            <a:r>
-              <a:rPr lang="en-US" dirty="0" smtClean="0"/>
+              <a:rPr lang="en-US" dirty="0"/>
+              <a:t>IOAM data is exported without modifying data packets.</a:t>
+            </a:r>
+          </a:p>
+          <a:p>
+            <a:r>
+              <a:rPr lang="en-US" dirty="0"/>
               <a:t>Simplifies transit node processing.</a:t>
             </a:r>
           </a:p>
           <a:p>
             <a:r>
-              <a:rPr lang="en-US" dirty="0" smtClean="0"/>
+              <a:rPr lang="en-US" dirty="0"/>
               <a:t>Reduces the data plane on-the-wire overhead of IOAM.</a:t>
             </a:r>
-            <a:endParaRPr lang="en-US" dirty="0"/>
           </a:p>
         </p:txBody>
       </p:sp>
@@ -6691,7 +4399,7 @@
           <a:p>
             <a:pPr algn="ctr"/>
             <a:r>
-              <a:rPr lang="en-US" dirty="0" smtClean="0">
+              <a:rPr lang="en-US" dirty="0">
                 <a:solidFill>
                   <a:schemeClr val="bg1">
                     <a:lumMod val="50000"/>
@@ -6700,13 +4408,6 @@
               </a:rPr>
               <a:t>IETF 106, Nov 2019</a:t>
             </a:r>
-            <a:endParaRPr lang="en-US" dirty="0">
-              <a:solidFill>
-                <a:schemeClr val="bg1">
-                  <a:lumMod val="50000"/>
-                </a:schemeClr>
-              </a:solidFill>
-            </a:endParaRPr>
           </a:p>
         </p:txBody>
       </p:sp>
@@ -6743,13 +4444,6 @@
   <p:clrMapOvr>
     <a:masterClrMapping/>
   </p:clrMapOvr>
-  <p:timing>
-    <p:tnLst>
-      <p:par>
-        <p:cTn id="1" dur="indefinite" restart="never" nodeType="tmRoot"/>
-      </p:par>
-    </p:tnLst>
-  </p:timing>
 </p:sld>
 </file>
 
@@ -6786,10 +4480,9 @@
           <a:lstStyle/>
           <a:p>
             <a:r>
-              <a:rPr lang="en-US" dirty="0" smtClean="0"/>
+              <a:rPr lang="en-US" dirty="0"/>
               <a:t>The Direct Exporting (DEX) Option</a:t>
             </a:r>
-            <a:endParaRPr lang="en-US" dirty="0"/>
           </a:p>
         </p:txBody>
       </p:sp>
@@ -6824,7 +4517,7 @@
               </a:spcBef>
               <a:buNone/>
             </a:pPr>
-            <a:endParaRPr lang="en-US" sz="1600" b="1" dirty="0" smtClean="0">
+            <a:endParaRPr lang="en-US" sz="1600" b="1" dirty="0">
               <a:latin typeface="Courier New" panose="02070309020205020404" pitchFamily="49" charset="0"/>
               <a:cs typeface="Courier New" panose="02070309020205020404" pitchFamily="49" charset="0"/>
             </a:endParaRPr>
@@ -6840,7 +4533,7 @@
               <a:buNone/>
             </a:pPr>
             <a:r>
-              <a:rPr lang="en-US" sz="1600" b="1" dirty="0" smtClean="0">
+              <a:rPr lang="en-US" sz="1600" b="1" dirty="0">
                 <a:latin typeface="Courier New" panose="02070309020205020404" pitchFamily="49" charset="0"/>
                 <a:cs typeface="Courier New" panose="02070309020205020404" pitchFamily="49" charset="0"/>
               </a:rPr>
@@ -6858,7 +4551,7 @@
               <a:buNone/>
             </a:pPr>
             <a:r>
-              <a:rPr lang="en-US" sz="1600" b="1" dirty="0" smtClean="0">
+              <a:rPr lang="en-US" sz="1600" b="1" dirty="0">
                 <a:latin typeface="Courier New" panose="02070309020205020404" pitchFamily="49" charset="0"/>
                 <a:cs typeface="Courier New" panose="02070309020205020404" pitchFamily="49" charset="0"/>
               </a:rPr>
@@ -6876,7 +4569,7 @@
               <a:buNone/>
             </a:pPr>
             <a:r>
-              <a:rPr lang="en-US" sz="1600" b="1" dirty="0" smtClean="0">
+              <a:rPr lang="en-US" sz="1600" b="1" dirty="0">
                 <a:latin typeface="Courier New" panose="02070309020205020404" pitchFamily="49" charset="0"/>
                 <a:cs typeface="Courier New" panose="02070309020205020404" pitchFamily="49" charset="0"/>
               </a:rPr>
@@ -6894,7 +4587,7 @@
               <a:buNone/>
             </a:pPr>
             <a:r>
-              <a:rPr lang="en-US" sz="1600" b="1" dirty="0" smtClean="0">
+              <a:rPr lang="en-US" sz="1600" b="1" dirty="0">
                 <a:latin typeface="Courier New" panose="02070309020205020404" pitchFamily="49" charset="0"/>
                 <a:cs typeface="Courier New" panose="02070309020205020404" pitchFamily="49" charset="0"/>
               </a:rPr>
@@ -6912,7 +4605,7 @@
               <a:buNone/>
             </a:pPr>
             <a:r>
-              <a:rPr lang="en-US" sz="1600" b="1" dirty="0" smtClean="0">
+              <a:rPr lang="en-US" sz="1600" b="1" dirty="0">
                 <a:latin typeface="Courier New" panose="02070309020205020404" pitchFamily="49" charset="0"/>
                 <a:cs typeface="Courier New" panose="02070309020205020404" pitchFamily="49" charset="0"/>
               </a:rPr>
@@ -6930,7 +4623,7 @@
               <a:buNone/>
             </a:pPr>
             <a:r>
-              <a:rPr lang="en-US" sz="1600" b="1" dirty="0" smtClean="0">
+              <a:rPr lang="en-US" sz="1600" b="1" dirty="0">
                 <a:latin typeface="Courier New" panose="02070309020205020404" pitchFamily="49" charset="0"/>
                 <a:cs typeface="Courier New" panose="02070309020205020404" pitchFamily="49" charset="0"/>
               </a:rPr>
@@ -6948,7 +4641,7 @@
               <a:buNone/>
             </a:pPr>
             <a:r>
-              <a:rPr lang="en-US" sz="1600" b="1" dirty="0" smtClean="0">
+              <a:rPr lang="en-US" sz="1600" b="1" dirty="0">
                 <a:latin typeface="Courier New" panose="02070309020205020404" pitchFamily="49" charset="0"/>
                 <a:cs typeface="Courier New" panose="02070309020205020404" pitchFamily="49" charset="0"/>
               </a:rPr>
@@ -6966,7 +4659,7 @@
               <a:buNone/>
             </a:pPr>
             <a:r>
-              <a:rPr lang="en-US" sz="1600" b="1" dirty="0" smtClean="0">
+              <a:rPr lang="en-US" sz="1600" b="1" dirty="0">
                 <a:latin typeface="Courier New" panose="02070309020205020404" pitchFamily="49" charset="0"/>
                 <a:cs typeface="Courier New" panose="02070309020205020404" pitchFamily="49" charset="0"/>
               </a:rPr>
@@ -6984,7 +4677,7 @@
               <a:buNone/>
             </a:pPr>
             <a:r>
-              <a:rPr lang="en-US" sz="1600" b="1" dirty="0" smtClean="0">
+              <a:rPr lang="en-US" sz="1600" b="1" dirty="0">
                 <a:latin typeface="Courier New" panose="02070309020205020404" pitchFamily="49" charset="0"/>
                 <a:cs typeface="Courier New" panose="02070309020205020404" pitchFamily="49" charset="0"/>
               </a:rPr>
@@ -7002,7 +4695,7 @@
               <a:buNone/>
             </a:pPr>
             <a:r>
-              <a:rPr lang="en-US" sz="1600" b="1" dirty="0" smtClean="0">
+              <a:rPr lang="en-US" sz="1600" b="1" dirty="0">
                 <a:latin typeface="Courier New" panose="02070309020205020404" pitchFamily="49" charset="0"/>
                 <a:cs typeface="Courier New" panose="02070309020205020404" pitchFamily="49" charset="0"/>
               </a:rPr>
@@ -7020,7 +4713,7 @@
               <a:buNone/>
             </a:pPr>
             <a:r>
-              <a:rPr lang="en-US" sz="1600" b="1" dirty="0" smtClean="0">
+              <a:rPr lang="en-US" sz="1600" b="1" dirty="0">
                 <a:latin typeface="Courier New" panose="02070309020205020404" pitchFamily="49" charset="0"/>
                 <a:cs typeface="Courier New" panose="02070309020205020404" pitchFamily="49" charset="0"/>
               </a:rPr>
@@ -7216,19 +4909,19 @@
           </a:lstStyle>
           <a:p>
             <a:r>
-              <a:rPr lang="en-US" dirty="0" smtClean="0"/>
+              <a:rPr lang="en-US" dirty="0"/>
               <a:t>A new IOAM option that indicates that IOAM data is exported to a collector.</a:t>
             </a:r>
           </a:p>
           <a:p>
             <a:r>
-              <a:rPr lang="en-US" dirty="0" smtClean="0"/>
+              <a:rPr lang="en-US" dirty="0"/>
               <a:t>IOAM-Trace-Type indicates which data fields are exported.</a:t>
             </a:r>
           </a:p>
           <a:p>
             <a:r>
-              <a:rPr lang="en-US" dirty="0" smtClean="0"/>
+              <a:rPr lang="en-US" dirty="0"/>
               <a:t>Two optional fields.</a:t>
             </a:r>
           </a:p>
@@ -7264,7 +4957,7 @@
           <a:p>
             <a:pPr algn="ctr"/>
             <a:r>
-              <a:rPr lang="en-US" dirty="0" smtClean="0">
+              <a:rPr lang="en-US" dirty="0">
                 <a:solidFill>
                   <a:schemeClr val="bg1">
                     <a:lumMod val="50000"/>
@@ -7273,13 +4966,6 @@
               </a:rPr>
               <a:t>IETF 106, Nov 2019</a:t>
             </a:r>
-            <a:endParaRPr lang="en-US" dirty="0">
-              <a:solidFill>
-                <a:schemeClr val="bg1">
-                  <a:lumMod val="50000"/>
-                </a:schemeClr>
-              </a:solidFill>
-            </a:endParaRPr>
           </a:p>
         </p:txBody>
       </p:sp>
@@ -7316,13 +5002,6 @@
   <p:clrMapOvr>
     <a:masterClrMapping/>
   </p:clrMapOvr>
-  <p:timing>
-    <p:tnLst>
-      <p:par>
-        <p:cTn id="1" dur="indefinite" restart="never" nodeType="tmRoot"/>
-      </p:par>
-    </p:tnLst>
-  </p:timing>
 </p:sld>
 </file>
 
@@ -7361,10 +5040,9 @@
           <a:lstStyle/>
           <a:p>
             <a:r>
-              <a:rPr lang="en-US" sz="3600" dirty="0" smtClean="0"/>
+              <a:rPr lang="en-US" sz="3600" dirty="0"/>
               <a:t>Example: The DEX Option as an IPv6 Extension Header</a:t>
             </a:r>
-            <a:endParaRPr lang="en-US" sz="3600" dirty="0"/>
           </a:p>
         </p:txBody>
       </p:sp>
@@ -7399,7 +5077,7 @@
               </a:spcBef>
               <a:buNone/>
             </a:pPr>
-            <a:endParaRPr lang="en-US" sz="1600" b="1" dirty="0" smtClean="0">
+            <a:endParaRPr lang="en-US" sz="1600" b="1" dirty="0">
               <a:latin typeface="Courier New" panose="02070309020205020404" pitchFamily="49" charset="0"/>
               <a:cs typeface="Courier New" panose="02070309020205020404" pitchFamily="49" charset="0"/>
             </a:endParaRPr>
@@ -7415,7 +5093,7 @@
               <a:buNone/>
             </a:pPr>
             <a:r>
-              <a:rPr lang="en-US" sz="1600" b="1" dirty="0" smtClean="0">
+              <a:rPr lang="en-US" sz="1600" b="1" dirty="0">
                 <a:latin typeface="Courier New" panose="02070309020205020404" pitchFamily="49" charset="0"/>
                 <a:cs typeface="Courier New" panose="02070309020205020404" pitchFamily="49" charset="0"/>
               </a:rPr>
@@ -7433,7 +5111,7 @@
               <a:buNone/>
             </a:pPr>
             <a:r>
-              <a:rPr lang="en-US" sz="1600" b="1" dirty="0" smtClean="0">
+              <a:rPr lang="en-US" sz="1600" b="1" dirty="0">
                 <a:latin typeface="Courier New" panose="02070309020205020404" pitchFamily="49" charset="0"/>
                 <a:cs typeface="Courier New" panose="02070309020205020404" pitchFamily="49" charset="0"/>
               </a:rPr>
@@ -7451,7 +5129,7 @@
               <a:buNone/>
             </a:pPr>
             <a:r>
-              <a:rPr lang="en-US" sz="1600" b="1" dirty="0" smtClean="0">
+              <a:rPr lang="en-US" sz="1600" b="1" dirty="0">
                 <a:latin typeface="Courier New" panose="02070309020205020404" pitchFamily="49" charset="0"/>
                 <a:cs typeface="Courier New" panose="02070309020205020404" pitchFamily="49" charset="0"/>
               </a:rPr>
@@ -7469,7 +5147,7 @@
               <a:buNone/>
             </a:pPr>
             <a:r>
-              <a:rPr lang="en-US" sz="1600" b="1" dirty="0" smtClean="0">
+              <a:rPr lang="en-US" sz="1600" b="1" dirty="0">
                 <a:latin typeface="Courier New" panose="02070309020205020404" pitchFamily="49" charset="0"/>
                 <a:cs typeface="Courier New" panose="02070309020205020404" pitchFamily="49" charset="0"/>
               </a:rPr>
@@ -7487,7 +5165,7 @@
               <a:buNone/>
             </a:pPr>
             <a:r>
-              <a:rPr lang="en-US" sz="1600" b="1" dirty="0" smtClean="0">
+              <a:rPr lang="en-US" sz="1600" b="1" dirty="0">
                 <a:latin typeface="Courier New" panose="02070309020205020404" pitchFamily="49" charset="0"/>
                 <a:cs typeface="Courier New" panose="02070309020205020404" pitchFamily="49" charset="0"/>
               </a:rPr>
@@ -7505,7 +5183,7 @@
               <a:buNone/>
             </a:pPr>
             <a:r>
-              <a:rPr lang="en-US" sz="1600" b="1" dirty="0" smtClean="0">
+              <a:rPr lang="en-US" sz="1600" b="1" dirty="0">
                 <a:latin typeface="Courier New" panose="02070309020205020404" pitchFamily="49" charset="0"/>
                 <a:cs typeface="Courier New" panose="02070309020205020404" pitchFamily="49" charset="0"/>
               </a:rPr>
@@ -7523,7 +5201,7 @@
               <a:buNone/>
             </a:pPr>
             <a:r>
-              <a:rPr lang="en-US" sz="1600" b="1" dirty="0" smtClean="0">
+              <a:rPr lang="en-US" sz="1600" b="1" dirty="0">
                 <a:latin typeface="Courier New" panose="02070309020205020404" pitchFamily="49" charset="0"/>
                 <a:cs typeface="Courier New" panose="02070309020205020404" pitchFamily="49" charset="0"/>
               </a:rPr>
@@ -7541,7 +5219,7 @@
               <a:buNone/>
             </a:pPr>
             <a:r>
-              <a:rPr lang="en-US" sz="1600" b="1" dirty="0" smtClean="0">
+              <a:rPr lang="en-US" sz="1600" b="1" dirty="0">
                 <a:latin typeface="Courier New" panose="02070309020205020404" pitchFamily="49" charset="0"/>
                 <a:cs typeface="Courier New" panose="02070309020205020404" pitchFamily="49" charset="0"/>
               </a:rPr>
@@ -7559,7 +5237,7 @@
               <a:buNone/>
             </a:pPr>
             <a:r>
-              <a:rPr lang="en-US" sz="1600" b="1" dirty="0" smtClean="0">
+              <a:rPr lang="en-US" sz="1600" b="1" dirty="0">
                 <a:latin typeface="Courier New" panose="02070309020205020404" pitchFamily="49" charset="0"/>
                 <a:cs typeface="Courier New" panose="02070309020205020404" pitchFamily="49" charset="0"/>
               </a:rPr>
@@ -7577,7 +5255,7 @@
               <a:buNone/>
             </a:pPr>
             <a:r>
-              <a:rPr lang="en-US" sz="1600" b="1" dirty="0" smtClean="0">
+              <a:rPr lang="en-US" sz="1600" b="1" dirty="0">
                 <a:latin typeface="Courier New" panose="02070309020205020404" pitchFamily="49" charset="0"/>
                 <a:cs typeface="Courier New" panose="02070309020205020404" pitchFamily="49" charset="0"/>
               </a:rPr>
@@ -7595,7 +5273,7 @@
               <a:buNone/>
             </a:pPr>
             <a:r>
-              <a:rPr lang="en-US" sz="1600" b="1" dirty="0" smtClean="0">
+              <a:rPr lang="en-US" sz="1600" b="1" dirty="0">
                 <a:latin typeface="Courier New" panose="02070309020205020404" pitchFamily="49" charset="0"/>
                 <a:cs typeface="Courier New" panose="02070309020205020404" pitchFamily="49" charset="0"/>
               </a:rPr>
@@ -7613,7 +5291,7 @@
               <a:buNone/>
             </a:pPr>
             <a:r>
-              <a:rPr lang="en-US" sz="1600" b="1" dirty="0" smtClean="0">
+              <a:rPr lang="en-US" sz="1600" b="1" dirty="0">
                 <a:latin typeface="Courier New" panose="02070309020205020404" pitchFamily="49" charset="0"/>
                 <a:cs typeface="Courier New" panose="02070309020205020404" pitchFamily="49" charset="0"/>
               </a:rPr>
@@ -7631,7 +5309,7 @@
               <a:buNone/>
             </a:pPr>
             <a:r>
-              <a:rPr lang="en-US" sz="1600" b="1" dirty="0" smtClean="0">
+              <a:rPr lang="en-US" sz="1600" b="1" dirty="0">
                 <a:latin typeface="Courier New" panose="02070309020205020404" pitchFamily="49" charset="0"/>
                 <a:cs typeface="Courier New" panose="02070309020205020404" pitchFamily="49" charset="0"/>
               </a:rPr>
@@ -7827,26 +5505,26 @@
           </a:lstStyle>
           <a:p>
             <a:r>
-              <a:rPr lang="en-US" dirty="0" smtClean="0"/>
+              <a:rPr lang="en-US" dirty="0"/>
               <a:t>The IOAM IPv6 extension header is defined in: </a:t>
             </a:r>
             <a:br>
-              <a:rPr lang="en-US" dirty="0" smtClean="0"/>
+              <a:rPr lang="en-US" dirty="0"/>
             </a:br>
             <a:r>
-              <a:rPr lang="en-US" dirty="0" smtClean="0"/>
+              <a:rPr lang="en-US" dirty="0"/>
               <a:t>draft-ietf-ippm-ioam-ipv6-options-00 (work in progress).</a:t>
             </a:r>
           </a:p>
           <a:p>
             <a:r>
-              <a:rPr lang="en-US" dirty="0" smtClean="0"/>
+              <a:rPr lang="en-US" dirty="0"/>
               <a:t>IOAM Type indicates this is a DEX option.</a:t>
             </a:r>
           </a:p>
           <a:p>
             <a:r>
-              <a:rPr lang="en-US" dirty="0" smtClean="0"/>
+              <a:rPr lang="en-US" dirty="0"/>
               <a:t>Opt Data Len indicates whether the optional fields are present.</a:t>
             </a:r>
           </a:p>
@@ -7882,7 +5560,7 @@
           <a:p>
             <a:pPr algn="ctr"/>
             <a:r>
-              <a:rPr lang="en-US" dirty="0" smtClean="0">
+              <a:rPr lang="en-US" dirty="0">
                 <a:solidFill>
                   <a:schemeClr val="bg1">
                     <a:lumMod val="50000"/>
@@ -7891,13 +5569,6 @@
               </a:rPr>
               <a:t>IETF 106, Nov 2019</a:t>
             </a:r>
-            <a:endParaRPr lang="en-US" dirty="0">
-              <a:solidFill>
-                <a:schemeClr val="bg1">
-                  <a:lumMod val="50000"/>
-                </a:schemeClr>
-              </a:solidFill>
-            </a:endParaRPr>
           </a:p>
         </p:txBody>
       </p:sp>
@@ -7934,13 +5605,6 @@
   <p:clrMapOvr>
     <a:masterClrMapping/>
   </p:clrMapOvr>
-  <p:timing>
-    <p:tnLst>
-      <p:par>
-        <p:cTn id="1" dur="indefinite" restart="never" nodeType="tmRoot"/>
-      </p:par>
-    </p:tnLst>
-  </p:timing>
 </p:sld>
 </file>
 
@@ -7979,10 +5643,9 @@
           <a:lstStyle/>
           <a:p>
             <a:r>
-              <a:rPr lang="en-US" sz="3600" dirty="0" smtClean="0"/>
-              <a:t>Open Issue: Hop Limit / Hop Count</a:t>
-            </a:r>
-            <a:endParaRPr lang="en-US" sz="3600" dirty="0"/>
+              <a:rPr lang="en-US" sz="3600" dirty="0"/>
+              <a:t>Summary and Next Steps</a:t>
+            </a:r>
           </a:p>
         </p:txBody>
       </p:sp>
@@ -8172,12 +5835,21 @@
             </a:lvl9pPr>
           </a:lstStyle>
           <a:p>
-            <a:pPr marL="0" indent="0">
-              <a:buNone/>
-            </a:pPr>
-            <a:r>
-              <a:rPr lang="en-US" dirty="0" smtClean="0"/>
-              <a:t>The collector may use the hop count of each exported packet in order to reconstruct the path and detect missing exported packets.</a:t>
+            <a:r>
+              <a:rPr lang="en-US" dirty="0"/>
+              <a:t>Based on the input from the working group, this draft presents a consolidated approach.</a:t>
+            </a:r>
+          </a:p>
+          <a:p>
+            <a:r>
+              <a:rPr lang="en-US" dirty="0"/>
+              <a:t>The draft is stable.</a:t>
+            </a:r>
+          </a:p>
+          <a:p>
+            <a:r>
+              <a:rPr lang="en-US" dirty="0"/>
+              <a:t>Ready for working group adoption. </a:t>
             </a:r>
           </a:p>
         </p:txBody>
@@ -8206,7 +5878,7 @@
           <a:p>
             <a:pPr algn="ctr"/>
             <a:r>
-              <a:rPr lang="en-US" dirty="0" smtClean="0">
+              <a:rPr lang="en-US" dirty="0">
                 <a:solidFill>
                   <a:schemeClr val="bg1">
                     <a:lumMod val="50000"/>
@@ -8215,642 +5887,12 @@
               </a:rPr>
               <a:t>IETF 106, Nov 2019</a:t>
             </a:r>
-            <a:endParaRPr lang="en-US" dirty="0">
-              <a:solidFill>
-                <a:schemeClr val="bg1">
-                  <a:lumMod val="50000"/>
-                </a:schemeClr>
-              </a:solidFill>
-            </a:endParaRPr>
-          </a:p>
-        </p:txBody>
-      </p:sp>
-      <p:sp>
-        <p:nvSpPr>
-          <p:cNvPr id="7" name="Content Placeholder 2"/>
-          <p:cNvSpPr>
-            <a:spLocks noGrp="1"/>
-          </p:cNvSpPr>
-          <p:nvPr>
-            <p:ph idx="1"/>
-          </p:nvPr>
-        </p:nvSpPr>
-        <p:spPr>
-          <a:xfrm>
-            <a:off x="1469569" y="2976427"/>
-            <a:ext cx="9252861" cy="4351338"/>
-          </a:xfrm>
-        </p:spPr>
-        <p:txBody>
-          <a:bodyPr>
-            <a:noAutofit/>
-          </a:bodyPr>
-          <a:lstStyle/>
-          <a:p>
-            <a:pPr marL="0" indent="0">
-              <a:lnSpc>
-                <a:spcPct val="70000"/>
-              </a:lnSpc>
-              <a:spcBef>
-                <a:spcPts val="0"/>
-              </a:spcBef>
-              <a:buNone/>
-            </a:pPr>
-            <a:endParaRPr lang="en-US" sz="1600" b="1" dirty="0" smtClean="0">
-              <a:latin typeface="Courier New" panose="02070309020205020404" pitchFamily="49" charset="0"/>
-              <a:cs typeface="Courier New" panose="02070309020205020404" pitchFamily="49" charset="0"/>
-            </a:endParaRPr>
-          </a:p>
-          <a:p>
-            <a:pPr marL="0" indent="0">
-              <a:lnSpc>
-                <a:spcPct val="70000"/>
-              </a:lnSpc>
-              <a:spcBef>
-                <a:spcPts val="0"/>
-              </a:spcBef>
-              <a:buNone/>
-            </a:pPr>
-            <a:r>
-              <a:rPr lang="en-US" sz="1600" b="1" dirty="0" smtClean="0">
-                <a:latin typeface="Courier New" panose="02070309020205020404" pitchFamily="49" charset="0"/>
-                <a:cs typeface="Courier New" panose="02070309020205020404" pitchFamily="49" charset="0"/>
-              </a:rPr>
-              <a:t>                                +-----------+</a:t>
-            </a:r>
-          </a:p>
-          <a:p>
-            <a:pPr marL="0" indent="0">
-              <a:lnSpc>
-                <a:spcPct val="70000"/>
-              </a:lnSpc>
-              <a:spcBef>
-                <a:spcPts val="0"/>
-              </a:spcBef>
-              <a:buNone/>
-            </a:pPr>
-            <a:r>
-              <a:rPr lang="en-US" sz="1600" b="1" dirty="0" smtClean="0">
-                <a:latin typeface="Courier New" panose="02070309020205020404" pitchFamily="49" charset="0"/>
-                <a:cs typeface="Courier New" panose="02070309020205020404" pitchFamily="49" charset="0"/>
-              </a:rPr>
-              <a:t>                                | Telemetry |</a:t>
-            </a:r>
-          </a:p>
-          <a:p>
-            <a:pPr marL="0" indent="0">
-              <a:lnSpc>
-                <a:spcPct val="70000"/>
-              </a:lnSpc>
-              <a:spcBef>
-                <a:spcPts val="0"/>
-              </a:spcBef>
-              <a:buNone/>
-            </a:pPr>
-            <a:r>
-              <a:rPr lang="en-US" sz="1600" b="1" dirty="0" smtClean="0">
-                <a:latin typeface="Courier New" panose="02070309020205020404" pitchFamily="49" charset="0"/>
-                <a:cs typeface="Courier New" panose="02070309020205020404" pitchFamily="49" charset="0"/>
-              </a:rPr>
-              <a:t>                                | Data      |</a:t>
-            </a:r>
-          </a:p>
-          <a:p>
-            <a:pPr marL="0" indent="0">
-              <a:lnSpc>
-                <a:spcPct val="70000"/>
-              </a:lnSpc>
-              <a:spcBef>
-                <a:spcPts val="0"/>
-              </a:spcBef>
-              <a:buNone/>
-            </a:pPr>
-            <a:r>
-              <a:rPr lang="en-US" sz="1600" b="1" dirty="0" smtClean="0">
-                <a:latin typeface="Courier New" panose="02070309020205020404" pitchFamily="49" charset="0"/>
-                <a:cs typeface="Courier New" panose="02070309020205020404" pitchFamily="49" charset="0"/>
-              </a:rPr>
-              <a:t>                                | Collector |</a:t>
-            </a:r>
-          </a:p>
-          <a:p>
-            <a:pPr marL="0" indent="0">
-              <a:lnSpc>
-                <a:spcPct val="70000"/>
-              </a:lnSpc>
-              <a:spcBef>
-                <a:spcPts val="0"/>
-              </a:spcBef>
-              <a:buNone/>
-            </a:pPr>
-            <a:r>
-              <a:rPr lang="en-US" sz="1600" b="1" dirty="0" smtClean="0">
-                <a:latin typeface="Courier New" panose="02070309020205020404" pitchFamily="49" charset="0"/>
-                <a:cs typeface="Courier New" panose="02070309020205020404" pitchFamily="49" charset="0"/>
-              </a:rPr>
-              <a:t>                                +-----------+</a:t>
-            </a:r>
-          </a:p>
-          <a:p>
-            <a:pPr marL="0" indent="0">
-              <a:lnSpc>
-                <a:spcPct val="70000"/>
-              </a:lnSpc>
-              <a:spcBef>
-                <a:spcPts val="0"/>
-              </a:spcBef>
-              <a:buNone/>
-            </a:pPr>
-            <a:r>
-              <a:rPr lang="en-US" sz="1600" b="1" dirty="0" smtClean="0">
-                <a:latin typeface="Courier New" panose="02070309020205020404" pitchFamily="49" charset="0"/>
-                <a:cs typeface="Courier New" panose="02070309020205020404" pitchFamily="49" charset="0"/>
-              </a:rPr>
-              <a:t>                                      ^</a:t>
-            </a:r>
-          </a:p>
-          <a:p>
-            <a:pPr marL="0" indent="0">
-              <a:lnSpc>
-                <a:spcPct val="70000"/>
-              </a:lnSpc>
-              <a:spcBef>
-                <a:spcPts val="0"/>
-              </a:spcBef>
-              <a:buNone/>
-            </a:pPr>
-            <a:r>
-              <a:rPr lang="en-US" sz="1600" b="1" dirty="0" smtClean="0">
-                <a:latin typeface="Courier New" panose="02070309020205020404" pitchFamily="49" charset="0"/>
-                <a:cs typeface="Courier New" panose="02070309020205020404" pitchFamily="49" charset="0"/>
-              </a:rPr>
-              <a:t>                                      |Exported IOAM data</a:t>
-            </a:r>
-          </a:p>
-          <a:p>
-            <a:pPr marL="0" indent="0">
-              <a:lnSpc>
-                <a:spcPct val="70000"/>
-              </a:lnSpc>
-              <a:spcBef>
-                <a:spcPts val="0"/>
-              </a:spcBef>
-              <a:buNone/>
-            </a:pPr>
-            <a:r>
-              <a:rPr lang="en-US" sz="1600" b="1" dirty="0" smtClean="0">
-                <a:latin typeface="Courier New" panose="02070309020205020404" pitchFamily="49" charset="0"/>
-                <a:cs typeface="Courier New" panose="02070309020205020404" pitchFamily="49" charset="0"/>
-              </a:rPr>
-              <a:t>                                      |</a:t>
-            </a:r>
-          </a:p>
-          <a:p>
-            <a:pPr marL="0" indent="0">
-              <a:lnSpc>
-                <a:spcPct val="70000"/>
-              </a:lnSpc>
-              <a:spcBef>
-                <a:spcPts val="0"/>
-              </a:spcBef>
-              <a:buNone/>
-            </a:pPr>
-            <a:r>
-              <a:rPr lang="en-US" sz="1600" b="1" dirty="0" smtClean="0">
-                <a:latin typeface="Courier New" panose="02070309020205020404" pitchFamily="49" charset="0"/>
-                <a:cs typeface="Courier New" panose="02070309020205020404" pitchFamily="49" charset="0"/>
-              </a:rPr>
-              <a:t>                                      |</a:t>
-            </a:r>
-          </a:p>
-          <a:p>
-            <a:pPr marL="0" indent="0">
-              <a:lnSpc>
-                <a:spcPct val="70000"/>
-              </a:lnSpc>
-              <a:spcBef>
-                <a:spcPts val="0"/>
-              </a:spcBef>
-              <a:buNone/>
-            </a:pPr>
-            <a:r>
-              <a:rPr lang="en-US" sz="1600" b="1" dirty="0" smtClean="0">
-                <a:latin typeface="Courier New" panose="02070309020205020404" pitchFamily="49" charset="0"/>
-                <a:cs typeface="Courier New" panose="02070309020205020404" pitchFamily="49" charset="0"/>
-              </a:rPr>
-              <a:t>                                      |</a:t>
-            </a:r>
-          </a:p>
-          <a:p>
-            <a:pPr marL="0" indent="0">
-              <a:lnSpc>
-                <a:spcPct val="70000"/>
-              </a:lnSpc>
-              <a:spcBef>
-                <a:spcPts val="0"/>
-              </a:spcBef>
-              <a:buNone/>
-            </a:pPr>
-            <a:r>
-              <a:rPr lang="en-US" sz="1600" b="1" dirty="0" smtClean="0">
-                <a:latin typeface="Courier New" panose="02070309020205020404" pitchFamily="49" charset="0"/>
-                <a:cs typeface="Courier New" panose="02070309020205020404" pitchFamily="49" charset="0"/>
-              </a:rPr>
-              <a:t>                +--------------+------+-------+--------------+</a:t>
-            </a:r>
-          </a:p>
-          <a:p>
-            <a:pPr marL="0" indent="0">
-              <a:lnSpc>
-                <a:spcPct val="70000"/>
-              </a:lnSpc>
-              <a:spcBef>
-                <a:spcPts val="0"/>
-              </a:spcBef>
-              <a:buNone/>
-            </a:pPr>
-            <a:r>
-              <a:rPr lang="en-US" sz="1600" b="1" dirty="0" smtClean="0">
-                <a:latin typeface="Courier New" panose="02070309020205020404" pitchFamily="49" charset="0"/>
-                <a:cs typeface="Courier New" panose="02070309020205020404" pitchFamily="49" charset="0"/>
-              </a:rPr>
-              <a:t>                |              |              |              |</a:t>
-            </a:r>
-          </a:p>
-          <a:p>
-            <a:pPr marL="0" indent="0">
-              <a:lnSpc>
-                <a:spcPct val="70000"/>
-              </a:lnSpc>
-              <a:spcBef>
-                <a:spcPts val="0"/>
-              </a:spcBef>
-              <a:buNone/>
-            </a:pPr>
-            <a:r>
-              <a:rPr lang="en-US" sz="1600" b="1" dirty="0" smtClean="0">
-                <a:latin typeface="Courier New" panose="02070309020205020404" pitchFamily="49" charset="0"/>
-                <a:cs typeface="Courier New" panose="02070309020205020404" pitchFamily="49" charset="0"/>
-              </a:rPr>
-              <a:t>                |              |              |              |</a:t>
-            </a:r>
-          </a:p>
-          <a:p>
-            <a:pPr marL="0" indent="0">
-              <a:lnSpc>
-                <a:spcPct val="70000"/>
-              </a:lnSpc>
-              <a:spcBef>
-                <a:spcPts val="0"/>
-              </a:spcBef>
-              <a:buNone/>
-            </a:pPr>
-            <a:r>
-              <a:rPr lang="en-US" sz="1600" b="1" dirty="0" smtClean="0">
-                <a:latin typeface="Courier New" panose="02070309020205020404" pitchFamily="49" charset="0"/>
-                <a:cs typeface="Courier New" panose="02070309020205020404" pitchFamily="49" charset="0"/>
-              </a:rPr>
-              <a:t>  User      +---+----+     +---+----+     +---+----+     +---+----+</a:t>
-            </a:r>
-          </a:p>
-          <a:p>
-            <a:pPr marL="0" indent="0">
-              <a:lnSpc>
-                <a:spcPct val="70000"/>
-              </a:lnSpc>
-              <a:spcBef>
-                <a:spcPts val="0"/>
-              </a:spcBef>
-              <a:buNone/>
-            </a:pPr>
-            <a:r>
-              <a:rPr lang="en-US" sz="1600" b="1" dirty="0" smtClean="0">
-                <a:latin typeface="Courier New" panose="02070309020205020404" pitchFamily="49" charset="0"/>
-                <a:cs typeface="Courier New" panose="02070309020205020404" pitchFamily="49" charset="0"/>
-              </a:rPr>
-              <a:t>  packets   |</a:t>
-            </a:r>
-            <a:r>
-              <a:rPr lang="en-US" sz="1600" b="1" dirty="0" err="1" smtClean="0">
-                <a:latin typeface="Courier New" panose="02070309020205020404" pitchFamily="49" charset="0"/>
-                <a:cs typeface="Courier New" panose="02070309020205020404" pitchFamily="49" charset="0"/>
-              </a:rPr>
-              <a:t>Encapsu</a:t>
-            </a:r>
-            <a:r>
-              <a:rPr lang="en-US" sz="1600" b="1" dirty="0" smtClean="0">
-                <a:latin typeface="Courier New" panose="02070309020205020404" pitchFamily="49" charset="0"/>
-                <a:cs typeface="Courier New" panose="02070309020205020404" pitchFamily="49" charset="0"/>
-              </a:rPr>
-              <a:t>-|     | Transit|     | Transit|     |</a:t>
-            </a:r>
-            <a:r>
-              <a:rPr lang="en-US" sz="1600" b="1" dirty="0" err="1" smtClean="0">
-                <a:latin typeface="Courier New" panose="02070309020205020404" pitchFamily="49" charset="0"/>
-                <a:cs typeface="Courier New" panose="02070309020205020404" pitchFamily="49" charset="0"/>
-              </a:rPr>
-              <a:t>Decapsu</a:t>
-            </a:r>
-            <a:r>
-              <a:rPr lang="en-US" sz="1600" b="1" dirty="0" smtClean="0">
-                <a:latin typeface="Courier New" panose="02070309020205020404" pitchFamily="49" charset="0"/>
-                <a:cs typeface="Courier New" panose="02070309020205020404" pitchFamily="49" charset="0"/>
-              </a:rPr>
-              <a:t>-|</a:t>
-            </a:r>
-          </a:p>
-          <a:p>
-            <a:pPr marL="0" indent="0">
-              <a:lnSpc>
-                <a:spcPct val="70000"/>
-              </a:lnSpc>
-              <a:spcBef>
-                <a:spcPts val="0"/>
-              </a:spcBef>
-              <a:buNone/>
-            </a:pPr>
-            <a:r>
-              <a:rPr lang="en-US" sz="1600" b="1" dirty="0" smtClean="0">
-                <a:latin typeface="Courier New" panose="02070309020205020404" pitchFamily="49" charset="0"/>
-                <a:cs typeface="Courier New" panose="02070309020205020404" pitchFamily="49" charset="0"/>
-              </a:rPr>
-              <a:t>  ---------&gt;|</a:t>
-            </a:r>
-            <a:r>
-              <a:rPr lang="en-US" sz="1600" b="1" dirty="0" err="1" smtClean="0">
-                <a:latin typeface="Courier New" panose="02070309020205020404" pitchFamily="49" charset="0"/>
-                <a:cs typeface="Courier New" panose="02070309020205020404" pitchFamily="49" charset="0"/>
-              </a:rPr>
-              <a:t>lating</a:t>
-            </a:r>
-            <a:r>
-              <a:rPr lang="en-US" sz="1600" b="1" dirty="0" smtClean="0">
-                <a:latin typeface="Courier New" panose="02070309020205020404" pitchFamily="49" charset="0"/>
-                <a:cs typeface="Courier New" panose="02070309020205020404" pitchFamily="49" charset="0"/>
-              </a:rPr>
-              <a:t>  |====&gt;| Node   |====&gt;| Node   |====&gt;|</a:t>
-            </a:r>
-            <a:r>
-              <a:rPr lang="en-US" sz="1600" b="1" dirty="0" err="1" smtClean="0">
-                <a:latin typeface="Courier New" panose="02070309020205020404" pitchFamily="49" charset="0"/>
-                <a:cs typeface="Courier New" panose="02070309020205020404" pitchFamily="49" charset="0"/>
-              </a:rPr>
-              <a:t>lating</a:t>
-            </a:r>
-            <a:r>
-              <a:rPr lang="en-US" sz="1600" b="1" dirty="0" smtClean="0">
-                <a:latin typeface="Courier New" panose="02070309020205020404" pitchFamily="49" charset="0"/>
-                <a:cs typeface="Courier New" panose="02070309020205020404" pitchFamily="49" charset="0"/>
-              </a:rPr>
-              <a:t>  |----&gt;</a:t>
-            </a:r>
-          </a:p>
-          <a:p>
-            <a:pPr marL="0" indent="0">
-              <a:lnSpc>
-                <a:spcPct val="70000"/>
-              </a:lnSpc>
-              <a:spcBef>
-                <a:spcPts val="0"/>
-              </a:spcBef>
-              <a:buNone/>
-            </a:pPr>
-            <a:r>
-              <a:rPr lang="en-US" sz="1600" b="1" dirty="0" smtClean="0">
-                <a:latin typeface="Courier New" panose="02070309020205020404" pitchFamily="49" charset="0"/>
-                <a:cs typeface="Courier New" panose="02070309020205020404" pitchFamily="49" charset="0"/>
-              </a:rPr>
-              <a:t>            |Node    |     | A      |     | B      |     |Node    |</a:t>
-            </a:r>
-          </a:p>
-          <a:p>
-            <a:pPr marL="0" indent="0">
-              <a:lnSpc>
-                <a:spcPct val="70000"/>
-              </a:lnSpc>
-              <a:spcBef>
-                <a:spcPts val="0"/>
-              </a:spcBef>
-              <a:buNone/>
-            </a:pPr>
-            <a:r>
-              <a:rPr lang="en-US" sz="1600" b="1" dirty="0" smtClean="0">
-                <a:latin typeface="Courier New" panose="02070309020205020404" pitchFamily="49" charset="0"/>
-                <a:cs typeface="Courier New" panose="02070309020205020404" pitchFamily="49" charset="0"/>
-              </a:rPr>
-              <a:t>            +--------+     +--------+     +--------+     +--------+</a:t>
-            </a:r>
-          </a:p>
-          <a:p>
-            <a:pPr marL="0" indent="0">
-              <a:lnSpc>
-                <a:spcPct val="70000"/>
-              </a:lnSpc>
-              <a:spcBef>
-                <a:spcPts val="0"/>
-              </a:spcBef>
-              <a:buNone/>
-            </a:pPr>
-            <a:endParaRPr lang="en-US" sz="1600" b="1" dirty="0" smtClean="0">
-              <a:latin typeface="Courier New" panose="02070309020205020404" pitchFamily="49" charset="0"/>
-              <a:cs typeface="Courier New" panose="02070309020205020404" pitchFamily="49" charset="0"/>
-            </a:endParaRPr>
-          </a:p>
-        </p:txBody>
-      </p:sp>
-      <p:sp>
-        <p:nvSpPr>
-          <p:cNvPr id="8" name="TextBox 7"/>
-          <p:cNvSpPr txBox="1"/>
-          <p:nvPr/>
-        </p:nvSpPr>
-        <p:spPr>
-          <a:xfrm>
-            <a:off x="457199" y="5015353"/>
-            <a:ext cx="1617617" cy="365760"/>
-          </a:xfrm>
-          <a:prstGeom prst="rect">
-            <a:avLst/>
-          </a:prstGeom>
-          <a:noFill/>
-        </p:spPr>
-        <p:txBody>
-          <a:bodyPr wrap="square" rtlCol="0">
-            <a:spAutoFit/>
-          </a:bodyPr>
-          <a:lstStyle/>
-          <a:p>
-            <a:r>
-              <a:rPr lang="en-US" b="1" dirty="0" smtClean="0">
-                <a:solidFill>
-                  <a:srgbClr val="FF0000"/>
-                </a:solidFill>
-              </a:rPr>
-              <a:t>Hop Limit:</a:t>
-            </a:r>
-            <a:endParaRPr lang="en-US" b="1" dirty="0">
-              <a:solidFill>
-                <a:srgbClr val="FF0000"/>
-              </a:solidFill>
-            </a:endParaRPr>
-          </a:p>
-        </p:txBody>
-      </p:sp>
-      <p:sp>
-        <p:nvSpPr>
-          <p:cNvPr id="10" name="TextBox 9"/>
-          <p:cNvSpPr txBox="1"/>
-          <p:nvPr/>
-        </p:nvSpPr>
-        <p:spPr>
-          <a:xfrm>
-            <a:off x="3043646" y="5016137"/>
-            <a:ext cx="444137" cy="369332"/>
-          </a:xfrm>
-          <a:prstGeom prst="rect">
-            <a:avLst/>
-          </a:prstGeom>
-          <a:noFill/>
-        </p:spPr>
-        <p:txBody>
-          <a:bodyPr wrap="square" rtlCol="0">
-            <a:spAutoFit/>
-          </a:bodyPr>
-          <a:lstStyle/>
-          <a:p>
-            <a:r>
-              <a:rPr lang="en-US" b="1" dirty="0" smtClean="0">
-                <a:solidFill>
-                  <a:srgbClr val="FF0000"/>
-                </a:solidFill>
-              </a:rPr>
-              <a:t>62</a:t>
-            </a:r>
-            <a:endParaRPr lang="en-US" b="1" dirty="0">
-              <a:solidFill>
-                <a:srgbClr val="FF0000"/>
-              </a:solidFill>
-            </a:endParaRPr>
-          </a:p>
-        </p:txBody>
-      </p:sp>
-      <p:sp>
-        <p:nvSpPr>
-          <p:cNvPr id="11" name="TextBox 10"/>
-          <p:cNvSpPr txBox="1"/>
-          <p:nvPr/>
-        </p:nvSpPr>
-        <p:spPr>
-          <a:xfrm>
-            <a:off x="5024846" y="5011781"/>
-            <a:ext cx="444137" cy="369332"/>
-          </a:xfrm>
-          <a:prstGeom prst="rect">
-            <a:avLst/>
-          </a:prstGeom>
-          <a:noFill/>
-        </p:spPr>
-        <p:txBody>
-          <a:bodyPr wrap="square" rtlCol="0">
-            <a:spAutoFit/>
-          </a:bodyPr>
-          <a:lstStyle/>
-          <a:p>
-            <a:r>
-              <a:rPr lang="en-US" b="1" dirty="0" smtClean="0">
-                <a:solidFill>
-                  <a:srgbClr val="FF0000"/>
-                </a:solidFill>
-              </a:rPr>
-              <a:t>61</a:t>
-            </a:r>
-            <a:endParaRPr lang="en-US" b="1" dirty="0">
-              <a:solidFill>
-                <a:srgbClr val="FF0000"/>
-              </a:solidFill>
-            </a:endParaRPr>
-          </a:p>
-        </p:txBody>
-      </p:sp>
-      <p:sp>
-        <p:nvSpPr>
-          <p:cNvPr id="12" name="TextBox 11"/>
-          <p:cNvSpPr txBox="1"/>
-          <p:nvPr/>
-        </p:nvSpPr>
-        <p:spPr>
-          <a:xfrm>
-            <a:off x="6866719" y="5011781"/>
-            <a:ext cx="444137" cy="369332"/>
-          </a:xfrm>
-          <a:prstGeom prst="rect">
-            <a:avLst/>
-          </a:prstGeom>
-          <a:noFill/>
-        </p:spPr>
-        <p:txBody>
-          <a:bodyPr wrap="square" rtlCol="0">
-            <a:spAutoFit/>
-          </a:bodyPr>
-          <a:lstStyle/>
-          <a:p>
-            <a:r>
-              <a:rPr lang="en-US" b="1" dirty="0" smtClean="0">
-                <a:solidFill>
-                  <a:srgbClr val="FF0000"/>
-                </a:solidFill>
-              </a:rPr>
-              <a:t>60</a:t>
-            </a:r>
-            <a:endParaRPr lang="en-US" b="1" dirty="0">
-              <a:solidFill>
-                <a:srgbClr val="FF0000"/>
-              </a:solidFill>
-            </a:endParaRPr>
-          </a:p>
-        </p:txBody>
-      </p:sp>
-      <p:sp>
-        <p:nvSpPr>
-          <p:cNvPr id="13" name="TextBox 12"/>
-          <p:cNvSpPr txBox="1"/>
-          <p:nvPr/>
-        </p:nvSpPr>
-        <p:spPr>
-          <a:xfrm>
-            <a:off x="8721651" y="5011781"/>
-            <a:ext cx="444137" cy="369332"/>
-          </a:xfrm>
-          <a:prstGeom prst="rect">
-            <a:avLst/>
-          </a:prstGeom>
-          <a:noFill/>
-        </p:spPr>
-        <p:txBody>
-          <a:bodyPr wrap="square" rtlCol="0">
-            <a:spAutoFit/>
-          </a:bodyPr>
-          <a:lstStyle/>
-          <a:p>
-            <a:r>
-              <a:rPr lang="en-US" b="1" dirty="0" smtClean="0">
-                <a:solidFill>
-                  <a:srgbClr val="FF0000"/>
-                </a:solidFill>
-              </a:rPr>
-              <a:t>59</a:t>
-            </a:r>
-            <a:endParaRPr lang="en-US" b="1" dirty="0">
-              <a:solidFill>
-                <a:srgbClr val="FF0000"/>
-              </a:solidFill>
-            </a:endParaRPr>
-          </a:p>
-        </p:txBody>
-      </p:sp>
-      <p:sp>
-        <p:nvSpPr>
-          <p:cNvPr id="14" name="Slide Number Placeholder 13"/>
+          </a:p>
+        </p:txBody>
+      </p:sp>
+      <p:sp>
+        <p:nvSpPr>
+          <p:cNvPr id="3" name="Slide Number Placeholder 2"/>
           <p:cNvSpPr>
             <a:spLocks noGrp="1"/>
           </p:cNvSpPr>
@@ -8866,1092 +5908,6 @@
             <a:fld id="{5F24DECC-5776-45FE-A1F8-864179D59757}" type="slidenum">
               <a:rPr lang="en-US" smtClean="0"/>
               <a:t>6</a:t>
-            </a:fld>
-            <a:endParaRPr lang="en-US"/>
-          </a:p>
-        </p:txBody>
-      </p:sp>
-    </p:spTree>
-    <p:extLst>
-      <p:ext uri="{BB962C8B-B14F-4D97-AF65-F5344CB8AC3E}">
-        <p14:creationId xmlns:p14="http://schemas.microsoft.com/office/powerpoint/2010/main" val="1710946070"/>
-      </p:ext>
-    </p:extLst>
-  </p:cSld>
-  <p:clrMapOvr>
-    <a:masterClrMapping/>
-  </p:clrMapOvr>
-  <p:timing>
-    <p:tnLst>
-      <p:par>
-        <p:cTn id="1" dur="indefinite" restart="never" nodeType="tmRoot"/>
-      </p:par>
-    </p:tnLst>
-  </p:timing>
-</p:sld>
-</file>
-
-<file path=ppt/slides/slide7.xml><?xml version="1.0" encoding="utf-8"?>
-<p:sld xmlns:a="http://schemas.openxmlformats.org/drawingml/2006/main" xmlns:r="http://schemas.openxmlformats.org/officeDocument/2006/relationships" xmlns:p="http://schemas.openxmlformats.org/presentationml/2006/main">
-  <p:cSld>
-    <p:spTree>
-      <p:nvGrpSpPr>
-        <p:cNvPr id="1" name=""/>
-        <p:cNvGrpSpPr/>
-        <p:nvPr/>
-      </p:nvGrpSpPr>
-      <p:grpSpPr>
-        <a:xfrm>
-          <a:off x="0" y="0"/>
-          <a:ext cx="0" cy="0"/>
-          <a:chOff x="0" y="0"/>
-          <a:chExt cx="0" cy="0"/>
-        </a:xfrm>
-      </p:grpSpPr>
-      <p:sp>
-        <p:nvSpPr>
-          <p:cNvPr id="2" name="Title 1"/>
-          <p:cNvSpPr>
-            <a:spLocks noGrp="1"/>
-          </p:cNvSpPr>
-          <p:nvPr>
-            <p:ph type="title"/>
-          </p:nvPr>
-        </p:nvSpPr>
-        <p:spPr/>
-        <p:txBody>
-          <a:bodyPr>
-            <a:normAutofit/>
-          </a:bodyPr>
-          <a:lstStyle/>
-          <a:p>
-            <a:r>
-              <a:rPr lang="en-US" sz="3600" dirty="0" smtClean="0"/>
-              <a:t>Open Issue: Hop Limit / Hop Count</a:t>
-            </a:r>
-            <a:endParaRPr lang="en-US" sz="3600" dirty="0"/>
-          </a:p>
-        </p:txBody>
-      </p:sp>
-      <p:sp>
-        <p:nvSpPr>
-          <p:cNvPr id="4" name="Content Placeholder 2"/>
-          <p:cNvSpPr txBox="1">
-            <a:spLocks/>
-          </p:cNvSpPr>
-          <p:nvPr/>
-        </p:nvSpPr>
-        <p:spPr>
-          <a:xfrm>
-            <a:off x="838200" y="1650864"/>
-            <a:ext cx="10515600" cy="4351338"/>
-          </a:xfrm>
-          <a:prstGeom prst="rect">
-            <a:avLst/>
-          </a:prstGeom>
-        </p:spPr>
-        <p:txBody>
-          <a:bodyPr vert="horz" lIns="91440" tIns="45720" rIns="91440" bIns="45720" rtlCol="0">
-            <a:normAutofit/>
-          </a:bodyPr>
-          <a:lstStyle>
-            <a:lvl1pPr marL="228600" indent="-228600" algn="l" defTabSz="914400" rtl="0" eaLnBrk="1" latinLnBrk="0" hangingPunct="1">
-              <a:lnSpc>
-                <a:spcPct val="90000"/>
-              </a:lnSpc>
-              <a:spcBef>
-                <a:spcPts val="1000"/>
-              </a:spcBef>
-              <a:buFont typeface="Arial" panose="020B0604020202020204" pitchFamily="34" charset="0"/>
-              <a:buChar char="•"/>
-              <a:defRPr sz="2800" kern="1200">
-                <a:solidFill>
-                  <a:schemeClr val="tx1"/>
-                </a:solidFill>
-                <a:latin typeface="+mn-lt"/>
-                <a:ea typeface="+mn-ea"/>
-                <a:cs typeface="+mn-cs"/>
-              </a:defRPr>
-            </a:lvl1pPr>
-            <a:lvl2pPr marL="685800" indent="-228600" algn="l" defTabSz="914400" rtl="0" eaLnBrk="1" latinLnBrk="0" hangingPunct="1">
-              <a:lnSpc>
-                <a:spcPct val="90000"/>
-              </a:lnSpc>
-              <a:spcBef>
-                <a:spcPts val="500"/>
-              </a:spcBef>
-              <a:buFont typeface="Arial" panose="020B0604020202020204" pitchFamily="34" charset="0"/>
-              <a:buChar char="•"/>
-              <a:defRPr sz="2400" kern="1200">
-                <a:solidFill>
-                  <a:schemeClr val="tx1"/>
-                </a:solidFill>
-                <a:latin typeface="+mn-lt"/>
-                <a:ea typeface="+mn-ea"/>
-                <a:cs typeface="+mn-cs"/>
-              </a:defRPr>
-            </a:lvl2pPr>
-            <a:lvl3pPr marL="1143000" indent="-228600" algn="l" defTabSz="914400" rtl="0" eaLnBrk="1" latinLnBrk="0" hangingPunct="1">
-              <a:lnSpc>
-                <a:spcPct val="90000"/>
-              </a:lnSpc>
-              <a:spcBef>
-                <a:spcPts val="500"/>
-              </a:spcBef>
-              <a:buFont typeface="Arial" panose="020B0604020202020204" pitchFamily="34" charset="0"/>
-              <a:buChar char="•"/>
-              <a:defRPr sz="2000" kern="1200">
-                <a:solidFill>
-                  <a:schemeClr val="tx1"/>
-                </a:solidFill>
-                <a:latin typeface="+mn-lt"/>
-                <a:ea typeface="+mn-ea"/>
-                <a:cs typeface="+mn-cs"/>
-              </a:defRPr>
-            </a:lvl3pPr>
-            <a:lvl4pPr marL="1600200" indent="-228600" algn="l" defTabSz="914400" rtl="0" eaLnBrk="1" latinLnBrk="0" hangingPunct="1">
-              <a:lnSpc>
-                <a:spcPct val="90000"/>
-              </a:lnSpc>
-              <a:spcBef>
-                <a:spcPts val="500"/>
-              </a:spcBef>
-              <a:buFont typeface="Arial" panose="020B0604020202020204" pitchFamily="34" charset="0"/>
-              <a:buChar char="•"/>
-              <a:defRPr sz="1800" kern="1200">
-                <a:solidFill>
-                  <a:schemeClr val="tx1"/>
-                </a:solidFill>
-                <a:latin typeface="+mn-lt"/>
-                <a:ea typeface="+mn-ea"/>
-                <a:cs typeface="+mn-cs"/>
-              </a:defRPr>
-            </a:lvl4pPr>
-            <a:lvl5pPr marL="2057400" indent="-228600" algn="l" defTabSz="914400" rtl="0" eaLnBrk="1" latinLnBrk="0" hangingPunct="1">
-              <a:lnSpc>
-                <a:spcPct val="90000"/>
-              </a:lnSpc>
-              <a:spcBef>
-                <a:spcPts val="500"/>
-              </a:spcBef>
-              <a:buFont typeface="Arial" panose="020B0604020202020204" pitchFamily="34" charset="0"/>
-              <a:buChar char="•"/>
-              <a:defRPr sz="1800" kern="1200">
-                <a:solidFill>
-                  <a:schemeClr val="tx1"/>
-                </a:solidFill>
-                <a:latin typeface="+mn-lt"/>
-                <a:ea typeface="+mn-ea"/>
-                <a:cs typeface="+mn-cs"/>
-              </a:defRPr>
-            </a:lvl5pPr>
-            <a:lvl6pPr marL="2514600" indent="-228600" algn="l" defTabSz="914400" rtl="0" eaLnBrk="1" latinLnBrk="0" hangingPunct="1">
-              <a:lnSpc>
-                <a:spcPct val="90000"/>
-              </a:lnSpc>
-              <a:spcBef>
-                <a:spcPts val="500"/>
-              </a:spcBef>
-              <a:buFont typeface="Arial" panose="020B0604020202020204" pitchFamily="34" charset="0"/>
-              <a:buChar char="•"/>
-              <a:defRPr sz="1800" kern="1200">
-                <a:solidFill>
-                  <a:schemeClr val="tx1"/>
-                </a:solidFill>
-                <a:latin typeface="+mn-lt"/>
-                <a:ea typeface="+mn-ea"/>
-                <a:cs typeface="+mn-cs"/>
-              </a:defRPr>
-            </a:lvl6pPr>
-            <a:lvl7pPr marL="2971800" indent="-228600" algn="l" defTabSz="914400" rtl="0" eaLnBrk="1" latinLnBrk="0" hangingPunct="1">
-              <a:lnSpc>
-                <a:spcPct val="90000"/>
-              </a:lnSpc>
-              <a:spcBef>
-                <a:spcPts val="500"/>
-              </a:spcBef>
-              <a:buFont typeface="Arial" panose="020B0604020202020204" pitchFamily="34" charset="0"/>
-              <a:buChar char="•"/>
-              <a:defRPr sz="1800" kern="1200">
-                <a:solidFill>
-                  <a:schemeClr val="tx1"/>
-                </a:solidFill>
-                <a:latin typeface="+mn-lt"/>
-                <a:ea typeface="+mn-ea"/>
-                <a:cs typeface="+mn-cs"/>
-              </a:defRPr>
-            </a:lvl7pPr>
-            <a:lvl8pPr marL="3429000" indent="-228600" algn="l" defTabSz="914400" rtl="0" eaLnBrk="1" latinLnBrk="0" hangingPunct="1">
-              <a:lnSpc>
-                <a:spcPct val="90000"/>
-              </a:lnSpc>
-              <a:spcBef>
-                <a:spcPts val="500"/>
-              </a:spcBef>
-              <a:buFont typeface="Arial" panose="020B0604020202020204" pitchFamily="34" charset="0"/>
-              <a:buChar char="•"/>
-              <a:defRPr sz="1800" kern="1200">
-                <a:solidFill>
-                  <a:schemeClr val="tx1"/>
-                </a:solidFill>
-                <a:latin typeface="+mn-lt"/>
-                <a:ea typeface="+mn-ea"/>
-                <a:cs typeface="+mn-cs"/>
-              </a:defRPr>
-            </a:lvl8pPr>
-            <a:lvl9pPr marL="3886200" indent="-228600" algn="l" defTabSz="914400" rtl="0" eaLnBrk="1" latinLnBrk="0" hangingPunct="1">
-              <a:lnSpc>
-                <a:spcPct val="90000"/>
-              </a:lnSpc>
-              <a:spcBef>
-                <a:spcPts val="500"/>
-              </a:spcBef>
-              <a:buFont typeface="Arial" panose="020B0604020202020204" pitchFamily="34" charset="0"/>
-              <a:buChar char="•"/>
-              <a:defRPr sz="1800" kern="1200">
-                <a:solidFill>
-                  <a:schemeClr val="tx1"/>
-                </a:solidFill>
-                <a:latin typeface="+mn-lt"/>
-                <a:ea typeface="+mn-ea"/>
-                <a:cs typeface="+mn-cs"/>
-              </a:defRPr>
-            </a:lvl9pPr>
-          </a:lstStyle>
-          <a:p>
-            <a:r>
-              <a:rPr lang="en-US" u="sng" dirty="0" smtClean="0"/>
-              <a:t>Approach 1</a:t>
-            </a:r>
-            <a:r>
-              <a:rPr lang="en-US" dirty="0" smtClean="0"/>
-              <a:t>:</a:t>
-            </a:r>
-          </a:p>
-          <a:p>
-            <a:pPr lvl="1"/>
-            <a:r>
-              <a:rPr lang="en-US" dirty="0" smtClean="0"/>
-              <a:t>Use the </a:t>
-            </a:r>
-            <a:r>
-              <a:rPr lang="en-US" dirty="0" err="1" smtClean="0"/>
-              <a:t>Hop_Lim</a:t>
-            </a:r>
-            <a:r>
-              <a:rPr lang="en-US" dirty="0" smtClean="0"/>
-              <a:t>/</a:t>
-            </a:r>
-            <a:r>
-              <a:rPr lang="en-US" dirty="0" err="1" smtClean="0"/>
-              <a:t>Node_ID</a:t>
-            </a:r>
-            <a:r>
-              <a:rPr lang="en-US" dirty="0" smtClean="0"/>
-              <a:t> data field. </a:t>
-            </a:r>
-          </a:p>
-          <a:p>
-            <a:pPr lvl="1"/>
-            <a:r>
-              <a:rPr lang="en-US" dirty="0" smtClean="0"/>
-              <a:t>This data field is already defined in draft-</a:t>
-            </a:r>
-            <a:r>
-              <a:rPr lang="en-US" dirty="0" err="1" smtClean="0"/>
-              <a:t>ietf</a:t>
-            </a:r>
-            <a:r>
-              <a:rPr lang="en-US" dirty="0" smtClean="0"/>
-              <a:t>-</a:t>
-            </a:r>
-            <a:r>
-              <a:rPr lang="en-US" dirty="0" err="1" smtClean="0"/>
-              <a:t>ippm</a:t>
-            </a:r>
-            <a:r>
-              <a:rPr lang="en-US" dirty="0" smtClean="0"/>
-              <a:t>-</a:t>
-            </a:r>
-            <a:r>
-              <a:rPr lang="en-US" dirty="0" err="1" smtClean="0"/>
-              <a:t>ioam</a:t>
-            </a:r>
-            <a:r>
-              <a:rPr lang="en-US" dirty="0" smtClean="0"/>
-              <a:t>-data.</a:t>
-            </a:r>
-          </a:p>
-          <a:p>
-            <a:endParaRPr lang="en-US" dirty="0" smtClean="0"/>
-          </a:p>
-          <a:p>
-            <a:endParaRPr lang="en-US" dirty="0" smtClean="0"/>
-          </a:p>
-          <a:p>
-            <a:r>
-              <a:rPr lang="en-US" u="sng" dirty="0" smtClean="0"/>
-              <a:t>Approach 2</a:t>
-            </a:r>
-            <a:r>
-              <a:rPr lang="en-US" dirty="0" smtClean="0"/>
-              <a:t>:</a:t>
-            </a:r>
-          </a:p>
-          <a:p>
-            <a:pPr lvl="1"/>
-            <a:r>
-              <a:rPr lang="en-US" dirty="0" smtClean="0"/>
-              <a:t>Use a dedicated Hop Limit field in the DEX option.</a:t>
-            </a:r>
-          </a:p>
-          <a:p>
-            <a:pPr lvl="1"/>
-            <a:r>
-              <a:rPr lang="en-US" dirty="0" smtClean="0"/>
-              <a:t>Increment by each transit node.</a:t>
-            </a:r>
-          </a:p>
-          <a:p>
-            <a:pPr marL="457200" lvl="1" indent="0">
-              <a:buNone/>
-            </a:pPr>
-            <a:endParaRPr lang="en-US" dirty="0" smtClean="0"/>
-          </a:p>
-        </p:txBody>
-      </p:sp>
-      <p:sp>
-        <p:nvSpPr>
-          <p:cNvPr id="6" name="TextBox 5"/>
-          <p:cNvSpPr txBox="1"/>
-          <p:nvPr/>
-        </p:nvSpPr>
-        <p:spPr>
-          <a:xfrm>
-            <a:off x="4033381" y="6488668"/>
-            <a:ext cx="4133589" cy="369332"/>
-          </a:xfrm>
-          <a:prstGeom prst="rect">
-            <a:avLst/>
-          </a:prstGeom>
-          <a:noFill/>
-        </p:spPr>
-        <p:txBody>
-          <a:bodyPr wrap="square" rtlCol="0">
-            <a:spAutoFit/>
-          </a:bodyPr>
-          <a:lstStyle/>
-          <a:p>
-            <a:pPr algn="ctr"/>
-            <a:r>
-              <a:rPr lang="en-US" dirty="0" smtClean="0">
-                <a:solidFill>
-                  <a:schemeClr val="bg1">
-                    <a:lumMod val="50000"/>
-                  </a:schemeClr>
-                </a:solidFill>
-              </a:rPr>
-              <a:t>IETF 106, Nov 2019</a:t>
-            </a:r>
-            <a:endParaRPr lang="en-US" dirty="0">
-              <a:solidFill>
-                <a:schemeClr val="bg1">
-                  <a:lumMod val="50000"/>
-                </a:schemeClr>
-              </a:solidFill>
-            </a:endParaRPr>
-          </a:p>
-        </p:txBody>
-      </p:sp>
-      <p:sp>
-        <p:nvSpPr>
-          <p:cNvPr id="8" name="Content Placeholder 2"/>
-          <p:cNvSpPr txBox="1">
-            <a:spLocks/>
-          </p:cNvSpPr>
-          <p:nvPr/>
-        </p:nvSpPr>
-        <p:spPr>
-          <a:xfrm>
-            <a:off x="1245325" y="2899439"/>
-            <a:ext cx="10946675" cy="3345996"/>
-          </a:xfrm>
-          <a:prstGeom prst="rect">
-            <a:avLst/>
-          </a:prstGeom>
-        </p:spPr>
-        <p:txBody>
-          <a:bodyPr vert="horz" lIns="91440" tIns="45720" rIns="91440" bIns="45720" rtlCol="0">
-            <a:normAutofit/>
-          </a:bodyPr>
-          <a:lstStyle>
-            <a:lvl1pPr marL="228600" indent="-228600" algn="l" defTabSz="914400" rtl="0" eaLnBrk="1" latinLnBrk="0" hangingPunct="1">
-              <a:lnSpc>
-                <a:spcPct val="90000"/>
-              </a:lnSpc>
-              <a:spcBef>
-                <a:spcPts val="1000"/>
-              </a:spcBef>
-              <a:buFont typeface="Arial" panose="020B0604020202020204" pitchFamily="34" charset="0"/>
-              <a:buChar char="•"/>
-              <a:defRPr sz="2800" kern="1200">
-                <a:solidFill>
-                  <a:schemeClr val="tx1"/>
-                </a:solidFill>
-                <a:latin typeface="+mn-lt"/>
-                <a:ea typeface="+mn-ea"/>
-                <a:cs typeface="+mn-cs"/>
-              </a:defRPr>
-            </a:lvl1pPr>
-            <a:lvl2pPr marL="685800" indent="-228600" algn="l" defTabSz="914400" rtl="0" eaLnBrk="1" latinLnBrk="0" hangingPunct="1">
-              <a:lnSpc>
-                <a:spcPct val="90000"/>
-              </a:lnSpc>
-              <a:spcBef>
-                <a:spcPts val="500"/>
-              </a:spcBef>
-              <a:buFont typeface="Arial" panose="020B0604020202020204" pitchFamily="34" charset="0"/>
-              <a:buChar char="•"/>
-              <a:defRPr sz="2400" kern="1200">
-                <a:solidFill>
-                  <a:schemeClr val="tx1"/>
-                </a:solidFill>
-                <a:latin typeface="+mn-lt"/>
-                <a:ea typeface="+mn-ea"/>
-                <a:cs typeface="+mn-cs"/>
-              </a:defRPr>
-            </a:lvl2pPr>
-            <a:lvl3pPr marL="1143000" indent="-228600" algn="l" defTabSz="914400" rtl="0" eaLnBrk="1" latinLnBrk="0" hangingPunct="1">
-              <a:lnSpc>
-                <a:spcPct val="90000"/>
-              </a:lnSpc>
-              <a:spcBef>
-                <a:spcPts val="500"/>
-              </a:spcBef>
-              <a:buFont typeface="Arial" panose="020B0604020202020204" pitchFamily="34" charset="0"/>
-              <a:buChar char="•"/>
-              <a:defRPr sz="2000" kern="1200">
-                <a:solidFill>
-                  <a:schemeClr val="tx1"/>
-                </a:solidFill>
-                <a:latin typeface="+mn-lt"/>
-                <a:ea typeface="+mn-ea"/>
-                <a:cs typeface="+mn-cs"/>
-              </a:defRPr>
-            </a:lvl3pPr>
-            <a:lvl4pPr marL="1600200" indent="-228600" algn="l" defTabSz="914400" rtl="0" eaLnBrk="1" latinLnBrk="0" hangingPunct="1">
-              <a:lnSpc>
-                <a:spcPct val="90000"/>
-              </a:lnSpc>
-              <a:spcBef>
-                <a:spcPts val="500"/>
-              </a:spcBef>
-              <a:buFont typeface="Arial" panose="020B0604020202020204" pitchFamily="34" charset="0"/>
-              <a:buChar char="•"/>
-              <a:defRPr sz="1800" kern="1200">
-                <a:solidFill>
-                  <a:schemeClr val="tx1"/>
-                </a:solidFill>
-                <a:latin typeface="+mn-lt"/>
-                <a:ea typeface="+mn-ea"/>
-                <a:cs typeface="+mn-cs"/>
-              </a:defRPr>
-            </a:lvl4pPr>
-            <a:lvl5pPr marL="2057400" indent="-228600" algn="l" defTabSz="914400" rtl="0" eaLnBrk="1" latinLnBrk="0" hangingPunct="1">
-              <a:lnSpc>
-                <a:spcPct val="90000"/>
-              </a:lnSpc>
-              <a:spcBef>
-                <a:spcPts val="500"/>
-              </a:spcBef>
-              <a:buFont typeface="Arial" panose="020B0604020202020204" pitchFamily="34" charset="0"/>
-              <a:buChar char="•"/>
-              <a:defRPr sz="1800" kern="1200">
-                <a:solidFill>
-                  <a:schemeClr val="tx1"/>
-                </a:solidFill>
-                <a:latin typeface="+mn-lt"/>
-                <a:ea typeface="+mn-ea"/>
-                <a:cs typeface="+mn-cs"/>
-              </a:defRPr>
-            </a:lvl5pPr>
-            <a:lvl6pPr marL="2514600" indent="-228600" algn="l" defTabSz="914400" rtl="0" eaLnBrk="1" latinLnBrk="0" hangingPunct="1">
-              <a:lnSpc>
-                <a:spcPct val="90000"/>
-              </a:lnSpc>
-              <a:spcBef>
-                <a:spcPts val="500"/>
-              </a:spcBef>
-              <a:buFont typeface="Arial" panose="020B0604020202020204" pitchFamily="34" charset="0"/>
-              <a:buChar char="•"/>
-              <a:defRPr sz="1800" kern="1200">
-                <a:solidFill>
-                  <a:schemeClr val="tx1"/>
-                </a:solidFill>
-                <a:latin typeface="+mn-lt"/>
-                <a:ea typeface="+mn-ea"/>
-                <a:cs typeface="+mn-cs"/>
-              </a:defRPr>
-            </a:lvl6pPr>
-            <a:lvl7pPr marL="2971800" indent="-228600" algn="l" defTabSz="914400" rtl="0" eaLnBrk="1" latinLnBrk="0" hangingPunct="1">
-              <a:lnSpc>
-                <a:spcPct val="90000"/>
-              </a:lnSpc>
-              <a:spcBef>
-                <a:spcPts val="500"/>
-              </a:spcBef>
-              <a:buFont typeface="Arial" panose="020B0604020202020204" pitchFamily="34" charset="0"/>
-              <a:buChar char="•"/>
-              <a:defRPr sz="1800" kern="1200">
-                <a:solidFill>
-                  <a:schemeClr val="tx1"/>
-                </a:solidFill>
-                <a:latin typeface="+mn-lt"/>
-                <a:ea typeface="+mn-ea"/>
-                <a:cs typeface="+mn-cs"/>
-              </a:defRPr>
-            </a:lvl7pPr>
-            <a:lvl8pPr marL="3429000" indent="-228600" algn="l" defTabSz="914400" rtl="0" eaLnBrk="1" latinLnBrk="0" hangingPunct="1">
-              <a:lnSpc>
-                <a:spcPct val="90000"/>
-              </a:lnSpc>
-              <a:spcBef>
-                <a:spcPts val="500"/>
-              </a:spcBef>
-              <a:buFont typeface="Arial" panose="020B0604020202020204" pitchFamily="34" charset="0"/>
-              <a:buChar char="•"/>
-              <a:defRPr sz="1800" kern="1200">
-                <a:solidFill>
-                  <a:schemeClr val="tx1"/>
-                </a:solidFill>
-                <a:latin typeface="+mn-lt"/>
-                <a:ea typeface="+mn-ea"/>
-                <a:cs typeface="+mn-cs"/>
-              </a:defRPr>
-            </a:lvl8pPr>
-            <a:lvl9pPr marL="3886200" indent="-228600" algn="l" defTabSz="914400" rtl="0" eaLnBrk="1" latinLnBrk="0" hangingPunct="1">
-              <a:lnSpc>
-                <a:spcPct val="90000"/>
-              </a:lnSpc>
-              <a:spcBef>
-                <a:spcPts val="500"/>
-              </a:spcBef>
-              <a:buFont typeface="Arial" panose="020B0604020202020204" pitchFamily="34" charset="0"/>
-              <a:buChar char="•"/>
-              <a:defRPr sz="1800" kern="1200">
-                <a:solidFill>
-                  <a:schemeClr val="tx1"/>
-                </a:solidFill>
-                <a:latin typeface="+mn-lt"/>
-                <a:ea typeface="+mn-ea"/>
-                <a:cs typeface="+mn-cs"/>
-              </a:defRPr>
-            </a:lvl9pPr>
-          </a:lstStyle>
-          <a:p>
-            <a:pPr marL="457200" lvl="1" indent="0">
-              <a:buNone/>
-            </a:pPr>
-            <a:r>
-              <a:rPr lang="en-US" dirty="0" smtClean="0">
-                <a:solidFill>
-                  <a:srgbClr val="00B050"/>
-                </a:solidFill>
-              </a:rPr>
-              <a:t>✔</a:t>
-            </a:r>
-            <a:r>
-              <a:rPr lang="en-US" dirty="0" smtClean="0"/>
-              <a:t> Does not require transit nodes to modify data packets. </a:t>
-            </a:r>
-          </a:p>
-          <a:p>
-            <a:pPr marL="457200" lvl="1" indent="0">
-              <a:buNone/>
-            </a:pPr>
-            <a:r>
-              <a:rPr lang="en-US" dirty="0" smtClean="0">
-                <a:solidFill>
-                  <a:srgbClr val="00B050"/>
-                </a:solidFill>
-              </a:rPr>
-              <a:t>✔</a:t>
-            </a:r>
-            <a:r>
-              <a:rPr lang="en-US" dirty="0" smtClean="0"/>
-              <a:t> Reuses an existing data field.</a:t>
-            </a:r>
-            <a:endParaRPr lang="en-US" dirty="0" smtClean="0"/>
-          </a:p>
-          <a:p>
-            <a:endParaRPr lang="en-US" dirty="0" smtClean="0"/>
-          </a:p>
-          <a:p>
-            <a:endParaRPr lang="en-US" dirty="0" smtClean="0"/>
-          </a:p>
-          <a:p>
-            <a:endParaRPr lang="en-US" dirty="0" smtClean="0"/>
-          </a:p>
-          <a:p>
-            <a:pPr marL="457200" lvl="1" indent="0">
-              <a:buNone/>
-            </a:pPr>
-            <a:r>
-              <a:rPr lang="en-US" dirty="0" smtClean="0">
-                <a:solidFill>
-                  <a:srgbClr val="00B050"/>
-                </a:solidFill>
-              </a:rPr>
-              <a:t>✔</a:t>
-            </a:r>
-            <a:r>
-              <a:rPr lang="en-US" dirty="0" smtClean="0"/>
-              <a:t> </a:t>
-            </a:r>
-            <a:r>
-              <a:rPr lang="en-US" dirty="0" smtClean="0"/>
-              <a:t>Detects missing exported packets when there are IOAM-incapable transit nodes.</a:t>
-            </a:r>
-          </a:p>
-          <a:p>
-            <a:pPr marL="457200" lvl="1" indent="0">
-              <a:buNone/>
-            </a:pPr>
-            <a:r>
-              <a:rPr lang="en-US" dirty="0" smtClean="0">
-                <a:solidFill>
-                  <a:srgbClr val="00B050"/>
-                </a:solidFill>
-              </a:rPr>
-              <a:t>✔</a:t>
-            </a:r>
-            <a:r>
-              <a:rPr lang="en-US" dirty="0" smtClean="0"/>
-              <a:t> </a:t>
-            </a:r>
-            <a:r>
-              <a:rPr lang="en-US" dirty="0" smtClean="0"/>
-              <a:t>Applicable in scenarios in which the lower layer TTL is not available.</a:t>
-            </a:r>
-          </a:p>
-          <a:p>
-            <a:pPr marL="457200" lvl="1" indent="0">
-              <a:buNone/>
-            </a:pPr>
-            <a:endParaRPr lang="en-US" dirty="0" smtClean="0"/>
-          </a:p>
-        </p:txBody>
-      </p:sp>
-      <p:sp>
-        <p:nvSpPr>
-          <p:cNvPr id="5" name="Slide Number Placeholder 4"/>
-          <p:cNvSpPr>
-            <a:spLocks noGrp="1"/>
-          </p:cNvSpPr>
-          <p:nvPr>
-            <p:ph type="sldNum" sz="quarter" idx="12"/>
-          </p:nvPr>
-        </p:nvSpPr>
-        <p:spPr/>
-        <p:txBody>
-          <a:bodyPr/>
-          <a:lstStyle/>
-          <a:p>
-            <a:fld id="{5F24DECC-5776-45FE-A1F8-864179D59757}" type="slidenum">
-              <a:rPr lang="en-US" smtClean="0"/>
-              <a:t>7</a:t>
-            </a:fld>
-            <a:endParaRPr lang="en-US"/>
-          </a:p>
-        </p:txBody>
-      </p:sp>
-    </p:spTree>
-    <p:extLst>
-      <p:ext uri="{BB962C8B-B14F-4D97-AF65-F5344CB8AC3E}">
-        <p14:creationId xmlns:p14="http://schemas.microsoft.com/office/powerpoint/2010/main" val="3260861503"/>
-      </p:ext>
-    </p:extLst>
-  </p:cSld>
-  <p:clrMapOvr>
-    <a:masterClrMapping/>
-  </p:clrMapOvr>
-  <p:timing>
-    <p:tnLst>
-      <p:par>
-        <p:cTn id="1" dur="indefinite" restart="never" nodeType="tmRoot">
-          <p:childTnLst>
-            <p:seq concurrent="1" nextAc="seek">
-              <p:cTn id="2" dur="indefinite" nodeType="mainSeq">
-                <p:childTnLst>
-                  <p:par>
-                    <p:cTn id="3" fill="hold">
-                      <p:stCondLst>
-                        <p:cond delay="indefinite"/>
-                      </p:stCondLst>
-                      <p:childTnLst>
-                        <p:par>
-                          <p:cTn id="4" fill="hold">
-                            <p:stCondLst>
-                              <p:cond delay="0"/>
-                            </p:stCondLst>
-                            <p:childTnLst>
-                              <p:par>
-                                <p:cTn id="5" presetID="1" presetClass="entr" presetSubtype="0" fill="hold" grpId="0" nodeType="clickEffect">
-                                  <p:stCondLst>
-                                    <p:cond delay="0"/>
-                                  </p:stCondLst>
-                                  <p:childTnLst>
-                                    <p:set>
-                                      <p:cBhvr>
-                                        <p:cTn id="6" dur="1" fill="hold">
-                                          <p:stCondLst>
-                                            <p:cond delay="0"/>
-                                          </p:stCondLst>
-                                        </p:cTn>
-                                        <p:tgtEl>
-                                          <p:spTgt spid="8"/>
-                                        </p:tgtEl>
-                                        <p:attrNameLst>
-                                          <p:attrName>style.visibility</p:attrName>
-                                        </p:attrNameLst>
-                                      </p:cBhvr>
-                                      <p:to>
-                                        <p:strVal val="visible"/>
-                                      </p:to>
-                                    </p:set>
-                                  </p:childTnLst>
-                                </p:cTn>
-                              </p:par>
-                            </p:childTnLst>
-                          </p:cTn>
-                        </p:par>
-                      </p:childTnLst>
-                    </p:cTn>
-                  </p:par>
-                </p:childTnLst>
-              </p:cTn>
-              <p:prevCondLst>
-                <p:cond evt="onPrev" delay="0">
-                  <p:tgtEl>
-                    <p:sldTgt/>
-                  </p:tgtEl>
-                </p:cond>
-              </p:prevCondLst>
-              <p:nextCondLst>
-                <p:cond evt="onNext" delay="0">
-                  <p:tgtEl>
-                    <p:sldTgt/>
-                  </p:tgtEl>
-                </p:cond>
-              </p:nextCondLst>
-            </p:seq>
-          </p:childTnLst>
-        </p:cTn>
-      </p:par>
-    </p:tnLst>
-    <p:bldLst>
-      <p:bldP spid="8" grpId="0"/>
-    </p:bldLst>
-  </p:timing>
-</p:sld>
-</file>
-
-<file path=ppt/slides/slide8.xml><?xml version="1.0" encoding="utf-8"?>
-<p:sld xmlns:a="http://schemas.openxmlformats.org/drawingml/2006/main" xmlns:r="http://schemas.openxmlformats.org/officeDocument/2006/relationships" xmlns:p="http://schemas.openxmlformats.org/presentationml/2006/main">
-  <p:cSld>
-    <p:spTree>
-      <p:nvGrpSpPr>
-        <p:cNvPr id="1" name=""/>
-        <p:cNvGrpSpPr/>
-        <p:nvPr/>
-      </p:nvGrpSpPr>
-      <p:grpSpPr>
-        <a:xfrm>
-          <a:off x="0" y="0"/>
-          <a:ext cx="0" cy="0"/>
-          <a:chOff x="0" y="0"/>
-          <a:chExt cx="0" cy="0"/>
-        </a:xfrm>
-      </p:grpSpPr>
-      <p:sp>
-        <p:nvSpPr>
-          <p:cNvPr id="2" name="Title 1"/>
-          <p:cNvSpPr>
-            <a:spLocks noGrp="1"/>
-          </p:cNvSpPr>
-          <p:nvPr>
-            <p:ph type="title"/>
-          </p:nvPr>
-        </p:nvSpPr>
-        <p:spPr/>
-        <p:txBody>
-          <a:bodyPr>
-            <a:normAutofit/>
-          </a:bodyPr>
-          <a:lstStyle/>
-          <a:p>
-            <a:r>
-              <a:rPr lang="en-US" sz="3600" dirty="0" smtClean="0"/>
-              <a:t>Next Steps</a:t>
-            </a:r>
-            <a:endParaRPr lang="en-US" sz="3600" dirty="0"/>
-          </a:p>
-        </p:txBody>
-      </p:sp>
-      <p:sp>
-        <p:nvSpPr>
-          <p:cNvPr id="4" name="Content Placeholder 2"/>
-          <p:cNvSpPr txBox="1">
-            <a:spLocks/>
-          </p:cNvSpPr>
-          <p:nvPr/>
-        </p:nvSpPr>
-        <p:spPr>
-          <a:xfrm>
-            <a:off x="838200" y="1650864"/>
-            <a:ext cx="10515600" cy="4351338"/>
-          </a:xfrm>
-          <a:prstGeom prst="rect">
-            <a:avLst/>
-          </a:prstGeom>
-        </p:spPr>
-        <p:txBody>
-          <a:bodyPr vert="horz" lIns="91440" tIns="45720" rIns="91440" bIns="45720" rtlCol="0">
-            <a:normAutofit/>
-          </a:bodyPr>
-          <a:lstStyle>
-            <a:lvl1pPr marL="228600" indent="-228600" algn="l" defTabSz="914400" rtl="0" eaLnBrk="1" latinLnBrk="0" hangingPunct="1">
-              <a:lnSpc>
-                <a:spcPct val="90000"/>
-              </a:lnSpc>
-              <a:spcBef>
-                <a:spcPts val="1000"/>
-              </a:spcBef>
-              <a:buFont typeface="Arial" panose="020B0604020202020204" pitchFamily="34" charset="0"/>
-              <a:buChar char="•"/>
-              <a:defRPr sz="2800" kern="1200">
-                <a:solidFill>
-                  <a:schemeClr val="tx1"/>
-                </a:solidFill>
-                <a:latin typeface="+mn-lt"/>
-                <a:ea typeface="+mn-ea"/>
-                <a:cs typeface="+mn-cs"/>
-              </a:defRPr>
-            </a:lvl1pPr>
-            <a:lvl2pPr marL="685800" indent="-228600" algn="l" defTabSz="914400" rtl="0" eaLnBrk="1" latinLnBrk="0" hangingPunct="1">
-              <a:lnSpc>
-                <a:spcPct val="90000"/>
-              </a:lnSpc>
-              <a:spcBef>
-                <a:spcPts val="500"/>
-              </a:spcBef>
-              <a:buFont typeface="Arial" panose="020B0604020202020204" pitchFamily="34" charset="0"/>
-              <a:buChar char="•"/>
-              <a:defRPr sz="2400" kern="1200">
-                <a:solidFill>
-                  <a:schemeClr val="tx1"/>
-                </a:solidFill>
-                <a:latin typeface="+mn-lt"/>
-                <a:ea typeface="+mn-ea"/>
-                <a:cs typeface="+mn-cs"/>
-              </a:defRPr>
-            </a:lvl2pPr>
-            <a:lvl3pPr marL="1143000" indent="-228600" algn="l" defTabSz="914400" rtl="0" eaLnBrk="1" latinLnBrk="0" hangingPunct="1">
-              <a:lnSpc>
-                <a:spcPct val="90000"/>
-              </a:lnSpc>
-              <a:spcBef>
-                <a:spcPts val="500"/>
-              </a:spcBef>
-              <a:buFont typeface="Arial" panose="020B0604020202020204" pitchFamily="34" charset="0"/>
-              <a:buChar char="•"/>
-              <a:defRPr sz="2000" kern="1200">
-                <a:solidFill>
-                  <a:schemeClr val="tx1"/>
-                </a:solidFill>
-                <a:latin typeface="+mn-lt"/>
-                <a:ea typeface="+mn-ea"/>
-                <a:cs typeface="+mn-cs"/>
-              </a:defRPr>
-            </a:lvl3pPr>
-            <a:lvl4pPr marL="1600200" indent="-228600" algn="l" defTabSz="914400" rtl="0" eaLnBrk="1" latinLnBrk="0" hangingPunct="1">
-              <a:lnSpc>
-                <a:spcPct val="90000"/>
-              </a:lnSpc>
-              <a:spcBef>
-                <a:spcPts val="500"/>
-              </a:spcBef>
-              <a:buFont typeface="Arial" panose="020B0604020202020204" pitchFamily="34" charset="0"/>
-              <a:buChar char="•"/>
-              <a:defRPr sz="1800" kern="1200">
-                <a:solidFill>
-                  <a:schemeClr val="tx1"/>
-                </a:solidFill>
-                <a:latin typeface="+mn-lt"/>
-                <a:ea typeface="+mn-ea"/>
-                <a:cs typeface="+mn-cs"/>
-              </a:defRPr>
-            </a:lvl4pPr>
-            <a:lvl5pPr marL="2057400" indent="-228600" algn="l" defTabSz="914400" rtl="0" eaLnBrk="1" latinLnBrk="0" hangingPunct="1">
-              <a:lnSpc>
-                <a:spcPct val="90000"/>
-              </a:lnSpc>
-              <a:spcBef>
-                <a:spcPts val="500"/>
-              </a:spcBef>
-              <a:buFont typeface="Arial" panose="020B0604020202020204" pitchFamily="34" charset="0"/>
-              <a:buChar char="•"/>
-              <a:defRPr sz="1800" kern="1200">
-                <a:solidFill>
-                  <a:schemeClr val="tx1"/>
-                </a:solidFill>
-                <a:latin typeface="+mn-lt"/>
-                <a:ea typeface="+mn-ea"/>
-                <a:cs typeface="+mn-cs"/>
-              </a:defRPr>
-            </a:lvl5pPr>
-            <a:lvl6pPr marL="2514600" indent="-228600" algn="l" defTabSz="914400" rtl="0" eaLnBrk="1" latinLnBrk="0" hangingPunct="1">
-              <a:lnSpc>
-                <a:spcPct val="90000"/>
-              </a:lnSpc>
-              <a:spcBef>
-                <a:spcPts val="500"/>
-              </a:spcBef>
-              <a:buFont typeface="Arial" panose="020B0604020202020204" pitchFamily="34" charset="0"/>
-              <a:buChar char="•"/>
-              <a:defRPr sz="1800" kern="1200">
-                <a:solidFill>
-                  <a:schemeClr val="tx1"/>
-                </a:solidFill>
-                <a:latin typeface="+mn-lt"/>
-                <a:ea typeface="+mn-ea"/>
-                <a:cs typeface="+mn-cs"/>
-              </a:defRPr>
-            </a:lvl6pPr>
-            <a:lvl7pPr marL="2971800" indent="-228600" algn="l" defTabSz="914400" rtl="0" eaLnBrk="1" latinLnBrk="0" hangingPunct="1">
-              <a:lnSpc>
-                <a:spcPct val="90000"/>
-              </a:lnSpc>
-              <a:spcBef>
-                <a:spcPts val="500"/>
-              </a:spcBef>
-              <a:buFont typeface="Arial" panose="020B0604020202020204" pitchFamily="34" charset="0"/>
-              <a:buChar char="•"/>
-              <a:defRPr sz="1800" kern="1200">
-                <a:solidFill>
-                  <a:schemeClr val="tx1"/>
-                </a:solidFill>
-                <a:latin typeface="+mn-lt"/>
-                <a:ea typeface="+mn-ea"/>
-                <a:cs typeface="+mn-cs"/>
-              </a:defRPr>
-            </a:lvl7pPr>
-            <a:lvl8pPr marL="3429000" indent="-228600" algn="l" defTabSz="914400" rtl="0" eaLnBrk="1" latinLnBrk="0" hangingPunct="1">
-              <a:lnSpc>
-                <a:spcPct val="90000"/>
-              </a:lnSpc>
-              <a:spcBef>
-                <a:spcPts val="500"/>
-              </a:spcBef>
-              <a:buFont typeface="Arial" panose="020B0604020202020204" pitchFamily="34" charset="0"/>
-              <a:buChar char="•"/>
-              <a:defRPr sz="1800" kern="1200">
-                <a:solidFill>
-                  <a:schemeClr val="tx1"/>
-                </a:solidFill>
-                <a:latin typeface="+mn-lt"/>
-                <a:ea typeface="+mn-ea"/>
-                <a:cs typeface="+mn-cs"/>
-              </a:defRPr>
-            </a:lvl8pPr>
-            <a:lvl9pPr marL="3886200" indent="-228600" algn="l" defTabSz="914400" rtl="0" eaLnBrk="1" latinLnBrk="0" hangingPunct="1">
-              <a:lnSpc>
-                <a:spcPct val="90000"/>
-              </a:lnSpc>
-              <a:spcBef>
-                <a:spcPts val="500"/>
-              </a:spcBef>
-              <a:buFont typeface="Arial" panose="020B0604020202020204" pitchFamily="34" charset="0"/>
-              <a:buChar char="•"/>
-              <a:defRPr sz="1800" kern="1200">
-                <a:solidFill>
-                  <a:schemeClr val="tx1"/>
-                </a:solidFill>
-                <a:latin typeface="+mn-lt"/>
-                <a:ea typeface="+mn-ea"/>
-                <a:cs typeface="+mn-cs"/>
-              </a:defRPr>
-            </a:lvl9pPr>
-          </a:lstStyle>
-          <a:p>
-            <a:r>
-              <a:rPr lang="en-US" dirty="0" smtClean="0"/>
-              <a:t>Request working group adoption. </a:t>
-            </a:r>
-          </a:p>
-        </p:txBody>
-      </p:sp>
-      <p:sp>
-        <p:nvSpPr>
-          <p:cNvPr id="6" name="TextBox 5"/>
-          <p:cNvSpPr txBox="1"/>
-          <p:nvPr/>
-        </p:nvSpPr>
-        <p:spPr>
-          <a:xfrm>
-            <a:off x="4033381" y="6488668"/>
-            <a:ext cx="4133589" cy="369332"/>
-          </a:xfrm>
-          <a:prstGeom prst="rect">
-            <a:avLst/>
-          </a:prstGeom>
-          <a:noFill/>
-        </p:spPr>
-        <p:txBody>
-          <a:bodyPr wrap="square" rtlCol="0">
-            <a:spAutoFit/>
-          </a:bodyPr>
-          <a:lstStyle/>
-          <a:p>
-            <a:pPr algn="ctr"/>
-            <a:r>
-              <a:rPr lang="en-US" dirty="0" smtClean="0">
-                <a:solidFill>
-                  <a:schemeClr val="bg1">
-                    <a:lumMod val="50000"/>
-                  </a:schemeClr>
-                </a:solidFill>
-              </a:rPr>
-              <a:t>IETF 106, Nov 2019</a:t>
-            </a:r>
-            <a:endParaRPr lang="en-US" dirty="0">
-              <a:solidFill>
-                <a:schemeClr val="bg1">
-                  <a:lumMod val="50000"/>
-                </a:schemeClr>
-              </a:solidFill>
-            </a:endParaRPr>
-          </a:p>
-        </p:txBody>
-      </p:sp>
-      <p:sp>
-        <p:nvSpPr>
-          <p:cNvPr id="3" name="Slide Number Placeholder 2"/>
-          <p:cNvSpPr>
-            <a:spLocks noGrp="1"/>
-          </p:cNvSpPr>
-          <p:nvPr>
-            <p:ph type="sldNum" sz="quarter" idx="12"/>
-          </p:nvPr>
-        </p:nvSpPr>
-        <p:spPr/>
-        <p:txBody>
-          <a:bodyPr/>
-          <a:lstStyle/>
-          <a:p>
-            <a:fld id="{5F24DECC-5776-45FE-A1F8-864179D59757}" type="slidenum">
-              <a:rPr lang="en-US" smtClean="0"/>
-              <a:t>8</a:t>
             </a:fld>
             <a:endParaRPr lang="en-US"/>
           </a:p>
@@ -9967,97 +5923,6 @@
   <p:clrMapOvr>
     <a:masterClrMapping/>
   </p:clrMapOvr>
-  <p:timing>
-    <p:tnLst>
-      <p:par>
-        <p:cTn id="1" dur="indefinite" restart="never" nodeType="tmRoot"/>
-      </p:par>
-    </p:tnLst>
-  </p:timing>
-</p:sld>
-</file>
-
-<file path=ppt/slides/slide9.xml><?xml version="1.0" encoding="utf-8"?>
-<p:sld xmlns:a="http://schemas.openxmlformats.org/drawingml/2006/main" xmlns:r="http://schemas.openxmlformats.org/officeDocument/2006/relationships" xmlns:p="http://schemas.openxmlformats.org/presentationml/2006/main">
-  <p:cSld>
-    <p:spTree>
-      <p:nvGrpSpPr>
-        <p:cNvPr id="1" name=""/>
-        <p:cNvGrpSpPr/>
-        <p:nvPr/>
-      </p:nvGrpSpPr>
-      <p:grpSpPr>
-        <a:xfrm>
-          <a:off x="0" y="0"/>
-          <a:ext cx="0" cy="0"/>
-          <a:chOff x="0" y="0"/>
-          <a:chExt cx="0" cy="0"/>
-        </a:xfrm>
-      </p:grpSpPr>
-      <p:sp>
-        <p:nvSpPr>
-          <p:cNvPr id="2" name="Title 1"/>
-          <p:cNvSpPr>
-            <a:spLocks noGrp="1"/>
-          </p:cNvSpPr>
-          <p:nvPr>
-            <p:ph type="title"/>
-          </p:nvPr>
-        </p:nvSpPr>
-        <p:spPr/>
-        <p:txBody>
-          <a:bodyPr anchor="ctr" anchorCtr="0"/>
-          <a:lstStyle/>
-          <a:p>
-            <a:pPr algn="ctr"/>
-            <a:r>
-              <a:rPr lang="en-US" dirty="0" smtClean="0"/>
-              <a:t>Backup</a:t>
-            </a:r>
-            <a:endParaRPr lang="en-US" dirty="0"/>
-          </a:p>
-        </p:txBody>
-      </p:sp>
-      <p:sp>
-        <p:nvSpPr>
-          <p:cNvPr id="4" name="Slide Number Placeholder 3"/>
-          <p:cNvSpPr>
-            <a:spLocks noGrp="1"/>
-          </p:cNvSpPr>
-          <p:nvPr>
-            <p:ph type="sldNum" sz="quarter" idx="12"/>
-          </p:nvPr>
-        </p:nvSpPr>
-        <p:spPr/>
-        <p:txBody>
-          <a:bodyPr/>
-          <a:lstStyle/>
-          <a:p>
-            <a:fld id="{5F24DECC-5776-45FE-A1F8-864179D59757}" type="slidenum">
-              <a:rPr lang="en-US" smtClean="0"/>
-              <a:t>9</a:t>
-            </a:fld>
-            <a:endParaRPr lang="en-US"/>
-          </a:p>
-        </p:txBody>
-      </p:sp>
-    </p:spTree>
-    <p:extLst>
-      <p:ext uri="{BB962C8B-B14F-4D97-AF65-F5344CB8AC3E}">
-        <p14:creationId xmlns:p14="http://schemas.microsoft.com/office/powerpoint/2010/main" val="856883891"/>
-      </p:ext>
-    </p:extLst>
-  </p:cSld>
-  <p:clrMapOvr>
-    <a:masterClrMapping/>
-  </p:clrMapOvr>
-  <p:timing>
-    <p:tnLst>
-      <p:par>
-        <p:cTn id="1" dur="indefinite" restart="never" nodeType="tmRoot"/>
-      </p:par>
-    </p:tnLst>
-  </p:timing>
 </p:sld>
 </file>
 
